--- a/Slides/IntroToLinux_Day2.pptx
+++ b/Slides/IntroToLinux_Day2.pptx
@@ -5,34 +5,26 @@
     <p:sldMasterId id="2147483668" r:id="rId1"/>
   </p:sldMasterIdLst>
   <p:notesMasterIdLst>
-    <p:notesMasterId r:id="rId27"/>
+    <p:notesMasterId r:id="rId19"/>
   </p:notesMasterIdLst>
   <p:sldIdLst>
-    <p:sldId id="289" r:id="rId2"/>
-    <p:sldId id="266" r:id="rId3"/>
-    <p:sldId id="267" r:id="rId4"/>
-    <p:sldId id="283" r:id="rId5"/>
-    <p:sldId id="284" r:id="rId6"/>
-    <p:sldId id="287" r:id="rId7"/>
-    <p:sldId id="268" r:id="rId8"/>
-    <p:sldId id="328" r:id="rId9"/>
-    <p:sldId id="323" r:id="rId10"/>
-    <p:sldId id="286" r:id="rId11"/>
-    <p:sldId id="275" r:id="rId12"/>
-    <p:sldId id="295" r:id="rId13"/>
-    <p:sldId id="296" r:id="rId14"/>
-    <p:sldId id="292" r:id="rId15"/>
-    <p:sldId id="302" r:id="rId16"/>
-    <p:sldId id="294" r:id="rId17"/>
-    <p:sldId id="304" r:id="rId18"/>
-    <p:sldId id="322" r:id="rId19"/>
-    <p:sldId id="297" r:id="rId20"/>
-    <p:sldId id="325" r:id="rId21"/>
-    <p:sldId id="324" r:id="rId22"/>
-    <p:sldId id="326" r:id="rId23"/>
-    <p:sldId id="305" r:id="rId24"/>
-    <p:sldId id="327" r:id="rId25"/>
-    <p:sldId id="307" r:id="rId26"/>
+    <p:sldId id="256" r:id="rId2"/>
+    <p:sldId id="310" r:id="rId3"/>
+    <p:sldId id="282" r:id="rId4"/>
+    <p:sldId id="281" r:id="rId5"/>
+    <p:sldId id="334" r:id="rId6"/>
+    <p:sldId id="330" r:id="rId7"/>
+    <p:sldId id="278" r:id="rId8"/>
+    <p:sldId id="279" r:id="rId9"/>
+    <p:sldId id="333" r:id="rId10"/>
+    <p:sldId id="331" r:id="rId11"/>
+    <p:sldId id="300" r:id="rId12"/>
+    <p:sldId id="301" r:id="rId13"/>
+    <p:sldId id="335" r:id="rId14"/>
+    <p:sldId id="336" r:id="rId15"/>
+    <p:sldId id="337" r:id="rId16"/>
+    <p:sldId id="338" r:id="rId17"/>
+    <p:sldId id="307" r:id="rId18"/>
   </p:sldIdLst>
   <p:sldSz cx="12192000" cy="6858000"/>
   <p:notesSz cx="6858000" cy="9144000"/>
@@ -132,6 +124,35 @@
     </a:lvl9pPr>
   </p:defaultTextStyle>
   <p:extLst>
+    <p:ext uri="{521415D9-36F7-43E2-AB2F-B90AF26B5E84}">
+      <p14:sectionLst xmlns:p14="http://schemas.microsoft.com/office/powerpoint/2010/main">
+        <p14:section name="Default Section" id="{DBB96611-3119-E84D-AA78-26EF2FC1C96D}">
+          <p14:sldIdLst>
+            <p14:sldId id="256"/>
+            <p14:sldId id="310"/>
+            <p14:sldId id="282"/>
+            <p14:sldId id="281"/>
+            <p14:sldId id="334"/>
+            <p14:sldId id="330"/>
+            <p14:sldId id="278"/>
+            <p14:sldId id="279"/>
+            <p14:sldId id="333"/>
+            <p14:sldId id="331"/>
+            <p14:sldId id="300"/>
+            <p14:sldId id="301"/>
+            <p14:sldId id="335"/>
+            <p14:sldId id="336"/>
+            <p14:sldId id="337"/>
+            <p14:sldId id="338"/>
+          </p14:sldIdLst>
+        </p14:section>
+        <p14:section name="Untitled Section" id="{FDCFE669-8442-D747-863A-1E07EF746D66}">
+          <p14:sldIdLst>
+            <p14:sldId id="307"/>
+          </p14:sldIdLst>
+        </p14:section>
+      </p14:sectionLst>
+    </p:ext>
     <p:ext uri="{EFAFB233-063F-42B5-8137-9DF3F51BA10A}">
       <p15:sldGuideLst xmlns:p15="http://schemas.microsoft.com/office/powerpoint/2012/main"/>
     </p:ext>
@@ -221,7 +242,7 @@
           <a:p>
             <a:fld id="{09389570-F35F-F944-8303-290CD89D29CB}" type="datetimeFigureOut">
               <a:rPr lang="en-GB" smtClean="0"/>
-              <a:t>07/10/2020</a:t>
+              <a:t>05/10/2021</a:t>
             </a:fld>
             <a:endParaRPr lang="en-GB"/>
           </a:p>
@@ -578,7 +599,7 @@
           <a:p>
             <a:fld id="{1F576982-B916-C04C-A8C2-7500DBAA2A1B}" type="slidenum">
               <a:rPr lang="en-GB" smtClean="0"/>
-              <a:t>11</a:t>
+              <a:t>5</a:t>
             </a:fld>
             <a:endParaRPr lang="en-GB"/>
           </a:p>
@@ -587,7 +608,225 @@
     </p:spTree>
     <p:extLst>
       <p:ext uri="{BB962C8B-B14F-4D97-AF65-F5344CB8AC3E}">
-        <p14:creationId xmlns:p14="http://schemas.microsoft.com/office/powerpoint/2010/main" val="1688528607"/>
+        <p14:creationId xmlns:p14="http://schemas.microsoft.com/office/powerpoint/2010/main" val="4016398522"/>
+      </p:ext>
+    </p:extLst>
+  </p:cSld>
+  <p:clrMapOvr>
+    <a:masterClrMapping/>
+  </p:clrMapOvr>
+</p:notes>
+</file>
+
+<file path=ppt/notesSlides/notesSlide2.xml><?xml version="1.0" encoding="utf-8"?>
+<p:notes xmlns:a="http://schemas.openxmlformats.org/drawingml/2006/main" xmlns:r="http://schemas.openxmlformats.org/officeDocument/2006/relationships" xmlns:p="http://schemas.openxmlformats.org/presentationml/2006/main">
+  <p:cSld>
+    <p:spTree>
+      <p:nvGrpSpPr>
+        <p:cNvPr id="1" name=""/>
+        <p:cNvGrpSpPr/>
+        <p:nvPr/>
+      </p:nvGrpSpPr>
+      <p:grpSpPr>
+        <a:xfrm>
+          <a:off x="0" y="0"/>
+          <a:ext cx="0" cy="0"/>
+          <a:chOff x="0" y="0"/>
+          <a:chExt cx="0" cy="0"/>
+        </a:xfrm>
+      </p:grpSpPr>
+      <p:sp>
+        <p:nvSpPr>
+          <p:cNvPr id="2" name="Slide Image Placeholder 1"/>
+          <p:cNvSpPr>
+            <a:spLocks noGrp="1" noRot="1" noChangeAspect="1"/>
+          </p:cNvSpPr>
+          <p:nvPr>
+            <p:ph type="sldImg"/>
+          </p:nvPr>
+        </p:nvSpPr>
+        <p:spPr/>
+      </p:sp>
+      <p:sp>
+        <p:nvSpPr>
+          <p:cNvPr id="3" name="Notes Placeholder 2"/>
+          <p:cNvSpPr>
+            <a:spLocks noGrp="1"/>
+          </p:cNvSpPr>
+          <p:nvPr>
+            <p:ph type="body" idx="1"/>
+          </p:nvPr>
+        </p:nvSpPr>
+        <p:spPr/>
+        <p:txBody>
+          <a:bodyPr/>
+          <a:lstStyle/>
+          <a:p>
+            <a:r>
+              <a:rPr lang="en-GB" dirty="0"/>
+              <a:t>http://</a:t>
+            </a:r>
+            <a:r>
+              <a:rPr lang="en-GB" dirty="0" err="1"/>
+              <a:t>www.hypexr.org</a:t>
+            </a:r>
+            <a:r>
+              <a:rPr lang="en-GB" dirty="0"/>
+              <a:t>/</a:t>
+            </a:r>
+            <a:r>
+              <a:rPr lang="en-GB" dirty="0" err="1"/>
+              <a:t>linux_scp_help.php</a:t>
+            </a:r>
+            <a:endParaRPr lang="en-GB" dirty="0"/>
+          </a:p>
+          <a:p>
+            <a:endParaRPr lang="en-GB" dirty="0"/>
+          </a:p>
+          <a:p>
+            <a:endParaRPr lang="en-GB" dirty="0"/>
+          </a:p>
+          <a:p>
+            <a:endParaRPr lang="en-GB" dirty="0"/>
+          </a:p>
+        </p:txBody>
+      </p:sp>
+      <p:sp>
+        <p:nvSpPr>
+          <p:cNvPr id="4" name="Slide Number Placeholder 3"/>
+          <p:cNvSpPr>
+            <a:spLocks noGrp="1"/>
+          </p:cNvSpPr>
+          <p:nvPr>
+            <p:ph type="sldNum" sz="quarter" idx="5"/>
+          </p:nvPr>
+        </p:nvSpPr>
+        <p:spPr/>
+        <p:txBody>
+          <a:bodyPr/>
+          <a:lstStyle/>
+          <a:p>
+            <a:fld id="{1F576982-B916-C04C-A8C2-7500DBAA2A1B}" type="slidenum">
+              <a:rPr lang="en-GB" smtClean="0"/>
+              <a:t>9</a:t>
+            </a:fld>
+            <a:endParaRPr lang="en-GB"/>
+          </a:p>
+        </p:txBody>
+      </p:sp>
+    </p:spTree>
+    <p:extLst>
+      <p:ext uri="{BB962C8B-B14F-4D97-AF65-F5344CB8AC3E}">
+        <p14:creationId xmlns:p14="http://schemas.microsoft.com/office/powerpoint/2010/main" val="4159029385"/>
+      </p:ext>
+    </p:extLst>
+  </p:cSld>
+  <p:clrMapOvr>
+    <a:masterClrMapping/>
+  </p:clrMapOvr>
+</p:notes>
+</file>
+
+<file path=ppt/notesSlides/notesSlide3.xml><?xml version="1.0" encoding="utf-8"?>
+<p:notes xmlns:a="http://schemas.openxmlformats.org/drawingml/2006/main" xmlns:r="http://schemas.openxmlformats.org/officeDocument/2006/relationships" xmlns:p="http://schemas.openxmlformats.org/presentationml/2006/main">
+  <p:cSld>
+    <p:spTree>
+      <p:nvGrpSpPr>
+        <p:cNvPr id="1" name=""/>
+        <p:cNvGrpSpPr/>
+        <p:nvPr/>
+      </p:nvGrpSpPr>
+      <p:grpSpPr>
+        <a:xfrm>
+          <a:off x="0" y="0"/>
+          <a:ext cx="0" cy="0"/>
+          <a:chOff x="0" y="0"/>
+          <a:chExt cx="0" cy="0"/>
+        </a:xfrm>
+      </p:grpSpPr>
+      <p:sp>
+        <p:nvSpPr>
+          <p:cNvPr id="2" name="Slide Image Placeholder 1"/>
+          <p:cNvSpPr>
+            <a:spLocks noGrp="1" noRot="1" noChangeAspect="1"/>
+          </p:cNvSpPr>
+          <p:nvPr>
+            <p:ph type="sldImg"/>
+          </p:nvPr>
+        </p:nvSpPr>
+        <p:spPr/>
+      </p:sp>
+      <p:sp>
+        <p:nvSpPr>
+          <p:cNvPr id="3" name="Notes Placeholder 2"/>
+          <p:cNvSpPr>
+            <a:spLocks noGrp="1"/>
+          </p:cNvSpPr>
+          <p:nvPr>
+            <p:ph type="body" idx="1"/>
+          </p:nvPr>
+        </p:nvSpPr>
+        <p:spPr/>
+        <p:txBody>
+          <a:bodyPr/>
+          <a:lstStyle/>
+          <a:p>
+            <a:r>
+              <a:rPr lang="en-GB" dirty="0"/>
+              <a:t>http://</a:t>
+            </a:r>
+            <a:r>
+              <a:rPr lang="en-GB" dirty="0" err="1"/>
+              <a:t>www.hypexr.org</a:t>
+            </a:r>
+            <a:r>
+              <a:rPr lang="en-GB" dirty="0"/>
+              <a:t>/</a:t>
+            </a:r>
+            <a:r>
+              <a:rPr lang="en-GB" dirty="0" err="1"/>
+              <a:t>linux_scp_help.php</a:t>
+            </a:r>
+            <a:endParaRPr lang="en-GB" dirty="0"/>
+          </a:p>
+          <a:p>
+            <a:endParaRPr lang="en-GB" dirty="0"/>
+          </a:p>
+          <a:p>
+            <a:endParaRPr lang="en-GB" dirty="0"/>
+          </a:p>
+          <a:p>
+            <a:endParaRPr lang="en-GB" dirty="0"/>
+          </a:p>
+        </p:txBody>
+      </p:sp>
+      <p:sp>
+        <p:nvSpPr>
+          <p:cNvPr id="4" name="Slide Number Placeholder 3"/>
+          <p:cNvSpPr>
+            <a:spLocks noGrp="1"/>
+          </p:cNvSpPr>
+          <p:nvPr>
+            <p:ph type="sldNum" sz="quarter" idx="5"/>
+          </p:nvPr>
+        </p:nvSpPr>
+        <p:spPr/>
+        <p:txBody>
+          <a:bodyPr/>
+          <a:lstStyle/>
+          <a:p>
+            <a:fld id="{1F576982-B916-C04C-A8C2-7500DBAA2A1B}" type="slidenum">
+              <a:rPr lang="en-GB" smtClean="0"/>
+              <a:t>13</a:t>
+            </a:fld>
+            <a:endParaRPr lang="en-GB"/>
+          </a:p>
+        </p:txBody>
+      </p:sp>
+    </p:spTree>
+    <p:extLst>
+      <p:ext uri="{BB962C8B-B14F-4D97-AF65-F5344CB8AC3E}">
+        <p14:creationId xmlns:p14="http://schemas.microsoft.com/office/powerpoint/2010/main" val="1508821758"/>
       </p:ext>
     </p:extLst>
   </p:cSld>
@@ -784,7 +1023,7 @@
             <a:fld id="{B61BEF0D-F0BB-DE4B-95CE-6DB70DBA9567}" type="datetimeFigureOut">
               <a:rPr lang="en-US" smtClean="0"/>
               <a:pPr/>
-              <a:t>10/7/20</a:t>
+              <a:t>10/5/21</a:t>
             </a:fld>
             <a:endParaRPr lang="en-US" dirty="0"/>
           </a:p>
@@ -1061,7 +1300,7 @@
             <a:fld id="{B61BEF0D-F0BB-DE4B-95CE-6DB70DBA9567}" type="datetimeFigureOut">
               <a:rPr lang="en-US" smtClean="0"/>
               <a:pPr/>
-              <a:t>10/7/20</a:t>
+              <a:t>10/5/21</a:t>
             </a:fld>
             <a:endParaRPr lang="en-US" dirty="0"/>
           </a:p>
@@ -1257,7 +1496,7 @@
             <a:fld id="{B61BEF0D-F0BB-DE4B-95CE-6DB70DBA9567}" type="datetimeFigureOut">
               <a:rPr lang="en-US" smtClean="0"/>
               <a:pPr/>
-              <a:t>10/7/20</a:t>
+              <a:t>10/5/21</a:t>
             </a:fld>
             <a:endParaRPr lang="en-US" dirty="0"/>
           </a:p>
@@ -1532,7 +1771,7 @@
             <a:fld id="{B61BEF0D-F0BB-DE4B-95CE-6DB70DBA9567}" type="datetimeFigureOut">
               <a:rPr lang="en-US" smtClean="0"/>
               <a:pPr/>
-              <a:t>10/7/20</a:t>
+              <a:t>10/5/21</a:t>
             </a:fld>
             <a:endParaRPr lang="en-US" dirty="0"/>
           </a:p>
@@ -1875,7 +2114,7 @@
             <a:fld id="{B61BEF0D-F0BB-DE4B-95CE-6DB70DBA9567}" type="datetimeFigureOut">
               <a:rPr lang="en-US" smtClean="0"/>
               <a:pPr/>
-              <a:t>10/7/20</a:t>
+              <a:t>10/5/21</a:t>
             </a:fld>
             <a:endParaRPr lang="en-US" dirty="0"/>
           </a:p>
@@ -2500,7 +2739,7 @@
             <a:fld id="{B61BEF0D-F0BB-DE4B-95CE-6DB70DBA9567}" type="datetimeFigureOut">
               <a:rPr lang="en-US" smtClean="0"/>
               <a:pPr/>
-              <a:t>10/7/20</a:t>
+              <a:t>10/5/21</a:t>
             </a:fld>
             <a:endParaRPr lang="en-US" dirty="0"/>
           </a:p>
@@ -3362,7 +3601,7 @@
             <a:fld id="{B61BEF0D-F0BB-DE4B-95CE-6DB70DBA9567}" type="datetimeFigureOut">
               <a:rPr lang="en-US" smtClean="0"/>
               <a:pPr/>
-              <a:t>10/7/20</a:t>
+              <a:t>10/5/21</a:t>
             </a:fld>
             <a:endParaRPr lang="en-US" dirty="0"/>
           </a:p>
@@ -3534,7 +3773,7 @@
             <a:fld id="{B61BEF0D-F0BB-DE4B-95CE-6DB70DBA9567}" type="datetimeFigureOut">
               <a:rPr lang="en-US" smtClean="0"/>
               <a:pPr/>
-              <a:t>10/7/20</a:t>
+              <a:t>10/5/21</a:t>
             </a:fld>
             <a:endParaRPr lang="en-US" dirty="0"/>
           </a:p>
@@ -3716,7 +3955,7 @@
             <a:fld id="{B61BEF0D-F0BB-DE4B-95CE-6DB70DBA9567}" type="datetimeFigureOut">
               <a:rPr lang="en-US" smtClean="0"/>
               <a:pPr/>
-              <a:t>10/7/20</a:t>
+              <a:t>10/5/21</a:t>
             </a:fld>
             <a:endParaRPr lang="en-US" dirty="0"/>
           </a:p>
@@ -3888,7 +4127,7 @@
             <a:fld id="{B61BEF0D-F0BB-DE4B-95CE-6DB70DBA9567}" type="datetimeFigureOut">
               <a:rPr lang="en-US" smtClean="0"/>
               <a:pPr/>
-              <a:t>10/7/20</a:t>
+              <a:t>10/5/21</a:t>
             </a:fld>
             <a:endParaRPr lang="en-US" dirty="0"/>
           </a:p>
@@ -4137,7 +4376,7 @@
             <a:fld id="{B61BEF0D-F0BB-DE4B-95CE-6DB70DBA9567}" type="datetimeFigureOut">
               <a:rPr lang="en-US" smtClean="0"/>
               <a:pPr/>
-              <a:t>10/7/20</a:t>
+              <a:t>10/5/21</a:t>
             </a:fld>
             <a:endParaRPr lang="en-US" dirty="0"/>
           </a:p>
@@ -4431,7 +4670,7 @@
             <a:fld id="{B61BEF0D-F0BB-DE4B-95CE-6DB70DBA9567}" type="datetimeFigureOut">
               <a:rPr lang="en-US" smtClean="0"/>
               <a:pPr/>
-              <a:t>10/7/20</a:t>
+              <a:t>10/5/21</a:t>
             </a:fld>
             <a:endParaRPr lang="en-US" dirty="0"/>
           </a:p>
@@ -4877,7 +5116,7 @@
             <a:fld id="{B61BEF0D-F0BB-DE4B-95CE-6DB70DBA9567}" type="datetimeFigureOut">
               <a:rPr lang="en-US" smtClean="0"/>
               <a:pPr/>
-              <a:t>10/7/20</a:t>
+              <a:t>10/5/21</a:t>
             </a:fld>
             <a:endParaRPr lang="en-US" dirty="0"/>
           </a:p>
@@ -4997,7 +5236,7 @@
             <a:fld id="{B61BEF0D-F0BB-DE4B-95CE-6DB70DBA9567}" type="datetimeFigureOut">
               <a:rPr lang="en-US" smtClean="0"/>
               <a:pPr/>
-              <a:t>10/7/20</a:t>
+              <a:t>10/5/21</a:t>
             </a:fld>
             <a:endParaRPr lang="en-US" dirty="0"/>
           </a:p>
@@ -5094,7 +5333,7 @@
             <a:fld id="{B61BEF0D-F0BB-DE4B-95CE-6DB70DBA9567}" type="datetimeFigureOut">
               <a:rPr lang="en-US" smtClean="0"/>
               <a:pPr/>
-              <a:t>10/7/20</a:t>
+              <a:t>10/5/21</a:t>
             </a:fld>
             <a:endParaRPr lang="en-US" dirty="0"/>
           </a:p>
@@ -5375,7 +5614,7 @@
             <a:fld id="{B61BEF0D-F0BB-DE4B-95CE-6DB70DBA9567}" type="datetimeFigureOut">
               <a:rPr lang="en-US" smtClean="0"/>
               <a:pPr/>
-              <a:t>10/7/20</a:t>
+              <a:t>10/5/21</a:t>
             </a:fld>
             <a:endParaRPr lang="en-US" dirty="0"/>
           </a:p>
@@ -5652,7 +5891,7 @@
             <a:fld id="{B61BEF0D-F0BB-DE4B-95CE-6DB70DBA9567}" type="datetimeFigureOut">
               <a:rPr lang="en-US" smtClean="0"/>
               <a:pPr/>
-              <a:t>10/7/20</a:t>
+              <a:t>10/5/21</a:t>
             </a:fld>
             <a:endParaRPr lang="en-US" dirty="0"/>
           </a:p>
@@ -6083,7 +6322,7 @@
             <a:fld id="{B61BEF0D-F0BB-DE4B-95CE-6DB70DBA9567}" type="datetimeFigureOut">
               <a:rPr lang="en-US" smtClean="0"/>
               <a:pPr/>
-              <a:t>10/7/20</a:t>
+              <a:t>10/5/21</a:t>
             </a:fld>
             <a:endParaRPr lang="en-US" dirty="0"/>
           </a:p>
@@ -6617,7 +6856,7 @@
           <p:cNvPr id="2" name="Title 1">
             <a:extLst>
               <a:ext uri="{FF2B5EF4-FFF2-40B4-BE49-F238E27FC236}">
-                <a16:creationId xmlns:a16="http://schemas.microsoft.com/office/drawing/2014/main" id="{F37FA7EF-0738-4545-961F-F1BF1D3C7FCC}"/>
+                <a16:creationId xmlns:a16="http://schemas.microsoft.com/office/drawing/2014/main" id="{31405BA7-1CE2-4042-9238-ED08CA94AAA7}"/>
               </a:ext>
             </a:extLst>
           </p:cNvPr>
@@ -6625,7 +6864,7 @@
             <a:spLocks noGrp="1"/>
           </p:cNvSpPr>
           <p:nvPr>
-            <p:ph type="title"/>
+            <p:ph type="ctrTitle"/>
           </p:nvPr>
         </p:nvSpPr>
         <p:spPr/>
@@ -6634,18 +6873,18 @@
           <a:lstStyle/>
           <a:p>
             <a:r>
-              <a:rPr lang="en-GB" sz="7200" dirty="0"/>
-              <a:t>Rosalind</a:t>
-            </a:r>
-          </a:p>
-        </p:txBody>
-      </p:sp>
-      <p:sp>
-        <p:nvSpPr>
-          <p:cNvPr id="3" name="Text Placeholder 2">
+              <a:rPr lang="en-GB" dirty="0"/>
+              <a:t>Introduction to Linux (Day 2)</a:t>
+            </a:r>
+          </a:p>
+        </p:txBody>
+      </p:sp>
+      <p:sp>
+        <p:nvSpPr>
+          <p:cNvPr id="3" name="Subtitle 2">
             <a:extLst>
               <a:ext uri="{FF2B5EF4-FFF2-40B4-BE49-F238E27FC236}">
-                <a16:creationId xmlns:a16="http://schemas.microsoft.com/office/drawing/2014/main" id="{46E855D6-436C-0843-9C23-06D6D2EA1B0E}"/>
+                <a16:creationId xmlns:a16="http://schemas.microsoft.com/office/drawing/2014/main" id="{F1BB5F66-B2F4-A443-B80C-0699C625D9E5}"/>
               </a:ext>
             </a:extLst>
           </p:cNvPr>
@@ -6653,7 +6892,7 @@
             <a:spLocks noGrp="1"/>
           </p:cNvSpPr>
           <p:nvPr>
-            <p:ph type="body" idx="1"/>
+            <p:ph type="subTitle" idx="1"/>
           </p:nvPr>
         </p:nvSpPr>
         <p:spPr/>
@@ -6661,14 +6900,75 @@
           <a:bodyPr/>
           <a:lstStyle/>
           <a:p>
-            <a:endParaRPr lang="en-GB"/>
-          </a:p>
-        </p:txBody>
-      </p:sp>
+            <a:r>
+              <a:rPr lang="en-GB" dirty="0"/>
+              <a:t>Muhammad Arif</a:t>
+            </a:r>
+          </a:p>
+          <a:p>
+            <a:r>
+              <a:rPr lang="en-GB" dirty="0"/>
+              <a:t>http://</a:t>
+            </a:r>
+            <a:r>
+              <a:rPr lang="en-GB" dirty="0" err="1"/>
+              <a:t>muharif.net</a:t>
+            </a:r>
+            <a:endParaRPr lang="en-GB" dirty="0"/>
+          </a:p>
+        </p:txBody>
+      </p:sp>
+      <p:pic>
+        <p:nvPicPr>
+          <p:cNvPr id="1026" name="Picture 2" descr="Linux - Wikipedia">
+            <a:extLst>
+              <a:ext uri="{FF2B5EF4-FFF2-40B4-BE49-F238E27FC236}">
+                <a16:creationId xmlns:a16="http://schemas.microsoft.com/office/drawing/2014/main" id="{C026A2F9-4B1C-1D4F-B3DC-6E840404CCC7}"/>
+              </a:ext>
+            </a:extLst>
+          </p:cNvPr>
+          <p:cNvPicPr>
+            <a:picLocks noChangeAspect="1" noChangeArrowheads="1"/>
+          </p:cNvPicPr>
+          <p:nvPr/>
+        </p:nvPicPr>
+        <p:blipFill>
+          <a:blip r:embed="rId2">
+            <a:extLst>
+              <a:ext uri="{28A0092B-C50C-407E-A947-70E740481C1C}">
+                <a14:useLocalDpi xmlns:a14="http://schemas.microsoft.com/office/drawing/2010/main" val="0"/>
+              </a:ext>
+            </a:extLst>
+          </a:blip>
+          <a:srcRect/>
+          <a:stretch>
+            <a:fillRect/>
+          </a:stretch>
+        </p:blipFill>
+        <p:spPr bwMode="auto">
+          <a:xfrm>
+            <a:off x="8327207" y="2942039"/>
+            <a:ext cx="3306812" cy="3915961"/>
+          </a:xfrm>
+          <a:prstGeom prst="rect">
+            <a:avLst/>
+          </a:prstGeom>
+          <a:noFill/>
+          <a:extLst>
+            <a:ext uri="{909E8E84-426E-40DD-AFC4-6F175D3DCCD1}">
+              <a14:hiddenFill xmlns:a14="http://schemas.microsoft.com/office/drawing/2010/main">
+                <a:solidFill>
+                  <a:srgbClr val="FFFFFF"/>
+                </a:solidFill>
+              </a14:hiddenFill>
+            </a:ext>
+          </a:extLst>
+        </p:spPr>
+      </p:pic>
     </p:spTree>
     <p:extLst>
       <p:ext uri="{BB962C8B-B14F-4D97-AF65-F5344CB8AC3E}">
-        <p14:creationId xmlns:p14="http://schemas.microsoft.com/office/powerpoint/2010/main" val="1662716799"/>
+        <p14:creationId xmlns:p14="http://schemas.microsoft.com/office/powerpoint/2010/main" val="1458499747"/>
       </p:ext>
     </p:extLst>
   </p:cSld>
@@ -6700,7 +7000,7 @@
           <p:cNvPr id="2" name="Title 1">
             <a:extLst>
               <a:ext uri="{FF2B5EF4-FFF2-40B4-BE49-F238E27FC236}">
-                <a16:creationId xmlns:a16="http://schemas.microsoft.com/office/drawing/2014/main" id="{2257F1EF-16AE-46CD-A5A8-A8F12151BE5A}"/>
+                <a16:creationId xmlns:a16="http://schemas.microsoft.com/office/drawing/2014/main" id="{D57C865D-672E-D04E-87F1-9F89099460EC}"/>
               </a:ext>
             </a:extLst>
           </p:cNvPr>
@@ -6718,17 +7018,26 @@
           <a:p>
             <a:r>
               <a:rPr lang="en-US" dirty="0"/>
-              <a:t>Rosalind Documentation</a:t>
-            </a:r>
-          </a:p>
-        </p:txBody>
-      </p:sp>
-      <p:sp>
-        <p:nvSpPr>
-          <p:cNvPr id="3" name="Content Placeholder 2">
+              <a:t>4</a:t>
+            </a:r>
+            <a:r>
+              <a:rPr lang="en-US" baseline="30000" dirty="0"/>
+              <a:t>th</a:t>
+            </a:r>
+            <a:r>
+              <a:rPr lang="en-US" dirty="0"/>
+              <a:t> Exercise: Controlling Processes</a:t>
+            </a:r>
+            <a:endParaRPr lang="en-GB" dirty="0"/>
+          </a:p>
+        </p:txBody>
+      </p:sp>
+      <p:sp>
+        <p:nvSpPr>
+          <p:cNvPr id="3" name="Text Placeholder 2">
             <a:extLst>
               <a:ext uri="{FF2B5EF4-FFF2-40B4-BE49-F238E27FC236}">
-                <a16:creationId xmlns:a16="http://schemas.microsoft.com/office/drawing/2014/main" id="{5FC23E5E-7F77-4419-BC68-08585AB1226F}"/>
+                <a16:creationId xmlns:a16="http://schemas.microsoft.com/office/drawing/2014/main" id="{B7B1DE01-B24F-3D46-938B-04023D7FC0E1}"/>
               </a:ext>
             </a:extLst>
           </p:cNvPr>
@@ -6736,64 +7045,22 @@
             <a:spLocks noGrp="1"/>
           </p:cNvSpPr>
           <p:nvPr>
-            <p:ph idx="1"/>
-          </p:nvPr>
-        </p:nvSpPr>
-        <p:spPr/>
-        <p:txBody>
-          <a:bodyPr>
-            <a:normAutofit/>
-          </a:bodyPr>
-          <a:lstStyle/>
-          <a:p>
-            <a:r>
-              <a:rPr lang="en-US" dirty="0">
-                <a:hlinkClick r:id="rId2"/>
-              </a:rPr>
-              <a:t>https://rosalind.kcl.ac.uk</a:t>
-            </a:r>
-            <a:r>
-              <a:rPr lang="en-US" dirty="0"/>
-              <a:t> </a:t>
-            </a:r>
-            <a:endParaRPr lang="en-US" sz="2000" dirty="0"/>
-          </a:p>
-        </p:txBody>
-      </p:sp>
-      <p:pic>
-        <p:nvPicPr>
-          <p:cNvPr id="5" name="Picture 4">
-            <a:extLst>
-              <a:ext uri="{FF2B5EF4-FFF2-40B4-BE49-F238E27FC236}">
-                <a16:creationId xmlns:a16="http://schemas.microsoft.com/office/drawing/2014/main" id="{E5F7F050-949B-E44B-948F-D1E1D6730C7A}"/>
-              </a:ext>
-            </a:extLst>
-          </p:cNvPr>
-          <p:cNvPicPr>
-            <a:picLocks noChangeAspect="1"/>
-          </p:cNvPicPr>
-          <p:nvPr/>
-        </p:nvPicPr>
-        <p:blipFill>
-          <a:blip r:embed="rId3"/>
-          <a:stretch>
-            <a:fillRect/>
-          </a:stretch>
-        </p:blipFill>
-        <p:spPr>
-          <a:xfrm>
-            <a:off x="4961105" y="2163093"/>
-            <a:ext cx="6801239" cy="4284976"/>
-          </a:xfrm>
-          <a:prstGeom prst="rect">
-            <a:avLst/>
-          </a:prstGeom>
-        </p:spPr>
-      </p:pic>
+            <p:ph type="body" idx="1"/>
+          </p:nvPr>
+        </p:nvSpPr>
+        <p:spPr/>
+        <p:txBody>
+          <a:bodyPr/>
+          <a:lstStyle/>
+          <a:p>
+            <a:endParaRPr lang="en-GB"/>
+          </a:p>
+        </p:txBody>
+      </p:sp>
     </p:spTree>
     <p:extLst>
       <p:ext uri="{BB962C8B-B14F-4D97-AF65-F5344CB8AC3E}">
-        <p14:creationId xmlns:p14="http://schemas.microsoft.com/office/powerpoint/2010/main" val="2376409175"/>
+        <p14:creationId xmlns:p14="http://schemas.microsoft.com/office/powerpoint/2010/main" val="3742172291"/>
       </p:ext>
     </p:extLst>
   </p:cSld>
@@ -6825,7 +7092,7 @@
           <p:cNvPr id="2" name="Title 1">
             <a:extLst>
               <a:ext uri="{FF2B5EF4-FFF2-40B4-BE49-F238E27FC236}">
-                <a16:creationId xmlns:a16="http://schemas.microsoft.com/office/drawing/2014/main" id="{02BFCF9F-0D5C-4127-922D-04E879326FB5}"/>
+                <a16:creationId xmlns:a16="http://schemas.microsoft.com/office/drawing/2014/main" id="{F106FC69-F4F4-477D-9A5D-63B0AEB15A9F}"/>
               </a:ext>
             </a:extLst>
           </p:cNvPr>
@@ -6843,17 +7110,17 @@
           <a:p>
             <a:r>
               <a:rPr lang="en-US" dirty="0"/>
-              <a:t>Tasks</a:t>
-            </a:r>
-          </a:p>
-        </p:txBody>
-      </p:sp>
-      <p:sp>
-        <p:nvSpPr>
-          <p:cNvPr id="3" name="Content Placeholder 2">
+              <a:t>How to control your processes</a:t>
+            </a:r>
+          </a:p>
+        </p:txBody>
+      </p:sp>
+      <p:sp>
+        <p:nvSpPr>
+          <p:cNvPr id="5" name="Content Placeholder 4">
             <a:extLst>
               <a:ext uri="{FF2B5EF4-FFF2-40B4-BE49-F238E27FC236}">
-                <a16:creationId xmlns:a16="http://schemas.microsoft.com/office/drawing/2014/main" id="{6102C590-F224-44EA-B564-F562E493A1C7}"/>
+                <a16:creationId xmlns:a16="http://schemas.microsoft.com/office/drawing/2014/main" id="{962C4D9E-DB42-4E3B-B101-7A341F5DAC18}"/>
               </a:ext>
             </a:extLst>
           </p:cNvPr>
@@ -6866,89 +7133,122 @@
         </p:nvSpPr>
         <p:spPr/>
         <p:txBody>
-          <a:bodyPr/>
+          <a:bodyPr>
+            <a:normAutofit fontScale="85000" lnSpcReduction="20000"/>
+          </a:bodyPr>
           <a:lstStyle/>
           <a:p>
             <a:r>
               <a:rPr lang="en-US" dirty="0"/>
-              <a:t>1) Make a folder in your home directory, 2) make 3 random files (tip: </a:t>
-            </a:r>
-            <a:r>
-              <a:rPr lang="en-US" b="1" dirty="0"/>
-              <a:t>touch</a:t>
-            </a:r>
+              <a:t>Foreground vs background</a:t>
+            </a:r>
+          </a:p>
+          <a:p>
+            <a:pPr lvl="1"/>
             <a:r>
               <a:rPr lang="en-US" dirty="0"/>
-              <a:t>) and 3) show list of files you made</a:t>
-            </a:r>
-          </a:p>
-          <a:p>
-            <a:endParaRPr lang="en-US" dirty="0"/>
-          </a:p>
-          <a:p>
+              <a:t>Your jobs can be executed as background (multi-tasking)</a:t>
+            </a:r>
+          </a:p>
+          <a:p>
+            <a:pPr lvl="1"/>
+            <a:r>
+              <a:rPr lang="en-US" i="1" dirty="0"/>
+              <a:t>command</a:t>
+            </a:r>
             <a:r>
               <a:rPr lang="en-US" dirty="0"/>
-              <a:t>1) Change the content of the file (tip: </a:t>
-            </a:r>
-            <a:r>
-              <a:rPr lang="en-US" b="1" dirty="0"/>
-              <a:t>nano</a:t>
-            </a:r>
+              <a:t> &amp; </a:t>
+            </a:r>
+            <a:r>
+              <a:rPr lang="en-US" dirty="0">
+                <a:sym typeface="Wingdings" panose="05000000000000000000" pitchFamily="2" charset="2"/>
+              </a:rPr>
+              <a:t> running command in background</a:t>
+            </a:r>
+          </a:p>
+          <a:p>
+            <a:pPr lvl="1"/>
+            <a:endParaRPr lang="en-US" dirty="0"/>
+          </a:p>
+          <a:p>
             <a:r>
               <a:rPr lang="en-US" dirty="0"/>
-              <a:t>), 2) copy any text from any webpage (find long one) to the file, and 3) explore the files using head, tail, less, </a:t>
-            </a:r>
-            <a:r>
-              <a:rPr lang="en-US" dirty="0" err="1"/>
-              <a:t>etc</a:t>
-            </a:r>
-            <a:r>
-              <a:rPr lang="en-US" dirty="0"/>
-              <a:t> that we’ve learned yesterday</a:t>
-            </a:r>
-          </a:p>
-          <a:p>
-            <a:endParaRPr lang="en-US" dirty="0"/>
-          </a:p>
-          <a:p>
-            <a:r>
-              <a:rPr lang="en-US" dirty="0"/>
-              <a:t>1) upload any files of your laptop or desktop to your home location at Rosalind server and 2) show list of files you uploaded</a:t>
-            </a:r>
-          </a:p>
-        </p:txBody>
-      </p:sp>
-      <p:sp>
-        <p:nvSpPr>
-          <p:cNvPr id="4" name="TextBox 3">
-            <a:extLst>
-              <a:ext uri="{FF2B5EF4-FFF2-40B4-BE49-F238E27FC236}">
-                <a16:creationId xmlns:a16="http://schemas.microsoft.com/office/drawing/2014/main" id="{9BC7B774-023B-4EB8-B548-2A36491928A7}"/>
-              </a:ext>
-            </a:extLst>
-          </p:cNvPr>
-          <p:cNvSpPr txBox="1"/>
-          <p:nvPr/>
-        </p:nvSpPr>
-        <p:spPr>
-          <a:xfrm>
-            <a:off x="8773610" y="5969655"/>
-            <a:ext cx="2982996" cy="523220"/>
-          </a:xfrm>
-          <a:prstGeom prst="rect">
-            <a:avLst/>
-          </a:prstGeom>
-          <a:noFill/>
-        </p:spPr>
-        <p:txBody>
-          <a:bodyPr wrap="none" rtlCol="0">
-            <a:spAutoFit/>
-          </a:bodyPr>
-          <a:lstStyle/>
-          <a:p>
-            <a:r>
-              <a:rPr lang="en-US" sz="2800" b="1" dirty="0"/>
-              <a:t>30 min for practice</a:t>
+              <a:t>Ctrl + C </a:t>
+            </a:r>
+            <a:r>
+              <a:rPr lang="en-US" dirty="0">
+                <a:sym typeface="Wingdings" panose="05000000000000000000" pitchFamily="2" charset="2"/>
+              </a:rPr>
+              <a:t> killing job in the foreground</a:t>
+            </a:r>
+          </a:p>
+          <a:p>
+            <a:r>
+              <a:rPr lang="en-US" dirty="0">
+                <a:sym typeface="Wingdings" panose="05000000000000000000" pitchFamily="2" charset="2"/>
+              </a:rPr>
+              <a:t>Ctrl + Z  suspending job running in the foreground</a:t>
+            </a:r>
+          </a:p>
+          <a:p>
+            <a:r>
+              <a:rPr lang="en-US" dirty="0" err="1">
+                <a:sym typeface="Wingdings" panose="05000000000000000000" pitchFamily="2" charset="2"/>
+              </a:rPr>
+              <a:t>bg</a:t>
+            </a:r>
+            <a:r>
+              <a:rPr lang="en-US" dirty="0">
+                <a:sym typeface="Wingdings" panose="05000000000000000000" pitchFamily="2" charset="2"/>
+              </a:rPr>
+              <a:t>  background the suspended job</a:t>
+            </a:r>
+          </a:p>
+          <a:p>
+            <a:r>
+              <a:rPr lang="en-US" dirty="0" err="1">
+                <a:sym typeface="Wingdings" panose="05000000000000000000" pitchFamily="2" charset="2"/>
+              </a:rPr>
+              <a:t>ps</a:t>
+            </a:r>
+            <a:r>
+              <a:rPr lang="en-US" dirty="0">
+                <a:sym typeface="Wingdings" panose="05000000000000000000" pitchFamily="2" charset="2"/>
+              </a:rPr>
+              <a:t>  list current processes</a:t>
+            </a:r>
+          </a:p>
+          <a:p>
+            <a:r>
+              <a:rPr lang="en-US" dirty="0">
+                <a:sym typeface="Wingdings" panose="05000000000000000000" pitchFamily="2" charset="2"/>
+              </a:rPr>
+              <a:t>jobs  list current jobs</a:t>
+            </a:r>
+          </a:p>
+          <a:p>
+            <a:r>
+              <a:rPr lang="en-US" dirty="0">
+                <a:sym typeface="Wingdings" panose="05000000000000000000" pitchFamily="2" charset="2"/>
+              </a:rPr>
+              <a:t>kill -9 1231  kill process number 1231</a:t>
+            </a:r>
+          </a:p>
+          <a:p>
+            <a:r>
+              <a:rPr lang="en-US" dirty="0">
+                <a:sym typeface="Wingdings" panose="05000000000000000000" pitchFamily="2" charset="2"/>
+              </a:rPr>
+              <a:t>kill %1  kill job number 1</a:t>
+            </a:r>
+          </a:p>
+          <a:p>
+            <a:r>
+              <a:rPr lang="en-US" dirty="0">
+                <a:sym typeface="Wingdings" panose="05000000000000000000" pitchFamily="2" charset="2"/>
+              </a:rPr>
+              <a:t>history  list commands you typed previously</a:t>
             </a:r>
           </a:p>
         </p:txBody>
@@ -6956,7 +7256,7 @@
     </p:spTree>
     <p:extLst>
       <p:ext uri="{BB962C8B-B14F-4D97-AF65-F5344CB8AC3E}">
-        <p14:creationId xmlns:p14="http://schemas.microsoft.com/office/powerpoint/2010/main" val="1761350737"/>
+        <p14:creationId xmlns:p14="http://schemas.microsoft.com/office/powerpoint/2010/main" val="3089053513"/>
       </p:ext>
     </p:extLst>
   </p:cSld>
@@ -6988,7 +7288,7 @@
           <p:cNvPr id="2" name="Title 1">
             <a:extLst>
               <a:ext uri="{FF2B5EF4-FFF2-40B4-BE49-F238E27FC236}">
-                <a16:creationId xmlns:a16="http://schemas.microsoft.com/office/drawing/2014/main" id="{00CD4E4E-D546-4631-8D07-F5F454AA5E5D}"/>
+                <a16:creationId xmlns:a16="http://schemas.microsoft.com/office/drawing/2014/main" id="{F106FC69-F4F4-477D-9A5D-63B0AEB15A9F}"/>
               </a:ext>
             </a:extLst>
           </p:cNvPr>
@@ -7006,7 +7306,7 @@
           <a:p>
             <a:r>
               <a:rPr lang="en-US" dirty="0"/>
-              <a:t>How to load installed packages</a:t>
+              <a:t>How much resource are you using</a:t>
             </a:r>
           </a:p>
         </p:txBody>
@@ -7016,7 +7316,7 @@
           <p:cNvPr id="3" name="Content Placeholder 2">
             <a:extLst>
               <a:ext uri="{FF2B5EF4-FFF2-40B4-BE49-F238E27FC236}">
-                <a16:creationId xmlns:a16="http://schemas.microsoft.com/office/drawing/2014/main" id="{7CB2F25D-D97C-4F54-8BD4-CB3AE14A217D}"/>
+                <a16:creationId xmlns:a16="http://schemas.microsoft.com/office/drawing/2014/main" id="{F7FD468D-656B-48E1-90D6-5D651345DEDD}"/>
               </a:ext>
             </a:extLst>
           </p:cNvPr>
@@ -7027,133 +7327,67 @@
             <p:ph idx="1"/>
           </p:nvPr>
         </p:nvSpPr>
-        <p:spPr>
-          <a:xfrm>
-            <a:off x="838200" y="1825625"/>
-            <a:ext cx="10515600" cy="4351338"/>
-          </a:xfrm>
-        </p:spPr>
-        <p:txBody>
-          <a:bodyPr>
-            <a:normAutofit fontScale="85000" lnSpcReduction="20000"/>
-          </a:bodyPr>
+        <p:spPr/>
+        <p:txBody>
+          <a:bodyPr/>
           <a:lstStyle/>
           <a:p>
             <a:r>
               <a:rPr lang="en-US" dirty="0"/>
-              <a:t>Several applications are not available by default </a:t>
-            </a:r>
-            <a:r>
-              <a:rPr lang="en-US" dirty="0">
-                <a:sym typeface="Wingdings" panose="05000000000000000000" pitchFamily="2" charset="2"/>
-              </a:rPr>
-              <a:t> you should check pre-installed module on the system (</a:t>
-            </a:r>
-            <a:r>
-              <a:rPr lang="en-US" i="1" dirty="0">
-                <a:sym typeface="Wingdings" panose="05000000000000000000" pitchFamily="2" charset="2"/>
-              </a:rPr>
-              <a:t>module</a:t>
-            </a:r>
-            <a:r>
-              <a:rPr lang="en-US" dirty="0">
-                <a:sym typeface="Wingdings" panose="05000000000000000000" pitchFamily="2" charset="2"/>
-              </a:rPr>
-              <a:t>), otherwise you should install it by yourself or ask root administrator to install it</a:t>
-            </a:r>
-            <a:endParaRPr lang="en-US" dirty="0"/>
-          </a:p>
-          <a:p>
-            <a:endParaRPr lang="en-US" dirty="0"/>
-          </a:p>
-          <a:p>
+              <a:t>How much space you are using at Rosalind</a:t>
+            </a:r>
+          </a:p>
+          <a:p>
+            <a:pPr lvl="1"/>
+            <a:r>
+              <a:rPr lang="en-US" dirty="0" err="1"/>
+              <a:t>lfs</a:t>
+            </a:r>
             <a:r>
               <a:rPr lang="en-US" dirty="0"/>
-              <a:t>module avail </a:t>
-            </a:r>
-            <a:r>
-              <a:rPr lang="en-US" dirty="0">
-                <a:sym typeface="Wingdings" panose="05000000000000000000" pitchFamily="2" charset="2"/>
-              </a:rPr>
-              <a:t> you can check all possible applications to load</a:t>
-            </a:r>
-            <a:endParaRPr lang="en-US" dirty="0"/>
-          </a:p>
-          <a:p>
-            <a:pPr marL="0" indent="0">
-              <a:buNone/>
-            </a:pPr>
-            <a:endParaRPr lang="en-US" dirty="0"/>
-          </a:p>
-          <a:p>
+              <a:t> quota -h  /</a:t>
+            </a:r>
+            <a:r>
+              <a:rPr lang="en-US" dirty="0" err="1"/>
+              <a:t>mnt</a:t>
+            </a:r>
             <a:r>
               <a:rPr lang="en-US" dirty="0"/>
-              <a:t>module load </a:t>
+              <a:t>/</a:t>
             </a:r>
             <a:r>
               <a:rPr lang="en-US" dirty="0" err="1"/>
-              <a:t>package_name</a:t>
+              <a:t>lustre</a:t>
             </a:r>
             <a:endParaRPr lang="en-US" dirty="0"/>
           </a:p>
           <a:p>
             <a:pPr lvl="1"/>
+            <a:endParaRPr lang="en-US" dirty="0"/>
+          </a:p>
+          <a:p>
             <a:r>
               <a:rPr lang="en-US" dirty="0"/>
-              <a:t>module load bioinformatics/R</a:t>
+              <a:t>Which processes are running now</a:t>
             </a:r>
           </a:p>
           <a:p>
             <a:pPr lvl="1"/>
             <a:r>
               <a:rPr lang="en-US" dirty="0"/>
-              <a:t>module load general/</a:t>
+              <a:t>top, </a:t>
             </a:r>
             <a:r>
               <a:rPr lang="en-US" dirty="0" err="1"/>
-              <a:t>matlab</a:t>
+              <a:t>htop</a:t>
             </a:r>
             <a:r>
               <a:rPr lang="en-US" dirty="0"/>
-              <a:t>/2015b</a:t>
+              <a:t> (escaping by “q”)</a:t>
             </a:r>
           </a:p>
           <a:p>
             <a:pPr lvl="1"/>
-            <a:r>
-              <a:rPr lang="en-US" dirty="0"/>
-              <a:t>module load general/python/2.7.10</a:t>
-            </a:r>
-          </a:p>
-          <a:p>
-            <a:pPr lvl="1"/>
-            <a:endParaRPr lang="en-US" dirty="0"/>
-          </a:p>
-          <a:p>
-            <a:r>
-              <a:rPr lang="en-US" dirty="0"/>
-              <a:t>module unload </a:t>
-            </a:r>
-            <a:r>
-              <a:rPr lang="en-US" dirty="0" err="1"/>
-              <a:t>package_name</a:t>
-            </a:r>
-            <a:endParaRPr lang="en-US" dirty="0"/>
-          </a:p>
-          <a:p>
-            <a:endParaRPr lang="en-US" dirty="0"/>
-          </a:p>
-          <a:p>
-            <a:r>
-              <a:rPr lang="en-US" dirty="0"/>
-              <a:t>module list </a:t>
-            </a:r>
-            <a:r>
-              <a:rPr lang="en-US" dirty="0">
-                <a:sym typeface="Wingdings" panose="05000000000000000000" pitchFamily="2" charset="2"/>
-              </a:rPr>
-              <a:t> it shows currently loaded applications</a:t>
-            </a:r>
             <a:endParaRPr lang="en-US" dirty="0"/>
           </a:p>
         </p:txBody>
@@ -7161,7 +7395,7 @@
     </p:spTree>
     <p:extLst>
       <p:ext uri="{BB962C8B-B14F-4D97-AF65-F5344CB8AC3E}">
-        <p14:creationId xmlns:p14="http://schemas.microsoft.com/office/powerpoint/2010/main" val="3923254816"/>
+        <p14:creationId xmlns:p14="http://schemas.microsoft.com/office/powerpoint/2010/main" val="4215418260"/>
       </p:ext>
     </p:extLst>
   </p:cSld>
@@ -7188,42 +7422,149 @@
           <a:chExt cx="0" cy="0"/>
         </a:xfrm>
       </p:grpSpPr>
-      <p:pic>
-        <p:nvPicPr>
-          <p:cNvPr id="4" name="Content Placeholder 3">
+      <p:sp>
+        <p:nvSpPr>
+          <p:cNvPr id="2" name="Title 1">
             <a:extLst>
               <a:ext uri="{FF2B5EF4-FFF2-40B4-BE49-F238E27FC236}">
-                <a16:creationId xmlns:a16="http://schemas.microsoft.com/office/drawing/2014/main" id="{35E286FE-D7A2-4CC3-B5B7-2387F2BCBA7F}"/>
+                <a16:creationId xmlns:a16="http://schemas.microsoft.com/office/drawing/2014/main" id="{02BFCF9F-0D5C-4127-922D-04E879326FB5}"/>
               </a:ext>
             </a:extLst>
           </p:cNvPr>
-          <p:cNvPicPr>
-            <a:picLocks noGrp="1" noChangeAspect="1"/>
-          </p:cNvPicPr>
+          <p:cNvSpPr>
+            <a:spLocks noGrp="1"/>
+          </p:cNvSpPr>
+          <p:nvPr>
+            <p:ph type="title"/>
+          </p:nvPr>
+        </p:nvSpPr>
+        <p:spPr/>
+        <p:txBody>
+          <a:bodyPr/>
+          <a:lstStyle/>
+          <a:p>
+            <a:r>
+              <a:rPr lang="en-US" dirty="0"/>
+              <a:t>Tasks</a:t>
+            </a:r>
+          </a:p>
+        </p:txBody>
+      </p:sp>
+      <p:sp>
+        <p:nvSpPr>
+          <p:cNvPr id="3" name="Content Placeholder 2">
+            <a:extLst>
+              <a:ext uri="{FF2B5EF4-FFF2-40B4-BE49-F238E27FC236}">
+                <a16:creationId xmlns:a16="http://schemas.microsoft.com/office/drawing/2014/main" id="{6102C590-F224-44EA-B564-F562E493A1C7}"/>
+              </a:ext>
+            </a:extLst>
+          </p:cNvPr>
+          <p:cNvSpPr>
+            <a:spLocks noGrp="1"/>
+          </p:cNvSpPr>
           <p:nvPr>
             <p:ph idx="1"/>
           </p:nvPr>
-        </p:nvPicPr>
-        <p:blipFill>
-          <a:blip r:embed="rId2"/>
-          <a:stretch>
-            <a:fillRect/>
-          </a:stretch>
-        </p:blipFill>
+        </p:nvSpPr>
+        <p:spPr/>
+        <p:txBody>
+          <a:bodyPr>
+            <a:normAutofit/>
+          </a:bodyPr>
+          <a:lstStyle/>
+          <a:p>
+            <a:r>
+              <a:rPr lang="en-US" dirty="0"/>
+              <a:t>Execute the command “sleep 1000” and kill it after 10 seconds (hint: ^c)</a:t>
+            </a:r>
+          </a:p>
+          <a:p>
+            <a:r>
+              <a:rPr lang="en-US" dirty="0"/>
+              <a:t>Execute the command “sleep 1000” and make it to run in the background (hint: </a:t>
+            </a:r>
+            <a:r>
+              <a:rPr lang="en-US" dirty="0" err="1"/>
+              <a:t>ctrl+z</a:t>
+            </a:r>
+            <a:r>
+              <a:rPr lang="en-US" dirty="0"/>
+              <a:t> and </a:t>
+            </a:r>
+            <a:r>
+              <a:rPr lang="en-US" dirty="0" err="1"/>
+              <a:t>bg</a:t>
+            </a:r>
+            <a:r>
+              <a:rPr lang="en-US" dirty="0"/>
+              <a:t>). </a:t>
+            </a:r>
+          </a:p>
+          <a:p>
+            <a:r>
+              <a:rPr lang="en-US" dirty="0"/>
+              <a:t>Execute the command “sleep 2000” in the background (hint: &amp;)</a:t>
+            </a:r>
+          </a:p>
+          <a:p>
+            <a:r>
+              <a:rPr lang="en-US" dirty="0"/>
+              <a:t>Check if there’s any familiar process (hint: top)</a:t>
+            </a:r>
+          </a:p>
+          <a:p>
+            <a:r>
+              <a:rPr lang="en-US" dirty="0"/>
+              <a:t>Find the process ID (PID) of “sleep 1000 then kill the process.</a:t>
+            </a:r>
+          </a:p>
+          <a:p>
+            <a:r>
+              <a:rPr lang="en-US" dirty="0"/>
+              <a:t>Find the job ID of  “sleep 2000” and kill the job.</a:t>
+            </a:r>
+          </a:p>
+        </p:txBody>
+      </p:sp>
+      <p:sp>
+        <p:nvSpPr>
+          <p:cNvPr id="4" name="TextBox 3">
+            <a:extLst>
+              <a:ext uri="{FF2B5EF4-FFF2-40B4-BE49-F238E27FC236}">
+                <a16:creationId xmlns:a16="http://schemas.microsoft.com/office/drawing/2014/main" id="{9BC7B774-023B-4EB8-B548-2A36491928A7}"/>
+              </a:ext>
+            </a:extLst>
+          </p:cNvPr>
+          <p:cNvSpPr txBox="1"/>
+          <p:nvPr/>
+        </p:nvSpPr>
         <p:spPr>
           <a:xfrm>
-            <a:off x="249249" y="1041147"/>
-            <a:ext cx="11693501" cy="4086438"/>
+            <a:off x="8773610" y="5969655"/>
+            <a:ext cx="3445174" cy="523220"/>
           </a:xfrm>
           <a:prstGeom prst="rect">
             <a:avLst/>
           </a:prstGeom>
+          <a:noFill/>
         </p:spPr>
-      </p:pic>
+        <p:txBody>
+          <a:bodyPr wrap="none" rtlCol="0">
+            <a:spAutoFit/>
+          </a:bodyPr>
+          <a:lstStyle/>
+          <a:p>
+            <a:r>
+              <a:rPr lang="en-US" sz="2800" b="1" dirty="0"/>
+              <a:t>20 min for practice</a:t>
+            </a:r>
+          </a:p>
+        </p:txBody>
+      </p:sp>
     </p:spTree>
     <p:extLst>
       <p:ext uri="{BB962C8B-B14F-4D97-AF65-F5344CB8AC3E}">
-        <p14:creationId xmlns:p14="http://schemas.microsoft.com/office/powerpoint/2010/main" val="4082332677"/>
+        <p14:creationId xmlns:p14="http://schemas.microsoft.com/office/powerpoint/2010/main" val="2562312074"/>
       </p:ext>
     </p:extLst>
   </p:cSld>
@@ -7255,7 +7596,7 @@
           <p:cNvPr id="2" name="Title 1">
             <a:extLst>
               <a:ext uri="{FF2B5EF4-FFF2-40B4-BE49-F238E27FC236}">
-                <a16:creationId xmlns:a16="http://schemas.microsoft.com/office/drawing/2014/main" id="{F106FC69-F4F4-477D-9A5D-63B0AEB15A9F}"/>
+                <a16:creationId xmlns:a16="http://schemas.microsoft.com/office/drawing/2014/main" id="{D57C865D-672E-D04E-87F1-9F89099460EC}"/>
               </a:ext>
             </a:extLst>
           </p:cNvPr>
@@ -7273,17 +7614,26 @@
           <a:p>
             <a:r>
               <a:rPr lang="en-US" dirty="0"/>
-              <a:t>Job submission</a:t>
-            </a:r>
-          </a:p>
-        </p:txBody>
-      </p:sp>
-      <p:sp>
-        <p:nvSpPr>
-          <p:cNvPr id="3" name="Content Placeholder 2">
+              <a:t>5</a:t>
+            </a:r>
+            <a:r>
+              <a:rPr lang="en-US" baseline="30000" dirty="0"/>
+              <a:t>th</a:t>
+            </a:r>
+            <a:r>
+              <a:rPr lang="en-US" dirty="0"/>
+              <a:t> Exercise: Shell Scripting</a:t>
+            </a:r>
+            <a:endParaRPr lang="en-GB" dirty="0"/>
+          </a:p>
+        </p:txBody>
+      </p:sp>
+      <p:sp>
+        <p:nvSpPr>
+          <p:cNvPr id="3" name="Text Placeholder 2">
             <a:extLst>
               <a:ext uri="{FF2B5EF4-FFF2-40B4-BE49-F238E27FC236}">
-                <a16:creationId xmlns:a16="http://schemas.microsoft.com/office/drawing/2014/main" id="{F7FD468D-656B-48E1-90D6-5D651345DEDD}"/>
+                <a16:creationId xmlns:a16="http://schemas.microsoft.com/office/drawing/2014/main" id="{B7B1DE01-B24F-3D46-938B-04023D7FC0E1}"/>
               </a:ext>
             </a:extLst>
           </p:cNvPr>
@@ -7291,7 +7641,7 @@
             <a:spLocks noGrp="1"/>
           </p:cNvSpPr>
           <p:nvPr>
-            <p:ph idx="1"/>
+            <p:ph type="body" idx="1"/>
           </p:nvPr>
         </p:nvSpPr>
         <p:spPr/>
@@ -7299,686 +7649,14 @@
           <a:bodyPr/>
           <a:lstStyle/>
           <a:p>
-            <a:r>
-              <a:rPr lang="en-US" dirty="0"/>
-              <a:t>Interactive mode vs Batch mode</a:t>
-            </a:r>
-          </a:p>
-        </p:txBody>
-      </p:sp>
-      <p:sp>
-        <p:nvSpPr>
-          <p:cNvPr id="4" name="Rectangle: Rounded Corners 3">
-            <a:extLst>
-              <a:ext uri="{FF2B5EF4-FFF2-40B4-BE49-F238E27FC236}">
-                <a16:creationId xmlns:a16="http://schemas.microsoft.com/office/drawing/2014/main" id="{84BDA9CA-110D-48D1-9DF1-897B8BB2A0F7}"/>
-              </a:ext>
-            </a:extLst>
-          </p:cNvPr>
-          <p:cNvSpPr/>
-          <p:nvPr/>
-        </p:nvSpPr>
-        <p:spPr>
-          <a:xfrm>
-            <a:off x="3166643" y="3070185"/>
-            <a:ext cx="1909821" cy="497712"/>
-          </a:xfrm>
-          <a:prstGeom prst="roundRect">
-            <a:avLst>
-              <a:gd name="adj" fmla="val 39640"/>
-            </a:avLst>
-          </a:prstGeom>
-          <a:solidFill>
-            <a:schemeClr val="bg1">
-              <a:lumMod val="85000"/>
-            </a:schemeClr>
-          </a:solidFill>
-          <a:ln>
-            <a:solidFill>
-              <a:schemeClr val="tx1"/>
-            </a:solidFill>
-          </a:ln>
-          <a:effectLst>
-            <a:outerShdw blurRad="292100" dist="139700" dir="2700000" algn="tl" rotWithShape="0">
-              <a:srgbClr val="333333">
-                <a:alpha val="65000"/>
-              </a:srgbClr>
-            </a:outerShdw>
-          </a:effectLst>
-        </p:spPr>
-        <p:style>
-          <a:lnRef idx="2">
-            <a:schemeClr val="accent1">
-              <a:shade val="50000"/>
-            </a:schemeClr>
-          </a:lnRef>
-          <a:fillRef idx="1">
-            <a:schemeClr val="accent1"/>
-          </a:fillRef>
-          <a:effectRef idx="0">
-            <a:schemeClr val="accent1"/>
-          </a:effectRef>
-          <a:fontRef idx="minor">
-            <a:schemeClr val="lt1"/>
-          </a:fontRef>
-        </p:style>
-        <p:txBody>
-          <a:bodyPr rtlCol="0" anchor="ctr"/>
-          <a:lstStyle/>
-          <a:p>
-            <a:pPr algn="ctr"/>
-            <a:r>
-              <a:rPr lang="en-US" b="1" dirty="0">
-                <a:solidFill>
-                  <a:schemeClr val="tx1"/>
-                </a:solidFill>
-              </a:rPr>
-              <a:t>Login node</a:t>
-            </a:r>
-          </a:p>
-        </p:txBody>
-      </p:sp>
-      <p:sp>
-        <p:nvSpPr>
-          <p:cNvPr id="5" name="Rectangle: Rounded Corners 4">
-            <a:extLst>
-              <a:ext uri="{FF2B5EF4-FFF2-40B4-BE49-F238E27FC236}">
-                <a16:creationId xmlns:a16="http://schemas.microsoft.com/office/drawing/2014/main" id="{607B223C-F284-441E-8456-A8480E9E44AE}"/>
-              </a:ext>
-            </a:extLst>
-          </p:cNvPr>
-          <p:cNvSpPr/>
-          <p:nvPr/>
-        </p:nvSpPr>
-        <p:spPr>
-          <a:xfrm>
-            <a:off x="1131427" y="4577787"/>
-            <a:ext cx="1909821" cy="726311"/>
-          </a:xfrm>
-          <a:prstGeom prst="roundRect">
-            <a:avLst>
-              <a:gd name="adj" fmla="val 39640"/>
-            </a:avLst>
-          </a:prstGeom>
-          <a:solidFill>
-            <a:schemeClr val="bg1">
-              <a:lumMod val="85000"/>
-            </a:schemeClr>
-          </a:solidFill>
-          <a:ln>
-            <a:solidFill>
-              <a:schemeClr val="tx1"/>
-            </a:solidFill>
-          </a:ln>
-          <a:effectLst>
-            <a:outerShdw blurRad="292100" dist="139700" dir="2700000" algn="tl" rotWithShape="0">
-              <a:srgbClr val="333333">
-                <a:alpha val="65000"/>
-              </a:srgbClr>
-            </a:outerShdw>
-          </a:effectLst>
-        </p:spPr>
-        <p:style>
-          <a:lnRef idx="2">
-            <a:schemeClr val="accent1">
-              <a:shade val="50000"/>
-            </a:schemeClr>
-          </a:lnRef>
-          <a:fillRef idx="1">
-            <a:schemeClr val="accent1"/>
-          </a:fillRef>
-          <a:effectRef idx="0">
-            <a:schemeClr val="accent1"/>
-          </a:effectRef>
-          <a:fontRef idx="minor">
-            <a:schemeClr val="lt1"/>
-          </a:fontRef>
-        </p:style>
-        <p:txBody>
-          <a:bodyPr rtlCol="0" anchor="ctr"/>
-          <a:lstStyle/>
-          <a:p>
-            <a:pPr algn="ctr"/>
-            <a:r>
-              <a:rPr lang="en-US" sz="1400" b="1" dirty="0">
-                <a:solidFill>
-                  <a:schemeClr val="tx1"/>
-                </a:solidFill>
-              </a:rPr>
-              <a:t>Computational node (interactive)</a:t>
-            </a:r>
-          </a:p>
-        </p:txBody>
-      </p:sp>
-      <p:sp>
-        <p:nvSpPr>
-          <p:cNvPr id="6" name="Rectangle: Rounded Corners 5">
-            <a:extLst>
-              <a:ext uri="{FF2B5EF4-FFF2-40B4-BE49-F238E27FC236}">
-                <a16:creationId xmlns:a16="http://schemas.microsoft.com/office/drawing/2014/main" id="{0FFD7ADD-58D3-4746-A1BC-7E99C158DC2E}"/>
-              </a:ext>
-            </a:extLst>
-          </p:cNvPr>
-          <p:cNvSpPr/>
-          <p:nvPr/>
-        </p:nvSpPr>
-        <p:spPr>
-          <a:xfrm>
-            <a:off x="3347981" y="4586470"/>
-            <a:ext cx="1909821" cy="726311"/>
-          </a:xfrm>
-          <a:prstGeom prst="roundRect">
-            <a:avLst>
-              <a:gd name="adj" fmla="val 39640"/>
-            </a:avLst>
-          </a:prstGeom>
-          <a:solidFill>
-            <a:schemeClr val="bg1">
-              <a:lumMod val="85000"/>
-            </a:schemeClr>
-          </a:solidFill>
-          <a:ln>
-            <a:solidFill>
-              <a:schemeClr val="tx1"/>
-            </a:solidFill>
-          </a:ln>
-          <a:effectLst>
-            <a:outerShdw blurRad="292100" dist="139700" dir="2700000" algn="tl" rotWithShape="0">
-              <a:srgbClr val="333333">
-                <a:alpha val="65000"/>
-              </a:srgbClr>
-            </a:outerShdw>
-          </a:effectLst>
-        </p:spPr>
-        <p:style>
-          <a:lnRef idx="2">
-            <a:schemeClr val="accent1">
-              <a:shade val="50000"/>
-            </a:schemeClr>
-          </a:lnRef>
-          <a:fillRef idx="1">
-            <a:schemeClr val="accent1"/>
-          </a:fillRef>
-          <a:effectRef idx="0">
-            <a:schemeClr val="accent1"/>
-          </a:effectRef>
-          <a:fontRef idx="minor">
-            <a:schemeClr val="lt1"/>
-          </a:fontRef>
-        </p:style>
-        <p:txBody>
-          <a:bodyPr rtlCol="0" anchor="ctr"/>
-          <a:lstStyle/>
-          <a:p>
-            <a:pPr algn="ctr"/>
-            <a:r>
-              <a:rPr lang="en-US" sz="1400" b="1" dirty="0">
-                <a:solidFill>
-                  <a:schemeClr val="tx1"/>
-                </a:solidFill>
-              </a:rPr>
-              <a:t>Computational node</a:t>
-            </a:r>
-          </a:p>
-        </p:txBody>
-      </p:sp>
-      <p:sp>
-        <p:nvSpPr>
-          <p:cNvPr id="7" name="Rectangle: Rounded Corners 6">
-            <a:extLst>
-              <a:ext uri="{FF2B5EF4-FFF2-40B4-BE49-F238E27FC236}">
-                <a16:creationId xmlns:a16="http://schemas.microsoft.com/office/drawing/2014/main" id="{107BA3EF-C83B-40C8-BD6B-F2EC4519AC17}"/>
-              </a:ext>
-            </a:extLst>
-          </p:cNvPr>
-          <p:cNvSpPr/>
-          <p:nvPr/>
-        </p:nvSpPr>
-        <p:spPr>
-          <a:xfrm>
-            <a:off x="5564535" y="4577786"/>
-            <a:ext cx="1909821" cy="726311"/>
-          </a:xfrm>
-          <a:prstGeom prst="roundRect">
-            <a:avLst>
-              <a:gd name="adj" fmla="val 39640"/>
-            </a:avLst>
-          </a:prstGeom>
-          <a:solidFill>
-            <a:schemeClr val="bg1">
-              <a:lumMod val="85000"/>
-            </a:schemeClr>
-          </a:solidFill>
-          <a:ln>
-            <a:solidFill>
-              <a:schemeClr val="tx1"/>
-            </a:solidFill>
-          </a:ln>
-          <a:effectLst>
-            <a:outerShdw blurRad="292100" dist="139700" dir="2700000" algn="tl" rotWithShape="0">
-              <a:srgbClr val="333333">
-                <a:alpha val="65000"/>
-              </a:srgbClr>
-            </a:outerShdw>
-          </a:effectLst>
-        </p:spPr>
-        <p:style>
-          <a:lnRef idx="2">
-            <a:schemeClr val="accent1">
-              <a:shade val="50000"/>
-            </a:schemeClr>
-          </a:lnRef>
-          <a:fillRef idx="1">
-            <a:schemeClr val="accent1"/>
-          </a:fillRef>
-          <a:effectRef idx="0">
-            <a:schemeClr val="accent1"/>
-          </a:effectRef>
-          <a:fontRef idx="minor">
-            <a:schemeClr val="lt1"/>
-          </a:fontRef>
-        </p:style>
-        <p:txBody>
-          <a:bodyPr rtlCol="0" anchor="ctr"/>
-          <a:lstStyle/>
-          <a:p>
-            <a:pPr algn="ctr"/>
-            <a:r>
-              <a:rPr lang="en-US" sz="1400" b="1" dirty="0">
-                <a:solidFill>
-                  <a:schemeClr val="tx1"/>
-                </a:solidFill>
-              </a:rPr>
-              <a:t>Computational node</a:t>
-            </a:r>
-          </a:p>
-        </p:txBody>
-      </p:sp>
-      <p:cxnSp>
-        <p:nvCxnSpPr>
-          <p:cNvPr id="8" name="Straight Connector 7">
-            <a:extLst>
-              <a:ext uri="{FF2B5EF4-FFF2-40B4-BE49-F238E27FC236}">
-                <a16:creationId xmlns:a16="http://schemas.microsoft.com/office/drawing/2014/main" id="{8E7CCF46-22CD-4806-970C-596628DB0F5C}"/>
-              </a:ext>
-            </a:extLst>
-          </p:cNvPr>
-          <p:cNvCxnSpPr>
-            <a:cxnSpLocks/>
-          </p:cNvCxnSpPr>
-          <p:nvPr/>
-        </p:nvCxnSpPr>
-        <p:spPr>
-          <a:xfrm>
-            <a:off x="2086338" y="4192929"/>
-            <a:ext cx="4430208" cy="0"/>
-          </a:xfrm>
-          <a:prstGeom prst="line">
-            <a:avLst/>
-          </a:prstGeom>
-        </p:spPr>
-        <p:style>
-          <a:lnRef idx="1">
-            <a:schemeClr val="accent1"/>
-          </a:lnRef>
-          <a:fillRef idx="0">
-            <a:schemeClr val="accent1"/>
-          </a:fillRef>
-          <a:effectRef idx="0">
-            <a:schemeClr val="accent1"/>
-          </a:effectRef>
-          <a:fontRef idx="minor">
-            <a:schemeClr val="tx1"/>
-          </a:fontRef>
-        </p:style>
-      </p:cxnSp>
-      <p:cxnSp>
-        <p:nvCxnSpPr>
-          <p:cNvPr id="9" name="Straight Connector 8">
-            <a:extLst>
-              <a:ext uri="{FF2B5EF4-FFF2-40B4-BE49-F238E27FC236}">
-                <a16:creationId xmlns:a16="http://schemas.microsoft.com/office/drawing/2014/main" id="{63F6816A-0981-4B28-8BD0-F03DB1947BD5}"/>
-              </a:ext>
-            </a:extLst>
-          </p:cNvPr>
-          <p:cNvCxnSpPr>
-            <a:stCxn id="4" idx="2"/>
-          </p:cNvCxnSpPr>
-          <p:nvPr/>
-        </p:nvCxnSpPr>
-        <p:spPr>
-          <a:xfrm>
-            <a:off x="4121554" y="3567897"/>
-            <a:ext cx="10607" cy="914399"/>
-          </a:xfrm>
-          <a:prstGeom prst="line">
-            <a:avLst/>
-          </a:prstGeom>
-        </p:spPr>
-        <p:style>
-          <a:lnRef idx="1">
-            <a:schemeClr val="accent1"/>
-          </a:lnRef>
-          <a:fillRef idx="0">
-            <a:schemeClr val="accent1"/>
-          </a:fillRef>
-          <a:effectRef idx="0">
-            <a:schemeClr val="accent1"/>
-          </a:effectRef>
-          <a:fontRef idx="minor">
-            <a:schemeClr val="tx1"/>
-          </a:fontRef>
-        </p:style>
-      </p:cxnSp>
-      <p:cxnSp>
-        <p:nvCxnSpPr>
-          <p:cNvPr id="10" name="Straight Connector 9">
-            <a:extLst>
-              <a:ext uri="{FF2B5EF4-FFF2-40B4-BE49-F238E27FC236}">
-                <a16:creationId xmlns:a16="http://schemas.microsoft.com/office/drawing/2014/main" id="{67F19B85-5E2D-44FB-954E-09E7F702EE06}"/>
-              </a:ext>
-            </a:extLst>
-          </p:cNvPr>
-          <p:cNvCxnSpPr>
-            <a:cxnSpLocks/>
-            <a:endCxn id="5" idx="0"/>
-          </p:cNvCxnSpPr>
-          <p:nvPr/>
-        </p:nvCxnSpPr>
-        <p:spPr>
-          <a:xfrm>
-            <a:off x="2086338" y="4192929"/>
-            <a:ext cx="0" cy="384858"/>
-          </a:xfrm>
-          <a:prstGeom prst="line">
-            <a:avLst/>
-          </a:prstGeom>
-        </p:spPr>
-        <p:style>
-          <a:lnRef idx="1">
-            <a:schemeClr val="accent1"/>
-          </a:lnRef>
-          <a:fillRef idx="0">
-            <a:schemeClr val="accent1"/>
-          </a:fillRef>
-          <a:effectRef idx="0">
-            <a:schemeClr val="accent1"/>
-          </a:effectRef>
-          <a:fontRef idx="minor">
-            <a:schemeClr val="tx1"/>
-          </a:fontRef>
-        </p:style>
-      </p:cxnSp>
-      <p:cxnSp>
-        <p:nvCxnSpPr>
-          <p:cNvPr id="11" name="Straight Connector 10">
-            <a:extLst>
-              <a:ext uri="{FF2B5EF4-FFF2-40B4-BE49-F238E27FC236}">
-                <a16:creationId xmlns:a16="http://schemas.microsoft.com/office/drawing/2014/main" id="{5BE854E1-E80F-4364-A128-56A0F5FB3083}"/>
-              </a:ext>
-            </a:extLst>
-          </p:cNvPr>
-          <p:cNvCxnSpPr>
-            <a:endCxn id="7" idx="0"/>
-          </p:cNvCxnSpPr>
-          <p:nvPr/>
-        </p:nvCxnSpPr>
-        <p:spPr>
-          <a:xfrm flipH="1">
-            <a:off x="6519446" y="4192929"/>
-            <a:ext cx="8675" cy="384857"/>
-          </a:xfrm>
-          <a:prstGeom prst="line">
-            <a:avLst/>
-          </a:prstGeom>
-        </p:spPr>
-        <p:style>
-          <a:lnRef idx="1">
-            <a:schemeClr val="accent1"/>
-          </a:lnRef>
-          <a:fillRef idx="0">
-            <a:schemeClr val="accent1"/>
-          </a:fillRef>
-          <a:effectRef idx="0">
-            <a:schemeClr val="accent1"/>
-          </a:effectRef>
-          <a:fontRef idx="minor">
-            <a:schemeClr val="tx1"/>
-          </a:fontRef>
-        </p:style>
-      </p:cxnSp>
-      <p:sp>
-        <p:nvSpPr>
-          <p:cNvPr id="12" name="Rectangle 11">
-            <a:extLst>
-              <a:ext uri="{FF2B5EF4-FFF2-40B4-BE49-F238E27FC236}">
-                <a16:creationId xmlns:a16="http://schemas.microsoft.com/office/drawing/2014/main" id="{FAD89D35-0977-40A9-87F1-AAE2776DCDE8}"/>
-              </a:ext>
-            </a:extLst>
-          </p:cNvPr>
-          <p:cNvSpPr/>
-          <p:nvPr/>
-        </p:nvSpPr>
-        <p:spPr>
-          <a:xfrm>
-            <a:off x="4311628" y="3813081"/>
-            <a:ext cx="2505814" cy="369332"/>
-          </a:xfrm>
-          <a:prstGeom prst="rect">
-            <a:avLst/>
-          </a:prstGeom>
-        </p:spPr>
-        <p:txBody>
-          <a:bodyPr wrap="none">
-            <a:spAutoFit/>
-          </a:bodyPr>
-          <a:lstStyle/>
-          <a:p>
-            <a:r>
-              <a:rPr lang="en-US" dirty="0">
-                <a:solidFill>
-                  <a:srgbClr val="333333"/>
-                </a:solidFill>
-                <a:latin typeface="Arial" panose="020B0604020202020204" pitchFamily="34" charset="0"/>
-              </a:rPr>
-              <a:t>Grid Engine Scheduler</a:t>
-            </a:r>
-            <a:endParaRPr lang="en-US" dirty="0"/>
-          </a:p>
-        </p:txBody>
-      </p:sp>
-      <p:sp>
-        <p:nvSpPr>
-          <p:cNvPr id="22" name="Freeform: Shape 21">
-            <a:extLst>
-              <a:ext uri="{FF2B5EF4-FFF2-40B4-BE49-F238E27FC236}">
-                <a16:creationId xmlns:a16="http://schemas.microsoft.com/office/drawing/2014/main" id="{3C476879-4BE4-47A8-A237-0DF90B0CA94B}"/>
-              </a:ext>
-            </a:extLst>
-          </p:cNvPr>
-          <p:cNvSpPr/>
-          <p:nvPr/>
-        </p:nvSpPr>
-        <p:spPr>
-          <a:xfrm>
-            <a:off x="1863189" y="3641558"/>
-            <a:ext cx="2035043" cy="946484"/>
-          </a:xfrm>
-          <a:custGeom>
-            <a:avLst/>
-            <a:gdLst>
-              <a:gd name="connsiteX0" fmla="*/ 2035043 w 2035043"/>
-              <a:gd name="connsiteY0" fmla="*/ 0 h 946484"/>
-              <a:gd name="connsiteX1" fmla="*/ 2019000 w 2035043"/>
-              <a:gd name="connsiteY1" fmla="*/ 256674 h 946484"/>
-              <a:gd name="connsiteX2" fmla="*/ 1874622 w 2035043"/>
-              <a:gd name="connsiteY2" fmla="*/ 368968 h 946484"/>
-              <a:gd name="connsiteX3" fmla="*/ 1842537 w 2035043"/>
-              <a:gd name="connsiteY3" fmla="*/ 401053 h 946484"/>
-              <a:gd name="connsiteX4" fmla="*/ 1794411 w 2035043"/>
-              <a:gd name="connsiteY4" fmla="*/ 417095 h 946484"/>
-              <a:gd name="connsiteX5" fmla="*/ 1473569 w 2035043"/>
-              <a:gd name="connsiteY5" fmla="*/ 401053 h 946484"/>
-              <a:gd name="connsiteX6" fmla="*/ 1425443 w 2035043"/>
-              <a:gd name="connsiteY6" fmla="*/ 385010 h 946484"/>
-              <a:gd name="connsiteX7" fmla="*/ 414790 w 2035043"/>
-              <a:gd name="connsiteY7" fmla="*/ 385010 h 946484"/>
-              <a:gd name="connsiteX8" fmla="*/ 334579 w 2035043"/>
-              <a:gd name="connsiteY8" fmla="*/ 401053 h 946484"/>
-              <a:gd name="connsiteX9" fmla="*/ 286453 w 2035043"/>
-              <a:gd name="connsiteY9" fmla="*/ 417095 h 946484"/>
-              <a:gd name="connsiteX10" fmla="*/ 222285 w 2035043"/>
-              <a:gd name="connsiteY10" fmla="*/ 433137 h 946484"/>
-              <a:gd name="connsiteX11" fmla="*/ 126032 w 2035043"/>
-              <a:gd name="connsiteY11" fmla="*/ 481263 h 946484"/>
-              <a:gd name="connsiteX12" fmla="*/ 29779 w 2035043"/>
-              <a:gd name="connsiteY12" fmla="*/ 946484 h 946484"/>
-            </a:gdLst>
-            <a:ahLst/>
-            <a:cxnLst>
-              <a:cxn ang="0">
-                <a:pos x="connsiteX0" y="connsiteY0"/>
-              </a:cxn>
-              <a:cxn ang="0">
-                <a:pos x="connsiteX1" y="connsiteY1"/>
-              </a:cxn>
-              <a:cxn ang="0">
-                <a:pos x="connsiteX2" y="connsiteY2"/>
-              </a:cxn>
-              <a:cxn ang="0">
-                <a:pos x="connsiteX3" y="connsiteY3"/>
-              </a:cxn>
-              <a:cxn ang="0">
-                <a:pos x="connsiteX4" y="connsiteY4"/>
-              </a:cxn>
-              <a:cxn ang="0">
-                <a:pos x="connsiteX5" y="connsiteY5"/>
-              </a:cxn>
-              <a:cxn ang="0">
-                <a:pos x="connsiteX6" y="connsiteY6"/>
-              </a:cxn>
-              <a:cxn ang="0">
-                <a:pos x="connsiteX7" y="connsiteY7"/>
-              </a:cxn>
-              <a:cxn ang="0">
-                <a:pos x="connsiteX8" y="connsiteY8"/>
-              </a:cxn>
-              <a:cxn ang="0">
-                <a:pos x="connsiteX9" y="connsiteY9"/>
-              </a:cxn>
-              <a:cxn ang="0">
-                <a:pos x="connsiteX10" y="connsiteY10"/>
-              </a:cxn>
-              <a:cxn ang="0">
-                <a:pos x="connsiteX11" y="connsiteY11"/>
-              </a:cxn>
-              <a:cxn ang="0">
-                <a:pos x="connsiteX12" y="connsiteY12"/>
-              </a:cxn>
-            </a:cxnLst>
-            <a:rect l="l" t="t" r="r" b="b"/>
-            <a:pathLst>
-              <a:path w="2035043" h="946484">
-                <a:moveTo>
-                  <a:pt x="2035043" y="0"/>
-                </a:moveTo>
-                <a:cubicBezTo>
-                  <a:pt x="2029695" y="85558"/>
-                  <a:pt x="2044992" y="174984"/>
-                  <a:pt x="2019000" y="256674"/>
-                </a:cubicBezTo>
-                <a:cubicBezTo>
-                  <a:pt x="1993323" y="337372"/>
-                  <a:pt x="1935035" y="348830"/>
-                  <a:pt x="1874622" y="368968"/>
-                </a:cubicBezTo>
-                <a:cubicBezTo>
-                  <a:pt x="1863927" y="379663"/>
-                  <a:pt x="1855507" y="393271"/>
-                  <a:pt x="1842537" y="401053"/>
-                </a:cubicBezTo>
-                <a:cubicBezTo>
-                  <a:pt x="1828037" y="409753"/>
-                  <a:pt x="1811321" y="417095"/>
-                  <a:pt x="1794411" y="417095"/>
-                </a:cubicBezTo>
-                <a:cubicBezTo>
-                  <a:pt x="1687330" y="417095"/>
-                  <a:pt x="1580516" y="406400"/>
-                  <a:pt x="1473569" y="401053"/>
-                </a:cubicBezTo>
-                <a:cubicBezTo>
-                  <a:pt x="1457527" y="395705"/>
-                  <a:pt x="1441950" y="388678"/>
-                  <a:pt x="1425443" y="385010"/>
-                </a:cubicBezTo>
-                <a:cubicBezTo>
-                  <a:pt x="1120477" y="317238"/>
-                  <a:pt x="499601" y="383522"/>
-                  <a:pt x="414790" y="385010"/>
-                </a:cubicBezTo>
-                <a:cubicBezTo>
-                  <a:pt x="388053" y="390358"/>
-                  <a:pt x="361031" y="394440"/>
-                  <a:pt x="334579" y="401053"/>
-                </a:cubicBezTo>
-                <a:cubicBezTo>
-                  <a:pt x="318174" y="405154"/>
-                  <a:pt x="302712" y="412450"/>
-                  <a:pt x="286453" y="417095"/>
-                </a:cubicBezTo>
-                <a:cubicBezTo>
-                  <a:pt x="265254" y="423152"/>
-                  <a:pt x="243674" y="427790"/>
-                  <a:pt x="222285" y="433137"/>
-                </a:cubicBezTo>
-                <a:cubicBezTo>
-                  <a:pt x="8621" y="575577"/>
-                  <a:pt x="325293" y="370563"/>
-                  <a:pt x="126032" y="481263"/>
-                </a:cubicBezTo>
-                <a:cubicBezTo>
-                  <a:pt x="-81453" y="596532"/>
-                  <a:pt x="29779" y="586794"/>
-                  <a:pt x="29779" y="946484"/>
-                </a:cubicBezTo>
-              </a:path>
-            </a:pathLst>
-          </a:custGeom>
-          <a:ln>
-            <a:solidFill>
-              <a:srgbClr val="FF0000"/>
-            </a:solidFill>
-            <a:tailEnd type="triangle"/>
-          </a:ln>
-        </p:spPr>
-        <p:style>
-          <a:lnRef idx="1">
-            <a:schemeClr val="accent1"/>
-          </a:lnRef>
-          <a:fillRef idx="0">
-            <a:schemeClr val="accent1"/>
-          </a:fillRef>
-          <a:effectRef idx="0">
-            <a:schemeClr val="accent1"/>
-          </a:effectRef>
-          <a:fontRef idx="minor">
-            <a:schemeClr val="tx1"/>
-          </a:fontRef>
-        </p:style>
-        <p:txBody>
-          <a:bodyPr rtlCol="0" anchor="ctr"/>
-          <a:lstStyle/>
-          <a:p>
-            <a:pPr algn="ctr"/>
-            <a:endParaRPr lang="en-US"/>
+            <a:endParaRPr lang="en-GB"/>
           </a:p>
         </p:txBody>
       </p:sp>
     </p:spTree>
     <p:extLst>
       <p:ext uri="{BB962C8B-B14F-4D97-AF65-F5344CB8AC3E}">
-        <p14:creationId xmlns:p14="http://schemas.microsoft.com/office/powerpoint/2010/main" val="1060282807"/>
+        <p14:creationId xmlns:p14="http://schemas.microsoft.com/office/powerpoint/2010/main" val="3561549675"/>
       </p:ext>
     </p:extLst>
   </p:cSld>
@@ -8010,7 +7688,7 @@
           <p:cNvPr id="2" name="Title 1">
             <a:extLst>
               <a:ext uri="{FF2B5EF4-FFF2-40B4-BE49-F238E27FC236}">
-                <a16:creationId xmlns:a16="http://schemas.microsoft.com/office/drawing/2014/main" id="{F106FC69-F4F4-477D-9A5D-63B0AEB15A9F}"/>
+                <a16:creationId xmlns:a16="http://schemas.microsoft.com/office/drawing/2014/main" id="{7B2C48CA-6D35-4B81-85C0-85B0AE11F802}"/>
               </a:ext>
             </a:extLst>
           </p:cNvPr>
@@ -8028,7 +7706,7 @@
           <a:p>
             <a:r>
               <a:rPr lang="en-US" dirty="0"/>
-              <a:t>Job submission</a:t>
+              <a:t>Shell scripting</a:t>
             </a:r>
           </a:p>
         </p:txBody>
@@ -8038,7 +7716,7 @@
           <p:cNvPr id="3" name="Content Placeholder 2">
             <a:extLst>
               <a:ext uri="{FF2B5EF4-FFF2-40B4-BE49-F238E27FC236}">
-                <a16:creationId xmlns:a16="http://schemas.microsoft.com/office/drawing/2014/main" id="{F7FD468D-656B-48E1-90D6-5D651345DEDD}"/>
+                <a16:creationId xmlns:a16="http://schemas.microsoft.com/office/drawing/2014/main" id="{D611606E-FB3D-478F-BFB8-A1DD26F8F383}"/>
               </a:ext>
             </a:extLst>
           </p:cNvPr>
@@ -8056,763 +7734,76 @@
           <a:p>
             <a:r>
               <a:rPr lang="en-US" dirty="0"/>
-              <a:t>Interactive mode vs Batch mode</a:t>
-            </a:r>
-          </a:p>
-        </p:txBody>
-      </p:sp>
-      <p:sp>
-        <p:nvSpPr>
-          <p:cNvPr id="4" name="Rectangle: Rounded Corners 3">
-            <a:extLst>
-              <a:ext uri="{FF2B5EF4-FFF2-40B4-BE49-F238E27FC236}">
-                <a16:creationId xmlns:a16="http://schemas.microsoft.com/office/drawing/2014/main" id="{84BDA9CA-110D-48D1-9DF1-897B8BB2A0F7}"/>
-              </a:ext>
-            </a:extLst>
-          </p:cNvPr>
-          <p:cNvSpPr/>
-          <p:nvPr/>
-        </p:nvSpPr>
-        <p:spPr>
-          <a:xfrm>
-            <a:off x="3166643" y="3070185"/>
-            <a:ext cx="1909821" cy="497712"/>
-          </a:xfrm>
-          <a:prstGeom prst="roundRect">
-            <a:avLst>
-              <a:gd name="adj" fmla="val 39640"/>
-            </a:avLst>
-          </a:prstGeom>
-          <a:solidFill>
-            <a:schemeClr val="bg1">
-              <a:lumMod val="85000"/>
-            </a:schemeClr>
-          </a:solidFill>
-          <a:ln>
-            <a:solidFill>
-              <a:schemeClr val="tx1"/>
-            </a:solidFill>
-          </a:ln>
-          <a:effectLst>
-            <a:outerShdw blurRad="292100" dist="139700" dir="2700000" algn="tl" rotWithShape="0">
-              <a:srgbClr val="333333">
-                <a:alpha val="65000"/>
-              </a:srgbClr>
-            </a:outerShdw>
-          </a:effectLst>
-        </p:spPr>
-        <p:style>
-          <a:lnRef idx="2">
-            <a:schemeClr val="accent1">
-              <a:shade val="50000"/>
-            </a:schemeClr>
-          </a:lnRef>
-          <a:fillRef idx="1">
-            <a:schemeClr val="accent1"/>
-          </a:fillRef>
-          <a:effectRef idx="0">
-            <a:schemeClr val="accent1"/>
-          </a:effectRef>
-          <a:fontRef idx="minor">
-            <a:schemeClr val="lt1"/>
-          </a:fontRef>
-        </p:style>
-        <p:txBody>
-          <a:bodyPr rtlCol="0" anchor="ctr"/>
-          <a:lstStyle/>
-          <a:p>
-            <a:pPr algn="ctr"/>
-            <a:r>
-              <a:rPr lang="en-US" b="1" dirty="0">
-                <a:solidFill>
-                  <a:schemeClr val="tx1"/>
-                </a:solidFill>
-              </a:rPr>
-              <a:t>Login node</a:t>
-            </a:r>
-          </a:p>
-        </p:txBody>
-      </p:sp>
-      <p:sp>
-        <p:nvSpPr>
-          <p:cNvPr id="5" name="Rectangle: Rounded Corners 4">
-            <a:extLst>
-              <a:ext uri="{FF2B5EF4-FFF2-40B4-BE49-F238E27FC236}">
-                <a16:creationId xmlns:a16="http://schemas.microsoft.com/office/drawing/2014/main" id="{607B223C-F284-441E-8456-A8480E9E44AE}"/>
-              </a:ext>
-            </a:extLst>
-          </p:cNvPr>
-          <p:cNvSpPr/>
-          <p:nvPr/>
-        </p:nvSpPr>
-        <p:spPr>
-          <a:xfrm>
-            <a:off x="1131427" y="4577787"/>
-            <a:ext cx="1909821" cy="726311"/>
-          </a:xfrm>
-          <a:prstGeom prst="roundRect">
-            <a:avLst>
-              <a:gd name="adj" fmla="val 39640"/>
-            </a:avLst>
-          </a:prstGeom>
-          <a:solidFill>
-            <a:schemeClr val="bg1">
-              <a:lumMod val="85000"/>
-            </a:schemeClr>
-          </a:solidFill>
-          <a:ln>
-            <a:solidFill>
-              <a:schemeClr val="tx1"/>
-            </a:solidFill>
-          </a:ln>
-          <a:effectLst>
-            <a:outerShdw blurRad="292100" dist="139700" dir="2700000" algn="tl" rotWithShape="0">
-              <a:srgbClr val="333333">
-                <a:alpha val="65000"/>
-              </a:srgbClr>
-            </a:outerShdw>
-          </a:effectLst>
-        </p:spPr>
-        <p:style>
-          <a:lnRef idx="2">
-            <a:schemeClr val="accent1">
-              <a:shade val="50000"/>
-            </a:schemeClr>
-          </a:lnRef>
-          <a:fillRef idx="1">
-            <a:schemeClr val="accent1"/>
-          </a:fillRef>
-          <a:effectRef idx="0">
-            <a:schemeClr val="accent1"/>
-          </a:effectRef>
-          <a:fontRef idx="minor">
-            <a:schemeClr val="lt1"/>
-          </a:fontRef>
-        </p:style>
-        <p:txBody>
-          <a:bodyPr rtlCol="0" anchor="ctr"/>
-          <a:lstStyle/>
-          <a:p>
-            <a:pPr algn="ctr"/>
-            <a:r>
-              <a:rPr lang="en-US" sz="1400" b="1" dirty="0">
-                <a:solidFill>
-                  <a:schemeClr val="tx1"/>
-                </a:solidFill>
-              </a:rPr>
-              <a:t>Computational node (interactive)</a:t>
-            </a:r>
-          </a:p>
-        </p:txBody>
-      </p:sp>
-      <p:sp>
-        <p:nvSpPr>
-          <p:cNvPr id="6" name="Rectangle: Rounded Corners 5">
-            <a:extLst>
-              <a:ext uri="{FF2B5EF4-FFF2-40B4-BE49-F238E27FC236}">
-                <a16:creationId xmlns:a16="http://schemas.microsoft.com/office/drawing/2014/main" id="{0FFD7ADD-58D3-4746-A1BC-7E99C158DC2E}"/>
-              </a:ext>
-            </a:extLst>
-          </p:cNvPr>
-          <p:cNvSpPr/>
-          <p:nvPr/>
-        </p:nvSpPr>
-        <p:spPr>
-          <a:xfrm>
-            <a:off x="3347981" y="4586470"/>
-            <a:ext cx="1909821" cy="726311"/>
-          </a:xfrm>
-          <a:prstGeom prst="roundRect">
-            <a:avLst>
-              <a:gd name="adj" fmla="val 39640"/>
-            </a:avLst>
-          </a:prstGeom>
-          <a:solidFill>
-            <a:schemeClr val="bg1">
-              <a:lumMod val="85000"/>
-            </a:schemeClr>
-          </a:solidFill>
-          <a:ln>
-            <a:solidFill>
-              <a:schemeClr val="tx1"/>
-            </a:solidFill>
-          </a:ln>
-          <a:effectLst>
-            <a:outerShdw blurRad="292100" dist="139700" dir="2700000" algn="tl" rotWithShape="0">
-              <a:srgbClr val="333333">
-                <a:alpha val="65000"/>
-              </a:srgbClr>
-            </a:outerShdw>
-          </a:effectLst>
-        </p:spPr>
-        <p:style>
-          <a:lnRef idx="2">
-            <a:schemeClr val="accent1">
-              <a:shade val="50000"/>
-            </a:schemeClr>
-          </a:lnRef>
-          <a:fillRef idx="1">
-            <a:schemeClr val="accent1"/>
-          </a:fillRef>
-          <a:effectRef idx="0">
-            <a:schemeClr val="accent1"/>
-          </a:effectRef>
-          <a:fontRef idx="minor">
-            <a:schemeClr val="lt1"/>
-          </a:fontRef>
-        </p:style>
-        <p:txBody>
-          <a:bodyPr rtlCol="0" anchor="ctr"/>
-          <a:lstStyle/>
-          <a:p>
-            <a:pPr algn="ctr"/>
-            <a:r>
-              <a:rPr lang="en-US" sz="1400" b="1" dirty="0">
-                <a:solidFill>
-                  <a:schemeClr val="tx1"/>
-                </a:solidFill>
-              </a:rPr>
-              <a:t>Computational node</a:t>
-            </a:r>
-          </a:p>
-        </p:txBody>
-      </p:sp>
-      <p:sp>
-        <p:nvSpPr>
-          <p:cNvPr id="7" name="Rectangle: Rounded Corners 6">
-            <a:extLst>
-              <a:ext uri="{FF2B5EF4-FFF2-40B4-BE49-F238E27FC236}">
-                <a16:creationId xmlns:a16="http://schemas.microsoft.com/office/drawing/2014/main" id="{107BA3EF-C83B-40C8-BD6B-F2EC4519AC17}"/>
-              </a:ext>
-            </a:extLst>
-          </p:cNvPr>
-          <p:cNvSpPr/>
-          <p:nvPr/>
-        </p:nvSpPr>
-        <p:spPr>
-          <a:xfrm>
-            <a:off x="5564535" y="4577786"/>
-            <a:ext cx="1909821" cy="726311"/>
-          </a:xfrm>
-          <a:prstGeom prst="roundRect">
-            <a:avLst>
-              <a:gd name="adj" fmla="val 39640"/>
-            </a:avLst>
-          </a:prstGeom>
-          <a:solidFill>
-            <a:schemeClr val="bg1">
-              <a:lumMod val="85000"/>
-            </a:schemeClr>
-          </a:solidFill>
-          <a:ln>
-            <a:solidFill>
-              <a:schemeClr val="tx1"/>
-            </a:solidFill>
-          </a:ln>
-          <a:effectLst>
-            <a:outerShdw blurRad="292100" dist="139700" dir="2700000" algn="tl" rotWithShape="0">
-              <a:srgbClr val="333333">
-                <a:alpha val="65000"/>
-              </a:srgbClr>
-            </a:outerShdw>
-          </a:effectLst>
-        </p:spPr>
-        <p:style>
-          <a:lnRef idx="2">
-            <a:schemeClr val="accent1">
-              <a:shade val="50000"/>
-            </a:schemeClr>
-          </a:lnRef>
-          <a:fillRef idx="1">
-            <a:schemeClr val="accent1"/>
-          </a:fillRef>
-          <a:effectRef idx="0">
-            <a:schemeClr val="accent1"/>
-          </a:effectRef>
-          <a:fontRef idx="minor">
-            <a:schemeClr val="lt1"/>
-          </a:fontRef>
-        </p:style>
-        <p:txBody>
-          <a:bodyPr rtlCol="0" anchor="ctr"/>
-          <a:lstStyle/>
-          <a:p>
-            <a:pPr algn="ctr"/>
-            <a:r>
-              <a:rPr lang="en-US" sz="1400" b="1" dirty="0">
-                <a:solidFill>
-                  <a:schemeClr val="tx1"/>
-                </a:solidFill>
-              </a:rPr>
-              <a:t>Computational node</a:t>
-            </a:r>
-          </a:p>
-        </p:txBody>
-      </p:sp>
-      <p:cxnSp>
-        <p:nvCxnSpPr>
-          <p:cNvPr id="8" name="Straight Connector 7">
-            <a:extLst>
-              <a:ext uri="{FF2B5EF4-FFF2-40B4-BE49-F238E27FC236}">
-                <a16:creationId xmlns:a16="http://schemas.microsoft.com/office/drawing/2014/main" id="{8E7CCF46-22CD-4806-970C-596628DB0F5C}"/>
-              </a:ext>
-            </a:extLst>
-          </p:cNvPr>
-          <p:cNvCxnSpPr>
-            <a:cxnSpLocks/>
-          </p:cNvCxnSpPr>
-          <p:nvPr/>
-        </p:nvCxnSpPr>
-        <p:spPr>
-          <a:xfrm>
-            <a:off x="2086338" y="4192929"/>
-            <a:ext cx="4430208" cy="0"/>
-          </a:xfrm>
-          <a:prstGeom prst="line">
-            <a:avLst/>
-          </a:prstGeom>
-        </p:spPr>
-        <p:style>
-          <a:lnRef idx="1">
-            <a:schemeClr val="accent1"/>
-          </a:lnRef>
-          <a:fillRef idx="0">
-            <a:schemeClr val="accent1"/>
-          </a:fillRef>
-          <a:effectRef idx="0">
-            <a:schemeClr val="accent1"/>
-          </a:effectRef>
-          <a:fontRef idx="minor">
-            <a:schemeClr val="tx1"/>
-          </a:fontRef>
-        </p:style>
-      </p:cxnSp>
-      <p:cxnSp>
-        <p:nvCxnSpPr>
-          <p:cNvPr id="9" name="Straight Connector 8">
-            <a:extLst>
-              <a:ext uri="{FF2B5EF4-FFF2-40B4-BE49-F238E27FC236}">
-                <a16:creationId xmlns:a16="http://schemas.microsoft.com/office/drawing/2014/main" id="{63F6816A-0981-4B28-8BD0-F03DB1947BD5}"/>
-              </a:ext>
-            </a:extLst>
-          </p:cNvPr>
-          <p:cNvCxnSpPr>
-            <a:stCxn id="4" idx="2"/>
-          </p:cNvCxnSpPr>
-          <p:nvPr/>
-        </p:nvCxnSpPr>
-        <p:spPr>
-          <a:xfrm>
-            <a:off x="4121554" y="3567897"/>
-            <a:ext cx="10607" cy="914399"/>
-          </a:xfrm>
-          <a:prstGeom prst="line">
-            <a:avLst/>
-          </a:prstGeom>
-        </p:spPr>
-        <p:style>
-          <a:lnRef idx="1">
-            <a:schemeClr val="accent1"/>
-          </a:lnRef>
-          <a:fillRef idx="0">
-            <a:schemeClr val="accent1"/>
-          </a:fillRef>
-          <a:effectRef idx="0">
-            <a:schemeClr val="accent1"/>
-          </a:effectRef>
-          <a:fontRef idx="minor">
-            <a:schemeClr val="tx1"/>
-          </a:fontRef>
-        </p:style>
-      </p:cxnSp>
-      <p:cxnSp>
-        <p:nvCxnSpPr>
-          <p:cNvPr id="10" name="Straight Connector 9">
-            <a:extLst>
-              <a:ext uri="{FF2B5EF4-FFF2-40B4-BE49-F238E27FC236}">
-                <a16:creationId xmlns:a16="http://schemas.microsoft.com/office/drawing/2014/main" id="{67F19B85-5E2D-44FB-954E-09E7F702EE06}"/>
-              </a:ext>
-            </a:extLst>
-          </p:cNvPr>
-          <p:cNvCxnSpPr>
-            <a:cxnSpLocks/>
-            <a:endCxn id="5" idx="0"/>
-          </p:cNvCxnSpPr>
-          <p:nvPr/>
-        </p:nvCxnSpPr>
-        <p:spPr>
-          <a:xfrm>
-            <a:off x="2086338" y="4192929"/>
-            <a:ext cx="0" cy="384858"/>
-          </a:xfrm>
-          <a:prstGeom prst="line">
-            <a:avLst/>
-          </a:prstGeom>
-        </p:spPr>
-        <p:style>
-          <a:lnRef idx="1">
-            <a:schemeClr val="accent1"/>
-          </a:lnRef>
-          <a:fillRef idx="0">
-            <a:schemeClr val="accent1"/>
-          </a:fillRef>
-          <a:effectRef idx="0">
-            <a:schemeClr val="accent1"/>
-          </a:effectRef>
-          <a:fontRef idx="minor">
-            <a:schemeClr val="tx1"/>
-          </a:fontRef>
-        </p:style>
-      </p:cxnSp>
-      <p:cxnSp>
-        <p:nvCxnSpPr>
-          <p:cNvPr id="11" name="Straight Connector 10">
-            <a:extLst>
-              <a:ext uri="{FF2B5EF4-FFF2-40B4-BE49-F238E27FC236}">
-                <a16:creationId xmlns:a16="http://schemas.microsoft.com/office/drawing/2014/main" id="{5BE854E1-E80F-4364-A128-56A0F5FB3083}"/>
-              </a:ext>
-            </a:extLst>
-          </p:cNvPr>
-          <p:cNvCxnSpPr>
-            <a:endCxn id="7" idx="0"/>
-          </p:cNvCxnSpPr>
-          <p:nvPr/>
-        </p:nvCxnSpPr>
-        <p:spPr>
-          <a:xfrm flipH="1">
-            <a:off x="6519446" y="4192929"/>
-            <a:ext cx="8675" cy="384857"/>
-          </a:xfrm>
-          <a:prstGeom prst="line">
-            <a:avLst/>
-          </a:prstGeom>
-        </p:spPr>
-        <p:style>
-          <a:lnRef idx="1">
-            <a:schemeClr val="accent1"/>
-          </a:lnRef>
-          <a:fillRef idx="0">
-            <a:schemeClr val="accent1"/>
-          </a:fillRef>
-          <a:effectRef idx="0">
-            <a:schemeClr val="accent1"/>
-          </a:effectRef>
-          <a:fontRef idx="minor">
-            <a:schemeClr val="tx1"/>
-          </a:fontRef>
-        </p:style>
-      </p:cxnSp>
-      <p:sp>
-        <p:nvSpPr>
-          <p:cNvPr id="12" name="Rectangle 11">
-            <a:extLst>
-              <a:ext uri="{FF2B5EF4-FFF2-40B4-BE49-F238E27FC236}">
-                <a16:creationId xmlns:a16="http://schemas.microsoft.com/office/drawing/2014/main" id="{FAD89D35-0977-40A9-87F1-AAE2776DCDE8}"/>
-              </a:ext>
-            </a:extLst>
-          </p:cNvPr>
-          <p:cNvSpPr/>
-          <p:nvPr/>
-        </p:nvSpPr>
-        <p:spPr>
-          <a:xfrm>
-            <a:off x="4311628" y="3813081"/>
-            <a:ext cx="2505814" cy="369332"/>
-          </a:xfrm>
-          <a:prstGeom prst="rect">
-            <a:avLst/>
-          </a:prstGeom>
-        </p:spPr>
-        <p:txBody>
-          <a:bodyPr wrap="none">
-            <a:spAutoFit/>
-          </a:bodyPr>
-          <a:lstStyle/>
-          <a:p>
-            <a:r>
-              <a:rPr lang="en-US" dirty="0">
-                <a:solidFill>
-                  <a:srgbClr val="333333"/>
-                </a:solidFill>
-                <a:latin typeface="Arial" panose="020B0604020202020204" pitchFamily="34" charset="0"/>
-              </a:rPr>
-              <a:t>Grid Engine Scheduler</a:t>
-            </a:r>
-            <a:endParaRPr lang="en-US" dirty="0"/>
-          </a:p>
-        </p:txBody>
-      </p:sp>
-      <p:cxnSp>
-        <p:nvCxnSpPr>
-          <p:cNvPr id="14" name="Straight Arrow Connector 13">
-            <a:extLst>
-              <a:ext uri="{FF2B5EF4-FFF2-40B4-BE49-F238E27FC236}">
-                <a16:creationId xmlns:a16="http://schemas.microsoft.com/office/drawing/2014/main" id="{A527438B-D7DE-4A79-B3DC-8F8B269A0F07}"/>
-              </a:ext>
-            </a:extLst>
-          </p:cNvPr>
-          <p:cNvCxnSpPr>
-            <a:cxnSpLocks/>
-          </p:cNvCxnSpPr>
-          <p:nvPr/>
-        </p:nvCxnSpPr>
-        <p:spPr>
-          <a:xfrm>
-            <a:off x="4475747" y="3567897"/>
-            <a:ext cx="336885" cy="245184"/>
-          </a:xfrm>
-          <a:prstGeom prst="straightConnector1">
-            <a:avLst/>
-          </a:prstGeom>
-          <a:ln>
-            <a:solidFill>
-              <a:srgbClr val="FF0000"/>
-            </a:solidFill>
-            <a:tailEnd type="triangle"/>
-          </a:ln>
-        </p:spPr>
-        <p:style>
-          <a:lnRef idx="1">
-            <a:schemeClr val="accent1"/>
-          </a:lnRef>
-          <a:fillRef idx="0">
-            <a:schemeClr val="accent1"/>
-          </a:fillRef>
-          <a:effectRef idx="0">
-            <a:schemeClr val="accent1"/>
-          </a:effectRef>
-          <a:fontRef idx="minor">
-            <a:schemeClr val="tx1"/>
-          </a:fontRef>
-        </p:style>
-      </p:cxnSp>
-      <p:sp>
-        <p:nvSpPr>
-          <p:cNvPr id="17" name="Freeform: Shape 16">
-            <a:extLst>
-              <a:ext uri="{FF2B5EF4-FFF2-40B4-BE49-F238E27FC236}">
-                <a16:creationId xmlns:a16="http://schemas.microsoft.com/office/drawing/2014/main" id="{3384107F-E944-4C72-936A-3247663BE4C7}"/>
-              </a:ext>
-            </a:extLst>
-          </p:cNvPr>
-          <p:cNvSpPr/>
-          <p:nvPr/>
-        </p:nvSpPr>
-        <p:spPr>
-          <a:xfrm>
-            <a:off x="4684295" y="4203032"/>
-            <a:ext cx="401052" cy="288757"/>
-          </a:xfrm>
-          <a:custGeom>
-            <a:avLst/>
-            <a:gdLst>
-              <a:gd name="connsiteX0" fmla="*/ 401052 w 401052"/>
-              <a:gd name="connsiteY0" fmla="*/ 0 h 288757"/>
-              <a:gd name="connsiteX1" fmla="*/ 208547 w 401052"/>
-              <a:gd name="connsiteY1" fmla="*/ 128336 h 288757"/>
-              <a:gd name="connsiteX2" fmla="*/ 160421 w 401052"/>
-              <a:gd name="connsiteY2" fmla="*/ 160421 h 288757"/>
-              <a:gd name="connsiteX3" fmla="*/ 112294 w 401052"/>
-              <a:gd name="connsiteY3" fmla="*/ 208547 h 288757"/>
-              <a:gd name="connsiteX4" fmla="*/ 0 w 401052"/>
-              <a:gd name="connsiteY4" fmla="*/ 288757 h 288757"/>
-            </a:gdLst>
-            <a:ahLst/>
-            <a:cxnLst>
-              <a:cxn ang="0">
-                <a:pos x="connsiteX0" y="connsiteY0"/>
-              </a:cxn>
-              <a:cxn ang="0">
-                <a:pos x="connsiteX1" y="connsiteY1"/>
-              </a:cxn>
-              <a:cxn ang="0">
-                <a:pos x="connsiteX2" y="connsiteY2"/>
-              </a:cxn>
-              <a:cxn ang="0">
-                <a:pos x="connsiteX3" y="connsiteY3"/>
-              </a:cxn>
-              <a:cxn ang="0">
-                <a:pos x="connsiteX4" y="connsiteY4"/>
-              </a:cxn>
-            </a:cxnLst>
-            <a:rect l="l" t="t" r="r" b="b"/>
-            <a:pathLst>
-              <a:path w="401052" h="288757">
-                <a:moveTo>
-                  <a:pt x="401052" y="0"/>
-                </a:moveTo>
-                <a:lnTo>
-                  <a:pt x="208547" y="128336"/>
-                </a:lnTo>
-                <a:cubicBezTo>
-                  <a:pt x="192505" y="139031"/>
-                  <a:pt x="174054" y="146788"/>
-                  <a:pt x="160421" y="160421"/>
-                </a:cubicBezTo>
-                <a:cubicBezTo>
-                  <a:pt x="144379" y="176463"/>
-                  <a:pt x="130202" y="194619"/>
-                  <a:pt x="112294" y="208547"/>
-                </a:cubicBezTo>
-                <a:cubicBezTo>
-                  <a:pt x="-41519" y="328178"/>
-                  <a:pt x="53363" y="235394"/>
-                  <a:pt x="0" y="288757"/>
-                </a:cubicBezTo>
-              </a:path>
-            </a:pathLst>
-          </a:custGeom>
-          <a:ln>
-            <a:solidFill>
-              <a:srgbClr val="FF0000"/>
-            </a:solidFill>
-            <a:tailEnd type="triangle"/>
-          </a:ln>
-        </p:spPr>
-        <p:style>
-          <a:lnRef idx="1">
-            <a:schemeClr val="accent1"/>
-          </a:lnRef>
-          <a:fillRef idx="0">
-            <a:schemeClr val="accent1"/>
-          </a:fillRef>
-          <a:effectRef idx="0">
-            <a:schemeClr val="accent1"/>
-          </a:effectRef>
-          <a:fontRef idx="minor">
-            <a:schemeClr val="tx1"/>
-          </a:fontRef>
-        </p:style>
-        <p:txBody>
-          <a:bodyPr rtlCol="0" anchor="ctr"/>
-          <a:lstStyle/>
-          <a:p>
-            <a:pPr algn="ctr"/>
-            <a:endParaRPr lang="en-US"/>
-          </a:p>
-        </p:txBody>
-      </p:sp>
-      <p:sp>
-        <p:nvSpPr>
-          <p:cNvPr id="20" name="Freeform: Shape 19">
-            <a:extLst>
-              <a:ext uri="{FF2B5EF4-FFF2-40B4-BE49-F238E27FC236}">
-                <a16:creationId xmlns:a16="http://schemas.microsoft.com/office/drawing/2014/main" id="{B7172110-0B82-4952-BD1B-6CDC1E92825E}"/>
-              </a:ext>
-            </a:extLst>
-          </p:cNvPr>
-          <p:cNvSpPr/>
-          <p:nvPr/>
-        </p:nvSpPr>
-        <p:spPr>
-          <a:xfrm>
-            <a:off x="6223400" y="4138863"/>
-            <a:ext cx="81147" cy="401053"/>
-          </a:xfrm>
-          <a:custGeom>
-            <a:avLst/>
-            <a:gdLst>
-              <a:gd name="connsiteX0" fmla="*/ 81147 w 81147"/>
-              <a:gd name="connsiteY0" fmla="*/ 0 h 401053"/>
-              <a:gd name="connsiteX1" fmla="*/ 49063 w 81147"/>
-              <a:gd name="connsiteY1" fmla="*/ 144379 h 401053"/>
-              <a:gd name="connsiteX2" fmla="*/ 33021 w 81147"/>
-              <a:gd name="connsiteY2" fmla="*/ 208548 h 401053"/>
-              <a:gd name="connsiteX3" fmla="*/ 16979 w 81147"/>
-              <a:gd name="connsiteY3" fmla="*/ 288758 h 401053"/>
-              <a:gd name="connsiteX4" fmla="*/ 937 w 81147"/>
-              <a:gd name="connsiteY4" fmla="*/ 401053 h 401053"/>
-            </a:gdLst>
-            <a:ahLst/>
-            <a:cxnLst>
-              <a:cxn ang="0">
-                <a:pos x="connsiteX0" y="connsiteY0"/>
-              </a:cxn>
-              <a:cxn ang="0">
-                <a:pos x="connsiteX1" y="connsiteY1"/>
-              </a:cxn>
-              <a:cxn ang="0">
-                <a:pos x="connsiteX2" y="connsiteY2"/>
-              </a:cxn>
-              <a:cxn ang="0">
-                <a:pos x="connsiteX3" y="connsiteY3"/>
-              </a:cxn>
-              <a:cxn ang="0">
-                <a:pos x="connsiteX4" y="connsiteY4"/>
-              </a:cxn>
-            </a:cxnLst>
-            <a:rect l="l" t="t" r="r" b="b"/>
-            <a:pathLst>
-              <a:path w="81147" h="401053">
-                <a:moveTo>
-                  <a:pt x="81147" y="0"/>
-                </a:moveTo>
-                <a:cubicBezTo>
-                  <a:pt x="70452" y="48126"/>
-                  <a:pt x="60149" y="96341"/>
-                  <a:pt x="49063" y="144379"/>
-                </a:cubicBezTo>
-                <a:cubicBezTo>
-                  <a:pt x="44105" y="165862"/>
-                  <a:pt x="37804" y="187025"/>
-                  <a:pt x="33021" y="208548"/>
-                </a:cubicBezTo>
-                <a:cubicBezTo>
-                  <a:pt x="27106" y="235165"/>
-                  <a:pt x="23592" y="262306"/>
-                  <a:pt x="16979" y="288758"/>
-                </a:cubicBezTo>
-                <a:cubicBezTo>
-                  <a:pt x="-5827" y="379982"/>
-                  <a:pt x="937" y="291126"/>
-                  <a:pt x="937" y="401053"/>
-                </a:cubicBezTo>
-              </a:path>
-            </a:pathLst>
-          </a:custGeom>
-          <a:ln>
-            <a:solidFill>
-              <a:srgbClr val="FF0000"/>
-            </a:solidFill>
-            <a:tailEnd type="triangle"/>
-          </a:ln>
-        </p:spPr>
-        <p:style>
-          <a:lnRef idx="1">
-            <a:schemeClr val="accent1"/>
-          </a:lnRef>
-          <a:fillRef idx="0">
-            <a:schemeClr val="accent1"/>
-          </a:fillRef>
-          <a:effectRef idx="0">
-            <a:schemeClr val="accent1"/>
-          </a:effectRef>
-          <a:fontRef idx="minor">
-            <a:schemeClr val="tx1"/>
-          </a:fontRef>
-        </p:style>
-        <p:txBody>
-          <a:bodyPr rot="0" spcFirstLastPara="0" vertOverflow="overflow" horzOverflow="overflow" vert="horz" wrap="square" lIns="91440" tIns="45720" rIns="91440" bIns="45720" numCol="1" spcCol="0" rtlCol="0" fromWordArt="0" anchor="ctr" anchorCtr="0" forceAA="0" compatLnSpc="1">
-            <a:prstTxWarp prst="textNoShape">
-              <a:avLst/>
-            </a:prstTxWarp>
-            <a:noAutofit/>
-          </a:bodyPr>
-          <a:lstStyle/>
-          <a:p>
-            <a:pPr algn="ctr"/>
-            <a:endParaRPr lang="en-US">
-              <a:solidFill>
-                <a:schemeClr val="tx1"/>
-              </a:solidFill>
-            </a:endParaRPr>
+              <a:t>Declaration of variables:</a:t>
+            </a:r>
+          </a:p>
+          <a:p>
+            <a:pPr lvl="1"/>
+            <a:r>
+              <a:rPr lang="en-US" dirty="0"/>
+              <a:t>var1=341 </a:t>
+            </a:r>
+          </a:p>
+          <a:p>
+            <a:pPr lvl="1"/>
+            <a:r>
+              <a:rPr lang="en-US" dirty="0"/>
+              <a:t>(there is no space between =, var1, and 341)</a:t>
+            </a:r>
+          </a:p>
+          <a:p>
+            <a:pPr lvl="1"/>
+            <a:r>
+              <a:rPr lang="en-US" dirty="0"/>
+              <a:t>var2=$(($var1 + 12))</a:t>
+            </a:r>
+          </a:p>
+          <a:p>
+            <a:r>
+              <a:rPr lang="en-US" dirty="0"/>
+              <a:t>Printing value of variables:</a:t>
+            </a:r>
+          </a:p>
+          <a:p>
+            <a:pPr lvl="1"/>
+            <a:r>
+              <a:rPr lang="en-US" dirty="0"/>
+              <a:t>echo $var1</a:t>
+            </a:r>
+          </a:p>
+          <a:p>
+            <a:pPr lvl="1"/>
+            <a:r>
+              <a:rPr lang="en-US" dirty="0"/>
+              <a:t>echo ${var1}</a:t>
+            </a:r>
+          </a:p>
+          <a:p>
+            <a:r>
+              <a:rPr lang="en-US" dirty="0"/>
+              <a:t>Printing environment variables:</a:t>
+            </a:r>
+          </a:p>
+          <a:p>
+            <a:pPr lvl="1"/>
+            <a:r>
+              <a:rPr lang="en-US" dirty="0"/>
+              <a:t>echo $PWD</a:t>
+            </a:r>
+          </a:p>
+          <a:p>
+            <a:pPr lvl="1"/>
+            <a:r>
+              <a:rPr lang="en-US" dirty="0"/>
+              <a:t>echo $HOME</a:t>
+            </a:r>
           </a:p>
         </p:txBody>
       </p:sp>
     </p:spTree>
     <p:extLst>
       <p:ext uri="{BB962C8B-B14F-4D97-AF65-F5344CB8AC3E}">
-        <p14:creationId xmlns:p14="http://schemas.microsoft.com/office/powerpoint/2010/main" val="3628581973"/>
+        <p14:creationId xmlns:p14="http://schemas.microsoft.com/office/powerpoint/2010/main" val="4023216623"/>
       </p:ext>
     </p:extLst>
   </p:cSld>
@@ -8844,1617 +7835,6 @@
           <p:cNvPr id="2" name="Title 1">
             <a:extLst>
               <a:ext uri="{FF2B5EF4-FFF2-40B4-BE49-F238E27FC236}">
-                <a16:creationId xmlns:a16="http://schemas.microsoft.com/office/drawing/2014/main" id="{F106FC69-F4F4-477D-9A5D-63B0AEB15A9F}"/>
-              </a:ext>
-            </a:extLst>
-          </p:cNvPr>
-          <p:cNvSpPr>
-            <a:spLocks noGrp="1"/>
-          </p:cNvSpPr>
-          <p:nvPr>
-            <p:ph type="title"/>
-          </p:nvPr>
-        </p:nvSpPr>
-        <p:spPr/>
-        <p:txBody>
-          <a:bodyPr/>
-          <a:lstStyle/>
-          <a:p>
-            <a:r>
-              <a:rPr lang="en-US" dirty="0"/>
-              <a:t>Interactive Mode</a:t>
-            </a:r>
-          </a:p>
-        </p:txBody>
-      </p:sp>
-      <p:sp>
-        <p:nvSpPr>
-          <p:cNvPr id="3" name="Content Placeholder 2">
-            <a:extLst>
-              <a:ext uri="{FF2B5EF4-FFF2-40B4-BE49-F238E27FC236}">
-                <a16:creationId xmlns:a16="http://schemas.microsoft.com/office/drawing/2014/main" id="{F7FD468D-656B-48E1-90D6-5D651345DEDD}"/>
-              </a:ext>
-            </a:extLst>
-          </p:cNvPr>
-          <p:cNvSpPr>
-            <a:spLocks noGrp="1"/>
-          </p:cNvSpPr>
-          <p:nvPr>
-            <p:ph idx="1"/>
-          </p:nvPr>
-        </p:nvSpPr>
-        <p:spPr/>
-        <p:txBody>
-          <a:bodyPr/>
-          <a:lstStyle/>
-          <a:p>
-            <a:r>
-              <a:rPr lang="en-US" dirty="0"/>
-              <a:t>Interactive mode:</a:t>
-            </a:r>
-          </a:p>
-          <a:p>
-            <a:pPr lvl="1"/>
-            <a:r>
-              <a:rPr lang="en-GB" dirty="0" err="1"/>
-              <a:t>srun</a:t>
-            </a:r>
-            <a:r>
-              <a:rPr lang="en-GB" dirty="0"/>
-              <a:t> -p shared --</a:t>
-            </a:r>
-            <a:r>
-              <a:rPr lang="en-GB" dirty="0" err="1"/>
-              <a:t>pty</a:t>
-            </a:r>
-            <a:r>
-              <a:rPr lang="en-GB" dirty="0"/>
-              <a:t> /bin/bash</a:t>
-            </a:r>
-          </a:p>
-          <a:p>
-            <a:pPr lvl="1"/>
-            <a:r>
-              <a:rPr lang="en-GB" dirty="0"/>
-              <a:t>Use “exit” command to quit from the interactive mode</a:t>
-            </a:r>
-            <a:endParaRPr lang="en-US" dirty="0"/>
-          </a:p>
-        </p:txBody>
-      </p:sp>
-      <p:pic>
-        <p:nvPicPr>
-          <p:cNvPr id="4" name="Picture 3">
-            <a:extLst>
-              <a:ext uri="{FF2B5EF4-FFF2-40B4-BE49-F238E27FC236}">
-                <a16:creationId xmlns:a16="http://schemas.microsoft.com/office/drawing/2014/main" id="{CA3B565C-331D-3043-B3ED-326ECD84DA2F}"/>
-              </a:ext>
-            </a:extLst>
-          </p:cNvPr>
-          <p:cNvPicPr>
-            <a:picLocks noChangeAspect="1"/>
-          </p:cNvPicPr>
-          <p:nvPr/>
-        </p:nvPicPr>
-        <p:blipFill>
-          <a:blip r:embed="rId2"/>
-          <a:stretch>
-            <a:fillRect/>
-          </a:stretch>
-        </p:blipFill>
-        <p:spPr>
-          <a:xfrm>
-            <a:off x="1298642" y="3746095"/>
-            <a:ext cx="9906000" cy="2070100"/>
-          </a:xfrm>
-          <a:prstGeom prst="rect">
-            <a:avLst/>
-          </a:prstGeom>
-        </p:spPr>
-      </p:pic>
-      <p:cxnSp>
-        <p:nvCxnSpPr>
-          <p:cNvPr id="6" name="Straight Connector 5">
-            <a:extLst>
-              <a:ext uri="{FF2B5EF4-FFF2-40B4-BE49-F238E27FC236}">
-                <a16:creationId xmlns:a16="http://schemas.microsoft.com/office/drawing/2014/main" id="{62D7DAD1-70A3-8144-B5F4-EA95C429E9F2}"/>
-              </a:ext>
-            </a:extLst>
-          </p:cNvPr>
-          <p:cNvCxnSpPr/>
-          <p:nvPr/>
-        </p:nvCxnSpPr>
-        <p:spPr>
-          <a:xfrm>
-            <a:off x="2889114" y="4082562"/>
-            <a:ext cx="826851" cy="0"/>
-          </a:xfrm>
-          <a:prstGeom prst="line">
-            <a:avLst/>
-          </a:prstGeom>
-          <a:ln w="28575">
-            <a:solidFill>
-              <a:schemeClr val="tx1"/>
-            </a:solidFill>
-          </a:ln>
-        </p:spPr>
-        <p:style>
-          <a:lnRef idx="1">
-            <a:schemeClr val="accent1"/>
-          </a:lnRef>
-          <a:fillRef idx="0">
-            <a:schemeClr val="accent1"/>
-          </a:fillRef>
-          <a:effectRef idx="0">
-            <a:schemeClr val="accent1"/>
-          </a:effectRef>
-          <a:fontRef idx="minor">
-            <a:schemeClr val="tx1"/>
-          </a:fontRef>
-        </p:style>
-      </p:cxnSp>
-      <p:cxnSp>
-        <p:nvCxnSpPr>
-          <p:cNvPr id="7" name="Straight Connector 6">
-            <a:extLst>
-              <a:ext uri="{FF2B5EF4-FFF2-40B4-BE49-F238E27FC236}">
-                <a16:creationId xmlns:a16="http://schemas.microsoft.com/office/drawing/2014/main" id="{AB2AF3F7-B961-3249-B3A2-59701CD669E5}"/>
-              </a:ext>
-            </a:extLst>
-          </p:cNvPr>
-          <p:cNvCxnSpPr/>
-          <p:nvPr/>
-        </p:nvCxnSpPr>
-        <p:spPr>
-          <a:xfrm>
-            <a:off x="2889113" y="5110451"/>
-            <a:ext cx="826851" cy="0"/>
-          </a:xfrm>
-          <a:prstGeom prst="line">
-            <a:avLst/>
-          </a:prstGeom>
-          <a:ln w="28575">
-            <a:solidFill>
-              <a:schemeClr val="tx1"/>
-            </a:solidFill>
-          </a:ln>
-        </p:spPr>
-        <p:style>
-          <a:lnRef idx="1">
-            <a:schemeClr val="accent1"/>
-          </a:lnRef>
-          <a:fillRef idx="0">
-            <a:schemeClr val="accent1"/>
-          </a:fillRef>
-          <a:effectRef idx="0">
-            <a:schemeClr val="accent1"/>
-          </a:effectRef>
-          <a:fontRef idx="minor">
-            <a:schemeClr val="tx1"/>
-          </a:fontRef>
-        </p:style>
-      </p:cxnSp>
-      <p:cxnSp>
-        <p:nvCxnSpPr>
-          <p:cNvPr id="8" name="Straight Connector 7">
-            <a:extLst>
-              <a:ext uri="{FF2B5EF4-FFF2-40B4-BE49-F238E27FC236}">
-                <a16:creationId xmlns:a16="http://schemas.microsoft.com/office/drawing/2014/main" id="{BD96803A-427B-384E-8AFD-7A0A50DB2D13}"/>
-              </a:ext>
-            </a:extLst>
-          </p:cNvPr>
-          <p:cNvCxnSpPr/>
-          <p:nvPr/>
-        </p:nvCxnSpPr>
-        <p:spPr>
-          <a:xfrm>
-            <a:off x="2889113" y="5816195"/>
-            <a:ext cx="826851" cy="0"/>
-          </a:xfrm>
-          <a:prstGeom prst="line">
-            <a:avLst/>
-          </a:prstGeom>
-          <a:ln w="28575">
-            <a:solidFill>
-              <a:schemeClr val="tx1"/>
-            </a:solidFill>
-          </a:ln>
-        </p:spPr>
-        <p:style>
-          <a:lnRef idx="1">
-            <a:schemeClr val="accent1"/>
-          </a:lnRef>
-          <a:fillRef idx="0">
-            <a:schemeClr val="accent1"/>
-          </a:fillRef>
-          <a:effectRef idx="0">
-            <a:schemeClr val="accent1"/>
-          </a:effectRef>
-          <a:fontRef idx="minor">
-            <a:schemeClr val="tx1"/>
-          </a:fontRef>
-        </p:style>
-      </p:cxnSp>
-    </p:spTree>
-    <p:extLst>
-      <p:ext uri="{BB962C8B-B14F-4D97-AF65-F5344CB8AC3E}">
-        <p14:creationId xmlns:p14="http://schemas.microsoft.com/office/powerpoint/2010/main" val="1508385015"/>
-      </p:ext>
-    </p:extLst>
-  </p:cSld>
-  <p:clrMapOvr>
-    <a:masterClrMapping/>
-  </p:clrMapOvr>
-</p:sld>
-</file>
-
-<file path=ppt/slides/slide17.xml><?xml version="1.0" encoding="utf-8"?>
-<p:sld xmlns:a="http://schemas.openxmlformats.org/drawingml/2006/main" xmlns:r="http://schemas.openxmlformats.org/officeDocument/2006/relationships" xmlns:p="http://schemas.openxmlformats.org/presentationml/2006/main">
-  <p:cSld>
-    <p:spTree>
-      <p:nvGrpSpPr>
-        <p:cNvPr id="1" name=""/>
-        <p:cNvGrpSpPr/>
-        <p:nvPr/>
-      </p:nvGrpSpPr>
-      <p:grpSpPr>
-        <a:xfrm>
-          <a:off x="0" y="0"/>
-          <a:ext cx="0" cy="0"/>
-          <a:chOff x="0" y="0"/>
-          <a:chExt cx="0" cy="0"/>
-        </a:xfrm>
-      </p:grpSpPr>
-      <p:sp>
-        <p:nvSpPr>
-          <p:cNvPr id="2" name="Title 1">
-            <a:extLst>
-              <a:ext uri="{FF2B5EF4-FFF2-40B4-BE49-F238E27FC236}">
-                <a16:creationId xmlns:a16="http://schemas.microsoft.com/office/drawing/2014/main" id="{F106FC69-F4F4-477D-9A5D-63B0AEB15A9F}"/>
-              </a:ext>
-            </a:extLst>
-          </p:cNvPr>
-          <p:cNvSpPr>
-            <a:spLocks noGrp="1"/>
-          </p:cNvSpPr>
-          <p:nvPr>
-            <p:ph type="title"/>
-          </p:nvPr>
-        </p:nvSpPr>
-        <p:spPr>
-          <a:xfrm>
-            <a:off x="838200" y="365125"/>
-            <a:ext cx="10515600" cy="1325563"/>
-          </a:xfrm>
-        </p:spPr>
-        <p:txBody>
-          <a:bodyPr/>
-          <a:lstStyle/>
-          <a:p>
-            <a:r>
-              <a:rPr lang="en-US" dirty="0"/>
-              <a:t>Batch Mode</a:t>
-            </a:r>
-          </a:p>
-        </p:txBody>
-      </p:sp>
-      <p:sp>
-        <p:nvSpPr>
-          <p:cNvPr id="3" name="Content Placeholder 2">
-            <a:extLst>
-              <a:ext uri="{FF2B5EF4-FFF2-40B4-BE49-F238E27FC236}">
-                <a16:creationId xmlns:a16="http://schemas.microsoft.com/office/drawing/2014/main" id="{F7FD468D-656B-48E1-90D6-5D651345DEDD}"/>
-              </a:ext>
-            </a:extLst>
-          </p:cNvPr>
-          <p:cNvSpPr>
-            <a:spLocks noGrp="1"/>
-          </p:cNvSpPr>
-          <p:nvPr>
-            <p:ph idx="1"/>
-          </p:nvPr>
-        </p:nvSpPr>
-        <p:spPr/>
-        <p:txBody>
-          <a:bodyPr>
-            <a:normAutofit lnSpcReduction="10000"/>
-          </a:bodyPr>
-          <a:lstStyle/>
-          <a:p>
-            <a:r>
-              <a:rPr lang="en-US" dirty="0"/>
-              <a:t>Batch mode:</a:t>
-            </a:r>
-          </a:p>
-          <a:p>
-            <a:pPr lvl="1"/>
-            <a:r>
-              <a:rPr lang="en-US" dirty="0"/>
-              <a:t>Make job script, job.sh</a:t>
-            </a:r>
-          </a:p>
-          <a:p>
-            <a:pPr lvl="1"/>
-            <a:endParaRPr lang="en-US" dirty="0"/>
-          </a:p>
-          <a:p>
-            <a:pPr lvl="1"/>
-            <a:r>
-              <a:rPr lang="en-US" dirty="0"/>
-              <a:t>Submitting job:</a:t>
-            </a:r>
-          </a:p>
-          <a:p>
-            <a:pPr lvl="2"/>
-            <a:r>
-              <a:rPr lang="en-US" dirty="0" err="1"/>
-              <a:t>sbatch</a:t>
-            </a:r>
-            <a:r>
-              <a:rPr lang="en-US" dirty="0"/>
-              <a:t> –p shared </a:t>
-            </a:r>
-            <a:r>
-              <a:rPr lang="en-US" dirty="0" err="1"/>
-              <a:t>job.sh</a:t>
-            </a:r>
-            <a:endParaRPr lang="en-US" dirty="0"/>
-          </a:p>
-          <a:p>
-            <a:pPr lvl="2"/>
-            <a:endParaRPr lang="en-US" dirty="0"/>
-          </a:p>
-          <a:p>
-            <a:pPr lvl="1"/>
-            <a:r>
-              <a:rPr lang="en-US" dirty="0"/>
-              <a:t>Checking status of job</a:t>
-            </a:r>
-          </a:p>
-          <a:p>
-            <a:pPr lvl="2"/>
-            <a:r>
-              <a:rPr lang="en-GB" dirty="0" err="1"/>
-              <a:t>squeue</a:t>
-            </a:r>
-            <a:r>
-              <a:rPr lang="en-GB" dirty="0"/>
-              <a:t> -u </a:t>
-            </a:r>
-            <a:r>
-              <a:rPr lang="en-GB" dirty="0" err="1"/>
-              <a:t>yourKNumber</a:t>
-            </a:r>
-            <a:endParaRPr lang="en-GB" dirty="0"/>
-          </a:p>
-          <a:p>
-            <a:pPr lvl="2"/>
-            <a:endParaRPr lang="en-GB" dirty="0"/>
-          </a:p>
-          <a:p>
-            <a:pPr lvl="1"/>
-            <a:r>
-              <a:rPr lang="en-GB" dirty="0"/>
-              <a:t>Checking the result of your job (explore the folder)</a:t>
-            </a:r>
-          </a:p>
-          <a:p>
-            <a:pPr lvl="2"/>
-            <a:r>
-              <a:rPr lang="en-GB" dirty="0"/>
-              <a:t>/scratch/users/</a:t>
-            </a:r>
-            <a:r>
-              <a:rPr lang="en-GB" dirty="0" err="1"/>
-              <a:t>yourKnumber</a:t>
-            </a:r>
-            <a:r>
-              <a:rPr lang="en-GB" dirty="0"/>
-              <a:t>/</a:t>
-            </a:r>
-            <a:endParaRPr lang="en-US" dirty="0"/>
-          </a:p>
-          <a:p>
-            <a:pPr lvl="1"/>
-            <a:endParaRPr lang="en-US" dirty="0"/>
-          </a:p>
-        </p:txBody>
-      </p:sp>
-      <p:sp>
-        <p:nvSpPr>
-          <p:cNvPr id="4" name="Rectangle 3">
-            <a:extLst>
-              <a:ext uri="{FF2B5EF4-FFF2-40B4-BE49-F238E27FC236}">
-                <a16:creationId xmlns:a16="http://schemas.microsoft.com/office/drawing/2014/main" id="{19C3964D-6916-45B0-BB9B-22B0A34BFC2E}"/>
-              </a:ext>
-            </a:extLst>
-          </p:cNvPr>
-          <p:cNvSpPr/>
-          <p:nvPr/>
-        </p:nvSpPr>
-        <p:spPr>
-          <a:xfrm>
-            <a:off x="5310554" y="1529537"/>
-            <a:ext cx="6529754" cy="2308324"/>
-          </a:xfrm>
-          <a:prstGeom prst="rect">
-            <a:avLst/>
-          </a:prstGeom>
-          <a:ln>
-            <a:solidFill>
-              <a:schemeClr val="tx1"/>
-            </a:solidFill>
-          </a:ln>
-        </p:spPr>
-        <p:txBody>
-          <a:bodyPr wrap="square">
-            <a:spAutoFit/>
-          </a:bodyPr>
-          <a:lstStyle/>
-          <a:p>
-            <a:r>
-              <a:rPr lang="en-US" sz="1600" b="1" dirty="0"/>
-              <a:t>job.sh</a:t>
-            </a:r>
-          </a:p>
-          <a:p>
-            <a:endParaRPr lang="en-US" sz="1600" dirty="0"/>
-          </a:p>
-          <a:p>
-            <a:endParaRPr lang="en-US" sz="1600" dirty="0"/>
-          </a:p>
-          <a:p>
-            <a:r>
-              <a:rPr lang="en-GB" sz="1600" dirty="0"/>
-              <a:t>#!/bin/bash –l</a:t>
-            </a:r>
-          </a:p>
-          <a:p>
-            <a:r>
-              <a:rPr lang="en-GB" sz="1600" dirty="0"/>
-              <a:t>#SBATCH --output=/scratch/users/%u/%</a:t>
-            </a:r>
-            <a:r>
-              <a:rPr lang="en-GB" sz="1600" dirty="0" err="1"/>
-              <a:t>j.out</a:t>
-            </a:r>
-            <a:endParaRPr lang="en-GB" sz="1600" dirty="0"/>
-          </a:p>
-          <a:p>
-            <a:endParaRPr lang="en-GB" sz="1600" dirty="0"/>
-          </a:p>
-          <a:p>
-            <a:r>
-              <a:rPr lang="en-GB" sz="1600" dirty="0"/>
-              <a:t>echo "Hello, World! From $HOSTNAME" </a:t>
-            </a:r>
-          </a:p>
-          <a:p>
-            <a:r>
-              <a:rPr lang="en-GB" sz="1600" dirty="0"/>
-              <a:t>sleep 15</a:t>
-            </a:r>
-          </a:p>
-          <a:p>
-            <a:r>
-              <a:rPr lang="en-GB" sz="1600" dirty="0"/>
-              <a:t>echo "Goodbye, World! From $HOSTNAME"</a:t>
-            </a:r>
-            <a:endParaRPr lang="en-US" sz="1600" dirty="0"/>
-          </a:p>
-        </p:txBody>
-      </p:sp>
-    </p:spTree>
-    <p:extLst>
-      <p:ext uri="{BB962C8B-B14F-4D97-AF65-F5344CB8AC3E}">
-        <p14:creationId xmlns:p14="http://schemas.microsoft.com/office/powerpoint/2010/main" val="114686475"/>
-      </p:ext>
-    </p:extLst>
-  </p:cSld>
-  <p:clrMapOvr>
-    <a:masterClrMapping/>
-  </p:clrMapOvr>
-</p:sld>
-</file>
-
-<file path=ppt/slides/slide18.xml><?xml version="1.0" encoding="utf-8"?>
-<p:sld xmlns:a="http://schemas.openxmlformats.org/drawingml/2006/main" xmlns:r="http://schemas.openxmlformats.org/officeDocument/2006/relationships" xmlns:p="http://schemas.openxmlformats.org/presentationml/2006/main">
-  <p:cSld>
-    <p:spTree>
-      <p:nvGrpSpPr>
-        <p:cNvPr id="1" name=""/>
-        <p:cNvGrpSpPr/>
-        <p:nvPr/>
-      </p:nvGrpSpPr>
-      <p:grpSpPr>
-        <a:xfrm>
-          <a:off x="0" y="0"/>
-          <a:ext cx="0" cy="0"/>
-          <a:chOff x="0" y="0"/>
-          <a:chExt cx="0" cy="0"/>
-        </a:xfrm>
-      </p:grpSpPr>
-      <p:sp>
-        <p:nvSpPr>
-          <p:cNvPr id="2" name="Title 1">
-            <a:extLst>
-              <a:ext uri="{FF2B5EF4-FFF2-40B4-BE49-F238E27FC236}">
-                <a16:creationId xmlns:a16="http://schemas.microsoft.com/office/drawing/2014/main" id="{F106FC69-F4F4-477D-9A5D-63B0AEB15A9F}"/>
-              </a:ext>
-            </a:extLst>
-          </p:cNvPr>
-          <p:cNvSpPr>
-            <a:spLocks noGrp="1"/>
-          </p:cNvSpPr>
-          <p:nvPr>
-            <p:ph type="title"/>
-          </p:nvPr>
-        </p:nvSpPr>
-        <p:spPr/>
-        <p:txBody>
-          <a:bodyPr/>
-          <a:lstStyle/>
-          <a:p>
-            <a:r>
-              <a:rPr lang="en-US" dirty="0"/>
-              <a:t>How much resource are you using</a:t>
-            </a:r>
-          </a:p>
-        </p:txBody>
-      </p:sp>
-      <p:sp>
-        <p:nvSpPr>
-          <p:cNvPr id="3" name="Content Placeholder 2">
-            <a:extLst>
-              <a:ext uri="{FF2B5EF4-FFF2-40B4-BE49-F238E27FC236}">
-                <a16:creationId xmlns:a16="http://schemas.microsoft.com/office/drawing/2014/main" id="{F7FD468D-656B-48E1-90D6-5D651345DEDD}"/>
-              </a:ext>
-            </a:extLst>
-          </p:cNvPr>
-          <p:cNvSpPr>
-            <a:spLocks noGrp="1"/>
-          </p:cNvSpPr>
-          <p:nvPr>
-            <p:ph idx="1"/>
-          </p:nvPr>
-        </p:nvSpPr>
-        <p:spPr/>
-        <p:txBody>
-          <a:bodyPr/>
-          <a:lstStyle/>
-          <a:p>
-            <a:r>
-              <a:rPr lang="en-US" dirty="0"/>
-              <a:t>How much space you are using at Rosalind</a:t>
-            </a:r>
-          </a:p>
-          <a:p>
-            <a:pPr lvl="1"/>
-            <a:r>
-              <a:rPr lang="en-US" dirty="0" err="1"/>
-              <a:t>lfs</a:t>
-            </a:r>
-            <a:r>
-              <a:rPr lang="en-US" dirty="0"/>
-              <a:t> quota -h  /</a:t>
-            </a:r>
-            <a:r>
-              <a:rPr lang="en-US" dirty="0" err="1"/>
-              <a:t>mnt</a:t>
-            </a:r>
-            <a:r>
-              <a:rPr lang="en-US" dirty="0"/>
-              <a:t>/</a:t>
-            </a:r>
-            <a:r>
-              <a:rPr lang="en-US" dirty="0" err="1"/>
-              <a:t>lustre</a:t>
-            </a:r>
-            <a:endParaRPr lang="en-US" dirty="0"/>
-          </a:p>
-          <a:p>
-            <a:endParaRPr lang="en-US" dirty="0"/>
-          </a:p>
-          <a:p>
-            <a:r>
-              <a:rPr lang="en-US" dirty="0"/>
-              <a:t>How much space that you have in your home directory</a:t>
-            </a:r>
-          </a:p>
-          <a:p>
-            <a:pPr lvl="1"/>
-            <a:r>
-              <a:rPr lang="en-US" dirty="0"/>
-              <a:t>quota -s</a:t>
-            </a:r>
-          </a:p>
-          <a:p>
-            <a:pPr lvl="1"/>
-            <a:endParaRPr lang="en-US" dirty="0"/>
-          </a:p>
-          <a:p>
-            <a:r>
-              <a:rPr lang="en-US" dirty="0"/>
-              <a:t>Which processes are running now</a:t>
-            </a:r>
-          </a:p>
-          <a:p>
-            <a:pPr lvl="1"/>
-            <a:r>
-              <a:rPr lang="en-US" dirty="0"/>
-              <a:t>top, </a:t>
-            </a:r>
-            <a:r>
-              <a:rPr lang="en-US" dirty="0" err="1"/>
-              <a:t>htop</a:t>
-            </a:r>
-            <a:r>
-              <a:rPr lang="en-US" dirty="0"/>
-              <a:t> (escaping by “q”)</a:t>
-            </a:r>
-          </a:p>
-          <a:p>
-            <a:pPr lvl="1"/>
-            <a:endParaRPr lang="en-US" dirty="0"/>
-          </a:p>
-        </p:txBody>
-      </p:sp>
-    </p:spTree>
-    <p:extLst>
-      <p:ext uri="{BB962C8B-B14F-4D97-AF65-F5344CB8AC3E}">
-        <p14:creationId xmlns:p14="http://schemas.microsoft.com/office/powerpoint/2010/main" val="3774960583"/>
-      </p:ext>
-    </p:extLst>
-  </p:cSld>
-  <p:clrMapOvr>
-    <a:masterClrMapping/>
-  </p:clrMapOvr>
-</p:sld>
-</file>
-
-<file path=ppt/slides/slide19.xml><?xml version="1.0" encoding="utf-8"?>
-<p:sld xmlns:a="http://schemas.openxmlformats.org/drawingml/2006/main" xmlns:r="http://schemas.openxmlformats.org/officeDocument/2006/relationships" xmlns:p="http://schemas.openxmlformats.org/presentationml/2006/main">
-  <p:cSld>
-    <p:spTree>
-      <p:nvGrpSpPr>
-        <p:cNvPr id="1" name=""/>
-        <p:cNvGrpSpPr/>
-        <p:nvPr/>
-      </p:nvGrpSpPr>
-      <p:grpSpPr>
-        <a:xfrm>
-          <a:off x="0" y="0"/>
-          <a:ext cx="0" cy="0"/>
-          <a:chOff x="0" y="0"/>
-          <a:chExt cx="0" cy="0"/>
-        </a:xfrm>
-      </p:grpSpPr>
-      <p:sp>
-        <p:nvSpPr>
-          <p:cNvPr id="2" name="Title 1">
-            <a:extLst>
-              <a:ext uri="{FF2B5EF4-FFF2-40B4-BE49-F238E27FC236}">
-                <a16:creationId xmlns:a16="http://schemas.microsoft.com/office/drawing/2014/main" id="{59FCD38C-D28D-4E4B-AA47-03D6AE8A3758}"/>
-              </a:ext>
-            </a:extLst>
-          </p:cNvPr>
-          <p:cNvSpPr>
-            <a:spLocks noGrp="1"/>
-          </p:cNvSpPr>
-          <p:nvPr>
-            <p:ph type="title"/>
-          </p:nvPr>
-        </p:nvSpPr>
-        <p:spPr/>
-        <p:txBody>
-          <a:bodyPr/>
-          <a:lstStyle/>
-          <a:p>
-            <a:r>
-              <a:rPr lang="en-US" dirty="0"/>
-              <a:t>Tasks </a:t>
-            </a:r>
-          </a:p>
-        </p:txBody>
-      </p:sp>
-      <p:sp>
-        <p:nvSpPr>
-          <p:cNvPr id="3" name="Content Placeholder 2">
-            <a:extLst>
-              <a:ext uri="{FF2B5EF4-FFF2-40B4-BE49-F238E27FC236}">
-                <a16:creationId xmlns:a16="http://schemas.microsoft.com/office/drawing/2014/main" id="{42E5C526-63D6-41DF-9E3C-3270CD1C124B}"/>
-              </a:ext>
-            </a:extLst>
-          </p:cNvPr>
-          <p:cNvSpPr>
-            <a:spLocks noGrp="1"/>
-          </p:cNvSpPr>
-          <p:nvPr>
-            <p:ph idx="1"/>
-          </p:nvPr>
-        </p:nvSpPr>
-        <p:spPr>
-          <a:xfrm>
-            <a:off x="1103312" y="2052918"/>
-            <a:ext cx="8946541" cy="4352364"/>
-          </a:xfrm>
-        </p:spPr>
-        <p:txBody>
-          <a:bodyPr>
-            <a:normAutofit/>
-          </a:bodyPr>
-          <a:lstStyle/>
-          <a:p>
-            <a:r>
-              <a:rPr lang="en-US" dirty="0"/>
-              <a:t>Download file </a:t>
-            </a:r>
-            <a:r>
-              <a:rPr lang="en-US" b="1" dirty="0"/>
-              <a:t>by job submission (batch mode)</a:t>
-            </a:r>
-          </a:p>
-          <a:p>
-            <a:pPr lvl="1"/>
-            <a:r>
-              <a:rPr lang="en-US" dirty="0"/>
-              <a:t>Tip: use </a:t>
-            </a:r>
-            <a:r>
-              <a:rPr lang="en-US" i="1" dirty="0" err="1"/>
-              <a:t>wget</a:t>
-            </a:r>
-            <a:r>
-              <a:rPr lang="en-US" i="1" dirty="0"/>
-              <a:t> </a:t>
-            </a:r>
-            <a:r>
-              <a:rPr lang="en-US" dirty="0"/>
-              <a:t>function</a:t>
-            </a:r>
-          </a:p>
-          <a:p>
-            <a:pPr lvl="1"/>
-            <a:r>
-              <a:rPr lang="en-US" dirty="0"/>
-              <a:t>File link: </a:t>
-            </a:r>
-            <a:r>
-              <a:rPr lang="en-US" dirty="0">
-                <a:hlinkClick r:id="rId2"/>
-              </a:rPr>
-              <a:t>ftp.sra.ebi.ac.uk/vol1/fastq/ERR589/ERR589353/ERR589353_1.fastq.gz</a:t>
-            </a:r>
-            <a:endParaRPr lang="en-US" dirty="0"/>
-          </a:p>
-          <a:p>
-            <a:r>
-              <a:rPr lang="en-US" dirty="0"/>
-              <a:t>Check it’s status (tip: </a:t>
-            </a:r>
-            <a:r>
-              <a:rPr lang="en-US" b="1" dirty="0" err="1"/>
-              <a:t>squeue</a:t>
-            </a:r>
-            <a:r>
-              <a:rPr lang="en-US" b="1" dirty="0"/>
-              <a:t> –u </a:t>
-            </a:r>
-            <a:r>
-              <a:rPr lang="en-US" dirty="0" err="1"/>
-              <a:t>Knumber</a:t>
-            </a:r>
-            <a:r>
-              <a:rPr lang="en-US" dirty="0"/>
-              <a:t>), wait until the job is done</a:t>
-            </a:r>
-          </a:p>
-          <a:p>
-            <a:r>
-              <a:rPr lang="en-US" dirty="0"/>
-              <a:t>Check if the file is already there and check its size (tip: </a:t>
-            </a:r>
-            <a:r>
-              <a:rPr lang="en-US" b="1" dirty="0"/>
-              <a:t>ls –</a:t>
-            </a:r>
-            <a:r>
-              <a:rPr lang="en-US" b="1" dirty="0" err="1"/>
-              <a:t>alth</a:t>
-            </a:r>
-            <a:r>
-              <a:rPr lang="en-US" dirty="0"/>
-              <a:t>)</a:t>
-            </a:r>
-          </a:p>
-        </p:txBody>
-      </p:sp>
-    </p:spTree>
-    <p:extLst>
-      <p:ext uri="{BB962C8B-B14F-4D97-AF65-F5344CB8AC3E}">
-        <p14:creationId xmlns:p14="http://schemas.microsoft.com/office/powerpoint/2010/main" val="1634411842"/>
-      </p:ext>
-    </p:extLst>
-  </p:cSld>
-  <p:clrMapOvr>
-    <a:masterClrMapping/>
-  </p:clrMapOvr>
-</p:sld>
-</file>
-
-<file path=ppt/slides/slide2.xml><?xml version="1.0" encoding="utf-8"?>
-<p:sld xmlns:a="http://schemas.openxmlformats.org/drawingml/2006/main" xmlns:r="http://schemas.openxmlformats.org/officeDocument/2006/relationships" xmlns:p="http://schemas.openxmlformats.org/presentationml/2006/main">
-  <p:cSld>
-    <p:spTree>
-      <p:nvGrpSpPr>
-        <p:cNvPr id="1" name=""/>
-        <p:cNvGrpSpPr/>
-        <p:nvPr/>
-      </p:nvGrpSpPr>
-      <p:grpSpPr>
-        <a:xfrm>
-          <a:off x="0" y="0"/>
-          <a:ext cx="0" cy="0"/>
-          <a:chOff x="0" y="0"/>
-          <a:chExt cx="0" cy="0"/>
-        </a:xfrm>
-      </p:grpSpPr>
-      <p:sp>
-        <p:nvSpPr>
-          <p:cNvPr id="2" name="Title 1">
-            <a:extLst>
-              <a:ext uri="{FF2B5EF4-FFF2-40B4-BE49-F238E27FC236}">
-                <a16:creationId xmlns:a16="http://schemas.microsoft.com/office/drawing/2014/main" id="{A445CB7F-27AC-427C-86D5-5B39B85D4690}"/>
-              </a:ext>
-            </a:extLst>
-          </p:cNvPr>
-          <p:cNvSpPr>
-            <a:spLocks noGrp="1"/>
-          </p:cNvSpPr>
-          <p:nvPr>
-            <p:ph type="title"/>
-          </p:nvPr>
-        </p:nvSpPr>
-        <p:spPr/>
-        <p:txBody>
-          <a:bodyPr>
-            <a:normAutofit/>
-          </a:bodyPr>
-          <a:lstStyle/>
-          <a:p>
-            <a:r>
-              <a:rPr lang="en-US" sz="3600" dirty="0"/>
-              <a:t>How to access Rosalind HPC server (Linux)</a:t>
-            </a:r>
-          </a:p>
-        </p:txBody>
-      </p:sp>
-      <p:sp>
-        <p:nvSpPr>
-          <p:cNvPr id="3" name="Content Placeholder 2">
-            <a:extLst>
-              <a:ext uri="{FF2B5EF4-FFF2-40B4-BE49-F238E27FC236}">
-                <a16:creationId xmlns:a16="http://schemas.microsoft.com/office/drawing/2014/main" id="{0A62312A-CB7B-4092-909B-76AED9E4AA0D}"/>
-              </a:ext>
-            </a:extLst>
-          </p:cNvPr>
-          <p:cNvSpPr>
-            <a:spLocks noGrp="1"/>
-          </p:cNvSpPr>
-          <p:nvPr>
-            <p:ph idx="1"/>
-          </p:nvPr>
-        </p:nvSpPr>
-        <p:spPr/>
-        <p:txBody>
-          <a:bodyPr/>
-          <a:lstStyle/>
-          <a:p>
-            <a:r>
-              <a:rPr lang="en-US" sz="2400" dirty="0"/>
-              <a:t>SSH protocol </a:t>
-            </a:r>
-            <a:r>
-              <a:rPr lang="en-US" sz="2400" dirty="0">
-                <a:sym typeface="Wingdings" panose="05000000000000000000" pitchFamily="2" charset="2"/>
-              </a:rPr>
-              <a:t> via command</a:t>
-            </a:r>
-            <a:endParaRPr lang="en-US" sz="2400" dirty="0"/>
-          </a:p>
-          <a:p>
-            <a:r>
-              <a:rPr lang="en-US" sz="2400" dirty="0"/>
-              <a:t>SFTP protocol </a:t>
-            </a:r>
-            <a:r>
-              <a:rPr lang="en-US" sz="2400" dirty="0">
-                <a:sym typeface="Wingdings" panose="05000000000000000000" pitchFamily="2" charset="2"/>
-              </a:rPr>
-              <a:t> via files</a:t>
-            </a:r>
-            <a:endParaRPr lang="en-US" sz="2400" dirty="0"/>
-          </a:p>
-          <a:p>
-            <a:r>
-              <a:rPr lang="en-US" sz="2400" dirty="0"/>
-              <a:t>HTTP protocol </a:t>
-            </a:r>
-            <a:r>
-              <a:rPr lang="en-US" sz="2400" dirty="0">
-                <a:sym typeface="Wingdings" panose="05000000000000000000" pitchFamily="2" charset="2"/>
-              </a:rPr>
-              <a:t> via webpage</a:t>
-            </a:r>
-            <a:endParaRPr lang="en-US" sz="2400" dirty="0"/>
-          </a:p>
-        </p:txBody>
-      </p:sp>
-    </p:spTree>
-    <p:extLst>
-      <p:ext uri="{BB962C8B-B14F-4D97-AF65-F5344CB8AC3E}">
-        <p14:creationId xmlns:p14="http://schemas.microsoft.com/office/powerpoint/2010/main" val="2016365792"/>
-      </p:ext>
-    </p:extLst>
-  </p:cSld>
-  <p:clrMapOvr>
-    <a:masterClrMapping/>
-  </p:clrMapOvr>
-</p:sld>
-</file>
-
-<file path=ppt/slides/slide20.xml><?xml version="1.0" encoding="utf-8"?>
-<p:sld xmlns:a="http://schemas.openxmlformats.org/drawingml/2006/main" xmlns:r="http://schemas.openxmlformats.org/officeDocument/2006/relationships" xmlns:p="http://schemas.openxmlformats.org/presentationml/2006/main">
-  <p:cSld>
-    <p:spTree>
-      <p:nvGrpSpPr>
-        <p:cNvPr id="1" name=""/>
-        <p:cNvGrpSpPr/>
-        <p:nvPr/>
-      </p:nvGrpSpPr>
-      <p:grpSpPr>
-        <a:xfrm>
-          <a:off x="0" y="0"/>
-          <a:ext cx="0" cy="0"/>
-          <a:chOff x="0" y="0"/>
-          <a:chExt cx="0" cy="0"/>
-        </a:xfrm>
-      </p:grpSpPr>
-      <p:pic>
-        <p:nvPicPr>
-          <p:cNvPr id="4" name="Picture 3">
-            <a:extLst>
-              <a:ext uri="{FF2B5EF4-FFF2-40B4-BE49-F238E27FC236}">
-                <a16:creationId xmlns:a16="http://schemas.microsoft.com/office/drawing/2014/main" id="{0754B0F6-6A0A-0140-A05D-CA86AF4E6066}"/>
-              </a:ext>
-            </a:extLst>
-          </p:cNvPr>
-          <p:cNvPicPr>
-            <a:picLocks noChangeAspect="1"/>
-          </p:cNvPicPr>
-          <p:nvPr/>
-        </p:nvPicPr>
-        <p:blipFill>
-          <a:blip r:embed="rId2"/>
-          <a:stretch>
-            <a:fillRect/>
-          </a:stretch>
-        </p:blipFill>
-        <p:spPr>
-          <a:xfrm>
-            <a:off x="2453333" y="0"/>
-            <a:ext cx="7285333" cy="6858000"/>
-          </a:xfrm>
-          <a:prstGeom prst="rect">
-            <a:avLst/>
-          </a:prstGeom>
-        </p:spPr>
-      </p:pic>
-    </p:spTree>
-    <p:extLst>
-      <p:ext uri="{BB962C8B-B14F-4D97-AF65-F5344CB8AC3E}">
-        <p14:creationId xmlns:p14="http://schemas.microsoft.com/office/powerpoint/2010/main" val="297388138"/>
-      </p:ext>
-    </p:extLst>
-  </p:cSld>
-  <p:clrMapOvr>
-    <a:masterClrMapping/>
-  </p:clrMapOvr>
-</p:sld>
-</file>
-
-<file path=ppt/slides/slide21.xml><?xml version="1.0" encoding="utf-8"?>
-<p:sld xmlns:a="http://schemas.openxmlformats.org/drawingml/2006/main" xmlns:r="http://schemas.openxmlformats.org/officeDocument/2006/relationships" xmlns:p="http://schemas.openxmlformats.org/presentationml/2006/main">
-  <p:cSld>
-    <p:spTree>
-      <p:nvGrpSpPr>
-        <p:cNvPr id="1" name=""/>
-        <p:cNvGrpSpPr/>
-        <p:nvPr/>
-      </p:nvGrpSpPr>
-      <p:grpSpPr>
-        <a:xfrm>
-          <a:off x="0" y="0"/>
-          <a:ext cx="0" cy="0"/>
-          <a:chOff x="0" y="0"/>
-          <a:chExt cx="0" cy="0"/>
-        </a:xfrm>
-      </p:grpSpPr>
-      <p:sp>
-        <p:nvSpPr>
-          <p:cNvPr id="2" name="Title 1">
-            <a:extLst>
-              <a:ext uri="{FF2B5EF4-FFF2-40B4-BE49-F238E27FC236}">
-                <a16:creationId xmlns:a16="http://schemas.microsoft.com/office/drawing/2014/main" id="{59FCD38C-D28D-4E4B-AA47-03D6AE8A3758}"/>
-              </a:ext>
-            </a:extLst>
-          </p:cNvPr>
-          <p:cNvSpPr>
-            <a:spLocks noGrp="1"/>
-          </p:cNvSpPr>
-          <p:nvPr>
-            <p:ph type="title"/>
-          </p:nvPr>
-        </p:nvSpPr>
-        <p:spPr/>
-        <p:txBody>
-          <a:bodyPr/>
-          <a:lstStyle/>
-          <a:p>
-            <a:r>
-              <a:rPr lang="en-US" dirty="0"/>
-              <a:t>Tasks </a:t>
-            </a:r>
-          </a:p>
-        </p:txBody>
-      </p:sp>
-      <p:sp>
-        <p:nvSpPr>
-          <p:cNvPr id="3" name="Content Placeholder 2">
-            <a:extLst>
-              <a:ext uri="{FF2B5EF4-FFF2-40B4-BE49-F238E27FC236}">
-                <a16:creationId xmlns:a16="http://schemas.microsoft.com/office/drawing/2014/main" id="{42E5C526-63D6-41DF-9E3C-3270CD1C124B}"/>
-              </a:ext>
-            </a:extLst>
-          </p:cNvPr>
-          <p:cNvSpPr>
-            <a:spLocks noGrp="1"/>
-          </p:cNvSpPr>
-          <p:nvPr>
-            <p:ph idx="1"/>
-          </p:nvPr>
-        </p:nvSpPr>
-        <p:spPr/>
-        <p:txBody>
-          <a:bodyPr>
-            <a:normAutofit fontScale="92500" lnSpcReduction="20000"/>
-          </a:bodyPr>
-          <a:lstStyle/>
-          <a:p>
-            <a:r>
-              <a:rPr lang="en-US" dirty="0"/>
-              <a:t>Check the usage of your space in the home directory</a:t>
-            </a:r>
-          </a:p>
-          <a:p>
-            <a:r>
-              <a:rPr lang="en-US" dirty="0"/>
-              <a:t>Decompress downloaded </a:t>
-            </a:r>
-            <a:r>
-              <a:rPr lang="en-US" dirty="0" err="1"/>
-              <a:t>gzip</a:t>
-            </a:r>
-            <a:r>
-              <a:rPr lang="en-US" dirty="0"/>
-              <a:t> file:</a:t>
-            </a:r>
-          </a:p>
-          <a:p>
-            <a:pPr lvl="1"/>
-            <a:r>
-              <a:rPr lang="en-US" dirty="0"/>
-              <a:t>Tip: </a:t>
-            </a:r>
-            <a:r>
-              <a:rPr lang="en-US" dirty="0" err="1"/>
-              <a:t>gzip</a:t>
-            </a:r>
-            <a:r>
-              <a:rPr lang="en-US" dirty="0"/>
-              <a:t> -d </a:t>
-            </a:r>
-            <a:r>
-              <a:rPr lang="en-US" i="1" dirty="0"/>
-              <a:t>file</a:t>
-            </a:r>
-          </a:p>
-          <a:p>
-            <a:r>
-              <a:rPr lang="en-US" dirty="0"/>
-              <a:t>Check if the file is extracted there and check its size (tip: </a:t>
-            </a:r>
-            <a:r>
-              <a:rPr lang="en-US" b="1" dirty="0"/>
-              <a:t>ls –</a:t>
-            </a:r>
-            <a:r>
-              <a:rPr lang="en-US" b="1" dirty="0" err="1"/>
-              <a:t>alth</a:t>
-            </a:r>
-            <a:r>
-              <a:rPr lang="en-US" dirty="0"/>
-              <a:t>)</a:t>
-            </a:r>
-          </a:p>
-          <a:p>
-            <a:r>
-              <a:rPr lang="en-US" dirty="0"/>
-              <a:t>Make a folder named “Dataset” in your home directory and move both files there (remember about wildcard? *)</a:t>
-            </a:r>
-          </a:p>
-          <a:p>
-            <a:r>
-              <a:rPr lang="en-US" dirty="0"/>
-              <a:t>Move to the new directory</a:t>
-            </a:r>
-          </a:p>
-          <a:p>
-            <a:r>
-              <a:rPr lang="en-US" dirty="0"/>
-              <a:t>Delete the compressed file (tip: </a:t>
-            </a:r>
-            <a:r>
-              <a:rPr lang="en-US" b="1" dirty="0"/>
-              <a:t>rm, </a:t>
-            </a:r>
-            <a:r>
-              <a:rPr lang="en-US" dirty="0"/>
-              <a:t>file suffix .</a:t>
-            </a:r>
-            <a:r>
-              <a:rPr lang="en-US" dirty="0" err="1"/>
-              <a:t>gz</a:t>
-            </a:r>
-            <a:r>
-              <a:rPr lang="en-US" dirty="0"/>
-              <a:t>)</a:t>
-            </a:r>
-          </a:p>
-          <a:p>
-            <a:r>
-              <a:rPr lang="en-US" dirty="0"/>
-              <a:t>Printing head of file:</a:t>
-            </a:r>
-          </a:p>
-          <a:p>
-            <a:pPr lvl="1"/>
-            <a:r>
-              <a:rPr lang="en-US" dirty="0"/>
-              <a:t>Tip: head filename</a:t>
-            </a:r>
-          </a:p>
-          <a:p>
-            <a:r>
-              <a:rPr lang="en-US" dirty="0"/>
-              <a:t>Find any sequence pattern of your interest from a file</a:t>
-            </a:r>
-          </a:p>
-          <a:p>
-            <a:pPr lvl="1"/>
-            <a:r>
-              <a:rPr lang="en-US" dirty="0"/>
-              <a:t>Tip: grep </a:t>
-            </a:r>
-            <a:r>
-              <a:rPr lang="en-US" i="1" dirty="0"/>
-              <a:t>AGGAGGAGGTTCA </a:t>
-            </a:r>
-            <a:r>
-              <a:rPr lang="en-US" dirty="0"/>
-              <a:t>filename (you can change the sequences)</a:t>
-            </a:r>
-          </a:p>
-          <a:p>
-            <a:endParaRPr lang="en-US" i="1" dirty="0"/>
-          </a:p>
-        </p:txBody>
-      </p:sp>
-    </p:spTree>
-    <p:extLst>
-      <p:ext uri="{BB962C8B-B14F-4D97-AF65-F5344CB8AC3E}">
-        <p14:creationId xmlns:p14="http://schemas.microsoft.com/office/powerpoint/2010/main" val="3372713065"/>
-      </p:ext>
-    </p:extLst>
-  </p:cSld>
-  <p:clrMapOvr>
-    <a:masterClrMapping/>
-  </p:clrMapOvr>
-</p:sld>
-</file>
-
-<file path=ppt/slides/slide22.xml><?xml version="1.0" encoding="utf-8"?>
-<p:sld xmlns:a="http://schemas.openxmlformats.org/drawingml/2006/main" xmlns:r="http://schemas.openxmlformats.org/officeDocument/2006/relationships" xmlns:p="http://schemas.openxmlformats.org/presentationml/2006/main">
-  <p:cSld>
-    <p:spTree>
-      <p:nvGrpSpPr>
-        <p:cNvPr id="1" name=""/>
-        <p:cNvGrpSpPr/>
-        <p:nvPr/>
-      </p:nvGrpSpPr>
-      <p:grpSpPr>
-        <a:xfrm>
-          <a:off x="0" y="0"/>
-          <a:ext cx="0" cy="0"/>
-          <a:chOff x="0" y="0"/>
-          <a:chExt cx="0" cy="0"/>
-        </a:xfrm>
-      </p:grpSpPr>
-      <p:sp>
-        <p:nvSpPr>
-          <p:cNvPr id="2" name="Title 1">
-            <a:extLst>
-              <a:ext uri="{FF2B5EF4-FFF2-40B4-BE49-F238E27FC236}">
-                <a16:creationId xmlns:a16="http://schemas.microsoft.com/office/drawing/2014/main" id="{59FCD38C-D28D-4E4B-AA47-03D6AE8A3758}"/>
-              </a:ext>
-            </a:extLst>
-          </p:cNvPr>
-          <p:cNvSpPr>
-            <a:spLocks noGrp="1"/>
-          </p:cNvSpPr>
-          <p:nvPr>
-            <p:ph type="title"/>
-          </p:nvPr>
-        </p:nvSpPr>
-        <p:spPr/>
-        <p:txBody>
-          <a:bodyPr/>
-          <a:lstStyle/>
-          <a:p>
-            <a:r>
-              <a:rPr lang="en-US" dirty="0"/>
-              <a:t>Tasks </a:t>
-            </a:r>
-          </a:p>
-        </p:txBody>
-      </p:sp>
-      <p:sp>
-        <p:nvSpPr>
-          <p:cNvPr id="3" name="Content Placeholder 2">
-            <a:extLst>
-              <a:ext uri="{FF2B5EF4-FFF2-40B4-BE49-F238E27FC236}">
-                <a16:creationId xmlns:a16="http://schemas.microsoft.com/office/drawing/2014/main" id="{42E5C526-63D6-41DF-9E3C-3270CD1C124B}"/>
-              </a:ext>
-            </a:extLst>
-          </p:cNvPr>
-          <p:cNvSpPr>
-            <a:spLocks noGrp="1"/>
-          </p:cNvSpPr>
-          <p:nvPr>
-            <p:ph idx="1"/>
-          </p:nvPr>
-        </p:nvSpPr>
-        <p:spPr/>
-        <p:txBody>
-          <a:bodyPr>
-            <a:normAutofit fontScale="92500"/>
-          </a:bodyPr>
-          <a:lstStyle/>
-          <a:p>
-            <a:r>
-              <a:rPr lang="en-US" dirty="0"/>
-              <a:t>Move to </a:t>
-            </a:r>
-            <a:r>
-              <a:rPr lang="en-US" b="1" dirty="0"/>
-              <a:t>interactive mode</a:t>
-            </a:r>
-          </a:p>
-          <a:p>
-            <a:r>
-              <a:rPr lang="en-US" dirty="0"/>
-              <a:t>Printing head of file:</a:t>
-            </a:r>
-          </a:p>
-          <a:p>
-            <a:pPr lvl="1"/>
-            <a:r>
-              <a:rPr lang="en-US" dirty="0"/>
-              <a:t>Tip: head filename</a:t>
-            </a:r>
-          </a:p>
-          <a:p>
-            <a:pPr lvl="1"/>
-            <a:r>
-              <a:rPr lang="en-US" dirty="0"/>
-              <a:t>Check for the format of FASTQ file (standard NGS format)</a:t>
-            </a:r>
-          </a:p>
-          <a:p>
-            <a:pPr lvl="1"/>
-            <a:r>
-              <a:rPr lang="en-US" dirty="0"/>
-              <a:t>Read about </a:t>
-            </a:r>
-            <a:r>
-              <a:rPr lang="en-US" dirty="0" err="1"/>
-              <a:t>fastq</a:t>
-            </a:r>
-            <a:r>
-              <a:rPr lang="en-US" dirty="0"/>
-              <a:t> format to understand the what each line means</a:t>
-            </a:r>
-          </a:p>
-          <a:p>
-            <a:pPr lvl="1"/>
-            <a:r>
-              <a:rPr lang="en-US" dirty="0">
-                <a:hlinkClick r:id="rId2"/>
-              </a:rPr>
-              <a:t>https://emea.support.illumina.com/bulletins/2016/04/fastq-files-explained.html</a:t>
-            </a:r>
-            <a:r>
-              <a:rPr lang="en-US" dirty="0"/>
-              <a:t> </a:t>
-            </a:r>
-          </a:p>
-          <a:p>
-            <a:r>
-              <a:rPr lang="en-US" dirty="0"/>
-              <a:t>Find any sequence pattern of your interest from a file</a:t>
-            </a:r>
-          </a:p>
-          <a:p>
-            <a:pPr lvl="1"/>
-            <a:r>
-              <a:rPr lang="en-US" dirty="0"/>
-              <a:t>Tip: </a:t>
-            </a:r>
-            <a:r>
-              <a:rPr lang="en-US" b="1" dirty="0"/>
-              <a:t>grep </a:t>
-            </a:r>
-            <a:r>
-              <a:rPr lang="en-US" b="1" i="1" dirty="0"/>
-              <a:t>AGGAGGAGGTTCA </a:t>
-            </a:r>
-            <a:r>
-              <a:rPr lang="en-US" b="1" dirty="0"/>
-              <a:t>filename </a:t>
-            </a:r>
-            <a:r>
-              <a:rPr lang="en-US" dirty="0"/>
-              <a:t>(you can change the sequences)</a:t>
-            </a:r>
-          </a:p>
-          <a:p>
-            <a:pPr lvl="1"/>
-            <a:r>
-              <a:rPr lang="en-US" dirty="0"/>
-              <a:t>Bonus: count how many lines of your sequence are there? </a:t>
-            </a:r>
-          </a:p>
-          <a:p>
-            <a:pPr marL="457200" lvl="1" indent="0">
-              <a:buNone/>
-            </a:pPr>
-            <a:r>
-              <a:rPr lang="en-US" dirty="0"/>
-              <a:t>	(tip: </a:t>
-            </a:r>
-            <a:r>
-              <a:rPr lang="en-US" b="1" dirty="0"/>
-              <a:t>grep </a:t>
-            </a:r>
-            <a:r>
-              <a:rPr lang="en-US" b="1" i="1" dirty="0"/>
-              <a:t>sequence file</a:t>
-            </a:r>
-            <a:r>
-              <a:rPr lang="en-US" b="1" dirty="0"/>
-              <a:t> | </a:t>
-            </a:r>
-            <a:r>
-              <a:rPr lang="en-US" b="1" dirty="0" err="1"/>
-              <a:t>wc</a:t>
-            </a:r>
-            <a:r>
-              <a:rPr lang="en-US" b="1" dirty="0"/>
-              <a:t> –l</a:t>
-            </a:r>
-            <a:r>
-              <a:rPr lang="en-US" dirty="0"/>
-              <a:t>)</a:t>
-            </a:r>
-            <a:endParaRPr lang="en-US" i="1" dirty="0"/>
-          </a:p>
-          <a:p>
-            <a:endParaRPr lang="en-US" i="1" dirty="0"/>
-          </a:p>
-        </p:txBody>
-      </p:sp>
-    </p:spTree>
-    <p:extLst>
-      <p:ext uri="{BB962C8B-B14F-4D97-AF65-F5344CB8AC3E}">
-        <p14:creationId xmlns:p14="http://schemas.microsoft.com/office/powerpoint/2010/main" val="2999434762"/>
-      </p:ext>
-    </p:extLst>
-  </p:cSld>
-  <p:clrMapOvr>
-    <a:masterClrMapping/>
-  </p:clrMapOvr>
-</p:sld>
-</file>
-
-<file path=ppt/slides/slide23.xml><?xml version="1.0" encoding="utf-8"?>
-<p:sld xmlns:a="http://schemas.openxmlformats.org/drawingml/2006/main" xmlns:r="http://schemas.openxmlformats.org/officeDocument/2006/relationships" xmlns:p="http://schemas.openxmlformats.org/presentationml/2006/main">
-  <p:cSld>
-    <p:spTree>
-      <p:nvGrpSpPr>
-        <p:cNvPr id="1" name=""/>
-        <p:cNvGrpSpPr/>
-        <p:nvPr/>
-      </p:nvGrpSpPr>
-      <p:grpSpPr>
-        <a:xfrm>
-          <a:off x="0" y="0"/>
-          <a:ext cx="0" cy="0"/>
-          <a:chOff x="0" y="0"/>
-          <a:chExt cx="0" cy="0"/>
-        </a:xfrm>
-      </p:grpSpPr>
-      <p:sp>
-        <p:nvSpPr>
-          <p:cNvPr id="2" name="Title 1">
-            <a:extLst>
-              <a:ext uri="{FF2B5EF4-FFF2-40B4-BE49-F238E27FC236}">
-                <a16:creationId xmlns:a16="http://schemas.microsoft.com/office/drawing/2014/main" id="{7B2C48CA-6D35-4B81-85C0-85B0AE11F802}"/>
-              </a:ext>
-            </a:extLst>
-          </p:cNvPr>
-          <p:cNvSpPr>
-            <a:spLocks noGrp="1"/>
-          </p:cNvSpPr>
-          <p:nvPr>
-            <p:ph type="title"/>
-          </p:nvPr>
-        </p:nvSpPr>
-        <p:spPr/>
-        <p:txBody>
-          <a:bodyPr/>
-          <a:lstStyle/>
-          <a:p>
-            <a:r>
-              <a:rPr lang="en-US" dirty="0"/>
-              <a:t>Shell scripting</a:t>
-            </a:r>
-          </a:p>
-        </p:txBody>
-      </p:sp>
-      <p:sp>
-        <p:nvSpPr>
-          <p:cNvPr id="3" name="Content Placeholder 2">
-            <a:extLst>
-              <a:ext uri="{FF2B5EF4-FFF2-40B4-BE49-F238E27FC236}">
-                <a16:creationId xmlns:a16="http://schemas.microsoft.com/office/drawing/2014/main" id="{D611606E-FB3D-478F-BFB8-A1DD26F8F383}"/>
-              </a:ext>
-            </a:extLst>
-          </p:cNvPr>
-          <p:cNvSpPr>
-            <a:spLocks noGrp="1"/>
-          </p:cNvSpPr>
-          <p:nvPr>
-            <p:ph idx="1"/>
-          </p:nvPr>
-        </p:nvSpPr>
-        <p:spPr/>
-        <p:txBody>
-          <a:bodyPr/>
-          <a:lstStyle/>
-          <a:p>
-            <a:r>
-              <a:rPr lang="en-US" dirty="0"/>
-              <a:t>Declaration of variables:</a:t>
-            </a:r>
-          </a:p>
-          <a:p>
-            <a:pPr lvl="1"/>
-            <a:r>
-              <a:rPr lang="en-US" dirty="0"/>
-              <a:t>var1=341 </a:t>
-            </a:r>
-          </a:p>
-          <a:p>
-            <a:pPr lvl="1"/>
-            <a:r>
-              <a:rPr lang="en-US" dirty="0"/>
-              <a:t>(there is no space between =, var1, and 341)</a:t>
-            </a:r>
-          </a:p>
-          <a:p>
-            <a:pPr lvl="1"/>
-            <a:r>
-              <a:rPr lang="en-US" dirty="0"/>
-              <a:t>var2=$(($var1 + 12))</a:t>
-            </a:r>
-          </a:p>
-          <a:p>
-            <a:r>
-              <a:rPr lang="en-US" dirty="0"/>
-              <a:t>Printing value of variables:</a:t>
-            </a:r>
-          </a:p>
-          <a:p>
-            <a:pPr lvl="1"/>
-            <a:r>
-              <a:rPr lang="en-US" dirty="0"/>
-              <a:t>echo $var1</a:t>
-            </a:r>
-          </a:p>
-          <a:p>
-            <a:pPr lvl="1"/>
-            <a:r>
-              <a:rPr lang="en-US" dirty="0"/>
-              <a:t>echo ${var1}</a:t>
-            </a:r>
-          </a:p>
-          <a:p>
-            <a:r>
-              <a:rPr lang="en-US" dirty="0"/>
-              <a:t>Printing environment variables:</a:t>
-            </a:r>
-          </a:p>
-          <a:p>
-            <a:pPr lvl="1"/>
-            <a:r>
-              <a:rPr lang="en-US" dirty="0"/>
-              <a:t>echo $PWD</a:t>
-            </a:r>
-          </a:p>
-          <a:p>
-            <a:pPr lvl="1"/>
-            <a:r>
-              <a:rPr lang="en-US" dirty="0"/>
-              <a:t>echo $HOME</a:t>
-            </a:r>
-          </a:p>
-        </p:txBody>
-      </p:sp>
-    </p:spTree>
-    <p:extLst>
-      <p:ext uri="{BB962C8B-B14F-4D97-AF65-F5344CB8AC3E}">
-        <p14:creationId xmlns:p14="http://schemas.microsoft.com/office/powerpoint/2010/main" val="1113043546"/>
-      </p:ext>
-    </p:extLst>
-  </p:cSld>
-  <p:clrMapOvr>
-    <a:masterClrMapping/>
-  </p:clrMapOvr>
-</p:sld>
-</file>
-
-<file path=ppt/slides/slide24.xml><?xml version="1.0" encoding="utf-8"?>
-<p:sld xmlns:a="http://schemas.openxmlformats.org/drawingml/2006/main" xmlns:r="http://schemas.openxmlformats.org/officeDocument/2006/relationships" xmlns:p="http://schemas.openxmlformats.org/presentationml/2006/main">
-  <p:cSld>
-    <p:spTree>
-      <p:nvGrpSpPr>
-        <p:cNvPr id="1" name=""/>
-        <p:cNvGrpSpPr/>
-        <p:nvPr/>
-      </p:nvGrpSpPr>
-      <p:grpSpPr>
-        <a:xfrm>
-          <a:off x="0" y="0"/>
-          <a:ext cx="0" cy="0"/>
-          <a:chOff x="0" y="0"/>
-          <a:chExt cx="0" cy="0"/>
-        </a:xfrm>
-      </p:grpSpPr>
-      <p:sp>
-        <p:nvSpPr>
-          <p:cNvPr id="2" name="Title 1">
-            <a:extLst>
-              <a:ext uri="{FF2B5EF4-FFF2-40B4-BE49-F238E27FC236}">
                 <a16:creationId xmlns:a16="http://schemas.microsoft.com/office/drawing/2014/main" id="{5052AC30-4E0C-9F46-BBFA-C0DA6AA36366}"/>
               </a:ext>
             </a:extLst>
@@ -10501,26 +7881,33 @@
           <a:p>
             <a:r>
               <a:rPr lang="en-GB" dirty="0"/>
-              <a:t>Make sure that you are in the interactive mode (if not, move there)</a:t>
-            </a:r>
-          </a:p>
-          <a:p>
+              <a:t>Open an empty file with </a:t>
+            </a:r>
+            <a:r>
+              <a:rPr lang="en-GB" b="1" dirty="0"/>
+              <a:t>nano </a:t>
+            </a:r>
             <a:r>
               <a:rPr lang="en-GB" dirty="0"/>
-              <a:t>Open an empty file with </a:t>
-            </a:r>
-            <a:r>
-              <a:rPr lang="en-GB" b="1" dirty="0"/>
-              <a:t>nano</a:t>
-            </a:r>
-          </a:p>
-          <a:p>
+              <a:t>and write a script to perform task 2 final part:</a:t>
+            </a:r>
+          </a:p>
+          <a:p>
+            <a:pPr lvl="1"/>
+            <a:r>
+              <a:rPr lang="en-GB" dirty="0"/>
+              <a:t>Use variables to define the word and the file name</a:t>
+            </a:r>
+          </a:p>
+          <a:p>
+            <a:pPr lvl="1"/>
             <a:r>
               <a:rPr lang="en-GB" dirty="0"/>
               <a:t>Perform the previous grep command using shell script</a:t>
             </a:r>
           </a:p>
           <a:p>
+            <a:pPr lvl="1"/>
             <a:r>
               <a:rPr lang="en-GB" dirty="0"/>
               <a:t>In the last line, calculate how many lines the file has</a:t>
@@ -10553,7 +7940,7 @@
         </p:blipFill>
         <p:spPr>
           <a:xfrm>
-            <a:off x="175707" y="3985288"/>
+            <a:off x="175707" y="4404975"/>
             <a:ext cx="5167314" cy="1199555"/>
           </a:xfrm>
           <a:prstGeom prst="rect">
@@ -10583,7 +7970,7 @@
         </p:blipFill>
         <p:spPr>
           <a:xfrm>
-            <a:off x="5576582" y="3858612"/>
+            <a:off x="5538186" y="4354984"/>
             <a:ext cx="6439711" cy="1146141"/>
           </a:xfrm>
           <a:prstGeom prst="rect">
@@ -10613,7 +8000,7 @@
         </p:blipFill>
         <p:spPr>
           <a:xfrm>
-            <a:off x="5499792" y="6248399"/>
+            <a:off x="5538186" y="5501125"/>
             <a:ext cx="6516501" cy="569196"/>
           </a:xfrm>
           <a:prstGeom prst="rect">
@@ -10668,10 +8055,45 @@
           </a:p>
         </p:txBody>
       </p:sp>
+      <p:sp>
+        <p:nvSpPr>
+          <p:cNvPr id="8" name="TextBox 7">
+            <a:extLst>
+              <a:ext uri="{FF2B5EF4-FFF2-40B4-BE49-F238E27FC236}">
+                <a16:creationId xmlns:a16="http://schemas.microsoft.com/office/drawing/2014/main" id="{34EE4B17-41E6-DF41-BE72-83FA76059E7C}"/>
+              </a:ext>
+            </a:extLst>
+          </p:cNvPr>
+          <p:cNvSpPr txBox="1"/>
+          <p:nvPr/>
+        </p:nvSpPr>
+        <p:spPr>
+          <a:xfrm>
+            <a:off x="8773610" y="5969655"/>
+            <a:ext cx="3445174" cy="523220"/>
+          </a:xfrm>
+          <a:prstGeom prst="rect">
+            <a:avLst/>
+          </a:prstGeom>
+          <a:noFill/>
+        </p:spPr>
+        <p:txBody>
+          <a:bodyPr wrap="none" rtlCol="0">
+            <a:spAutoFit/>
+          </a:bodyPr>
+          <a:lstStyle/>
+          <a:p>
+            <a:r>
+              <a:rPr lang="en-US" sz="2800" b="1" dirty="0"/>
+              <a:t>20 min for practice</a:t>
+            </a:r>
+          </a:p>
+        </p:txBody>
+      </p:sp>
     </p:spTree>
     <p:extLst>
       <p:ext uri="{BB962C8B-B14F-4D97-AF65-F5344CB8AC3E}">
-        <p14:creationId xmlns:p14="http://schemas.microsoft.com/office/powerpoint/2010/main" val="1000344276"/>
+        <p14:creationId xmlns:p14="http://schemas.microsoft.com/office/powerpoint/2010/main" val="305879111"/>
       </p:ext>
     </p:extLst>
   </p:cSld>
@@ -10681,7 +8103,7 @@
 </p:sld>
 </file>
 
-<file path=ppt/slides/slide25.xml><?xml version="1.0" encoding="utf-8"?>
+<file path=ppt/slides/slide17.xml><?xml version="1.0" encoding="utf-8"?>
 <p:sld xmlns:a="http://schemas.openxmlformats.org/drawingml/2006/main" xmlns:r="http://schemas.openxmlformats.org/officeDocument/2006/relationships" xmlns:p="http://schemas.openxmlformats.org/presentationml/2006/main">
   <p:cSld>
     <p:spTree>
@@ -10761,6 +8183,98 @@
     <p:extLst>
       <p:ext uri="{BB962C8B-B14F-4D97-AF65-F5344CB8AC3E}">
         <p14:creationId xmlns:p14="http://schemas.microsoft.com/office/powerpoint/2010/main" val="2491796934"/>
+      </p:ext>
+    </p:extLst>
+  </p:cSld>
+  <p:clrMapOvr>
+    <a:masterClrMapping/>
+  </p:clrMapOvr>
+</p:sld>
+</file>
+
+<file path=ppt/slides/slide2.xml><?xml version="1.0" encoding="utf-8"?>
+<p:sld xmlns:a="http://schemas.openxmlformats.org/drawingml/2006/main" xmlns:r="http://schemas.openxmlformats.org/officeDocument/2006/relationships" xmlns:p="http://schemas.openxmlformats.org/presentationml/2006/main">
+  <p:cSld>
+    <p:spTree>
+      <p:nvGrpSpPr>
+        <p:cNvPr id="1" name=""/>
+        <p:cNvGrpSpPr/>
+        <p:nvPr/>
+      </p:nvGrpSpPr>
+      <p:grpSpPr>
+        <a:xfrm>
+          <a:off x="0" y="0"/>
+          <a:ext cx="0" cy="0"/>
+          <a:chOff x="0" y="0"/>
+          <a:chExt cx="0" cy="0"/>
+        </a:xfrm>
+      </p:grpSpPr>
+      <p:sp>
+        <p:nvSpPr>
+          <p:cNvPr id="2" name="Title 1">
+            <a:extLst>
+              <a:ext uri="{FF2B5EF4-FFF2-40B4-BE49-F238E27FC236}">
+                <a16:creationId xmlns:a16="http://schemas.microsoft.com/office/drawing/2014/main" id="{D57C865D-672E-D04E-87F1-9F89099460EC}"/>
+              </a:ext>
+            </a:extLst>
+          </p:cNvPr>
+          <p:cNvSpPr>
+            <a:spLocks noGrp="1"/>
+          </p:cNvSpPr>
+          <p:nvPr>
+            <p:ph type="title"/>
+          </p:nvPr>
+        </p:nvSpPr>
+        <p:spPr/>
+        <p:txBody>
+          <a:bodyPr/>
+          <a:lstStyle/>
+          <a:p>
+            <a:r>
+              <a:rPr lang="en-US" dirty="0"/>
+              <a:t>2</a:t>
+            </a:r>
+            <a:r>
+              <a:rPr lang="en-US" baseline="30000" dirty="0"/>
+              <a:t>nd</a:t>
+            </a:r>
+            <a:r>
+              <a:rPr lang="en-US" dirty="0"/>
+              <a:t> Exercise: Text File Exploration</a:t>
+            </a:r>
+            <a:endParaRPr lang="en-GB" dirty="0"/>
+          </a:p>
+        </p:txBody>
+      </p:sp>
+      <p:sp>
+        <p:nvSpPr>
+          <p:cNvPr id="3" name="Text Placeholder 2">
+            <a:extLst>
+              <a:ext uri="{FF2B5EF4-FFF2-40B4-BE49-F238E27FC236}">
+                <a16:creationId xmlns:a16="http://schemas.microsoft.com/office/drawing/2014/main" id="{B7B1DE01-B24F-3D46-938B-04023D7FC0E1}"/>
+              </a:ext>
+            </a:extLst>
+          </p:cNvPr>
+          <p:cNvSpPr>
+            <a:spLocks noGrp="1"/>
+          </p:cNvSpPr>
+          <p:nvPr>
+            <p:ph type="body" idx="1"/>
+          </p:nvPr>
+        </p:nvSpPr>
+        <p:spPr/>
+        <p:txBody>
+          <a:bodyPr/>
+          <a:lstStyle/>
+          <a:p>
+            <a:endParaRPr lang="en-GB"/>
+          </a:p>
+        </p:txBody>
+      </p:sp>
+    </p:spTree>
+    <p:extLst>
+      <p:ext uri="{BB962C8B-B14F-4D97-AF65-F5344CB8AC3E}">
+        <p14:creationId xmlns:p14="http://schemas.microsoft.com/office/powerpoint/2010/main" val="2912341423"/>
       </p:ext>
     </p:extLst>
   </p:cSld>
@@ -10792,7 +8306,7 @@
           <p:cNvPr id="2" name="Title 1">
             <a:extLst>
               <a:ext uri="{FF2B5EF4-FFF2-40B4-BE49-F238E27FC236}">
-                <a16:creationId xmlns:a16="http://schemas.microsoft.com/office/drawing/2014/main" id="{A445CB7F-27AC-427C-86D5-5B39B85D4690}"/>
+                <a16:creationId xmlns:a16="http://schemas.microsoft.com/office/drawing/2014/main" id="{685309C5-B91D-4B61-BD62-F7A62D5AAB51}"/>
               </a:ext>
             </a:extLst>
           </p:cNvPr>
@@ -10805,14 +8319,12 @@
         </p:nvSpPr>
         <p:spPr/>
         <p:txBody>
-          <a:bodyPr>
-            <a:normAutofit/>
-          </a:bodyPr>
-          <a:lstStyle/>
-          <a:p>
-            <a:r>
-              <a:rPr lang="en-US" sz="3600" dirty="0"/>
-              <a:t>How to access Rosalind HPC server (Linux)</a:t>
+          <a:bodyPr/>
+          <a:lstStyle/>
+          <a:p>
+            <a:r>
+              <a:rPr lang="en-US" dirty="0"/>
+              <a:t>Text file editor</a:t>
             </a:r>
           </a:p>
         </p:txBody>
@@ -10822,7 +8334,7 @@
           <p:cNvPr id="3" name="Content Placeholder 2">
             <a:extLst>
               <a:ext uri="{FF2B5EF4-FFF2-40B4-BE49-F238E27FC236}">
-                <a16:creationId xmlns:a16="http://schemas.microsoft.com/office/drawing/2014/main" id="{0A62312A-CB7B-4092-909B-76AED9E4AA0D}"/>
+                <a16:creationId xmlns:a16="http://schemas.microsoft.com/office/drawing/2014/main" id="{BB2C93B2-29B4-4363-97F4-CACB04FC14FD}"/>
               </a:ext>
             </a:extLst>
           </p:cNvPr>
@@ -10839,28 +8351,53 @@
           <a:lstStyle/>
           <a:p>
             <a:r>
-              <a:rPr lang="en-US" dirty="0" err="1">
-                <a:sym typeface="Wingdings" panose="05000000000000000000" pitchFamily="2" charset="2"/>
-              </a:rPr>
-              <a:t>Macbook</a:t>
-            </a:r>
-            <a:r>
-              <a:rPr lang="en-US" dirty="0">
-                <a:sym typeface="Wingdings" panose="05000000000000000000" pitchFamily="2" charset="2"/>
-              </a:rPr>
-              <a:t>  Use </a:t>
-            </a:r>
-            <a:r>
-              <a:rPr lang="en-US" b="1" dirty="0">
-                <a:sym typeface="Wingdings" panose="05000000000000000000" pitchFamily="2" charset="2"/>
-              </a:rPr>
-              <a:t>Terminal </a:t>
-            </a:r>
-            <a:r>
-              <a:rPr lang="en-US" dirty="0">
-                <a:sym typeface="Wingdings" panose="05000000000000000000" pitchFamily="2" charset="2"/>
-              </a:rPr>
-              <a:t> providing Unix/Linux commands and SSH terminal </a:t>
+              <a:rPr lang="en-US" dirty="0"/>
+              <a:t>Graphical editor: </a:t>
+            </a:r>
+            <a:r>
+              <a:rPr lang="en-US" dirty="0" err="1"/>
+              <a:t>gedit</a:t>
+            </a:r>
+            <a:endParaRPr lang="en-US" dirty="0"/>
+          </a:p>
+          <a:p>
+            <a:endParaRPr lang="en-US" dirty="0"/>
+          </a:p>
+          <a:p>
+            <a:endParaRPr lang="en-US" dirty="0"/>
+          </a:p>
+          <a:p>
+            <a:endParaRPr lang="en-US" dirty="0"/>
+          </a:p>
+          <a:p>
+            <a:endParaRPr lang="en-US" dirty="0"/>
+          </a:p>
+          <a:p>
+            <a:endParaRPr lang="en-US" dirty="0"/>
+          </a:p>
+          <a:p>
+            <a:endParaRPr lang="en-US" dirty="0"/>
+          </a:p>
+          <a:p>
+            <a:r>
+              <a:rPr lang="en-US" dirty="0"/>
+              <a:t>Command line editor: </a:t>
+            </a:r>
+            <a:r>
+              <a:rPr lang="en-US" b="1" dirty="0"/>
+              <a:t>vi</a:t>
+            </a:r>
+            <a:r>
+              <a:rPr lang="en-US" dirty="0"/>
+              <a:t>, </a:t>
+            </a:r>
+            <a:r>
+              <a:rPr lang="en-US" dirty="0" err="1"/>
+              <a:t>nano</a:t>
+            </a:r>
+            <a:r>
+              <a:rPr lang="en-US" dirty="0"/>
+              <a:t>, emacs, …</a:t>
             </a:r>
           </a:p>
           <a:p>
@@ -10870,55 +8407,73 @@
       </p:sp>
       <p:pic>
         <p:nvPicPr>
-          <p:cNvPr id="3074" name="Picture 2" descr="Image result for mac os terminal">
+          <p:cNvPr id="5" name="Picture 4">
             <a:extLst>
               <a:ext uri="{FF2B5EF4-FFF2-40B4-BE49-F238E27FC236}">
-                <a16:creationId xmlns:a16="http://schemas.microsoft.com/office/drawing/2014/main" id="{39C09B7F-CF4E-4E2E-B1DC-C7856227FBEF}"/>
+                <a16:creationId xmlns:a16="http://schemas.microsoft.com/office/drawing/2014/main" id="{B4DE83EB-01DE-46DC-9260-975603DB20DB}"/>
               </a:ext>
             </a:extLst>
           </p:cNvPr>
           <p:cNvPicPr>
-            <a:picLocks noChangeAspect="1" noChangeArrowheads="1"/>
+            <a:picLocks noChangeAspect="1"/>
           </p:cNvPicPr>
           <p:nvPr/>
         </p:nvPicPr>
         <p:blipFill>
-          <a:blip r:embed="rId2">
-            <a:extLst>
-              <a:ext uri="{28A0092B-C50C-407E-A947-70E740481C1C}">
-                <a14:useLocalDpi xmlns:a14="http://schemas.microsoft.com/office/drawing/2010/main" val="0"/>
-              </a:ext>
-            </a:extLst>
-          </a:blip>
-          <a:srcRect/>
+          <a:blip r:embed="rId2"/>
           <a:stretch>
             <a:fillRect/>
           </a:stretch>
         </p:blipFill>
-        <p:spPr bwMode="auto">
+        <p:spPr>
           <a:xfrm>
-            <a:off x="3021430" y="2976318"/>
-            <a:ext cx="6149139" cy="4208536"/>
+            <a:off x="5426810" y="1027906"/>
+            <a:ext cx="5495925" cy="3952875"/>
+          </a:xfrm>
+          <a:prstGeom prst="rect">
+            <a:avLst/>
+          </a:prstGeom>
+        </p:spPr>
+      </p:pic>
+      <p:sp>
+        <p:nvSpPr>
+          <p:cNvPr id="6" name="TextBox 5">
+            <a:extLst>
+              <a:ext uri="{FF2B5EF4-FFF2-40B4-BE49-F238E27FC236}">
+                <a16:creationId xmlns:a16="http://schemas.microsoft.com/office/drawing/2014/main" id="{62EED888-F192-406D-9928-03954C6EEF64}"/>
+              </a:ext>
+            </a:extLst>
+          </p:cNvPr>
+          <p:cNvSpPr txBox="1"/>
+          <p:nvPr/>
+        </p:nvSpPr>
+        <p:spPr>
+          <a:xfrm>
+            <a:off x="8750461" y="6176963"/>
+            <a:ext cx="2982996" cy="523220"/>
           </a:xfrm>
           <a:prstGeom prst="rect">
             <a:avLst/>
           </a:prstGeom>
           <a:noFill/>
-          <a:extLst>
-            <a:ext uri="{909E8E84-426E-40DD-AFC4-6F175D3DCCD1}">
-              <a14:hiddenFill xmlns:a14="http://schemas.microsoft.com/office/drawing/2010/main">
-                <a:solidFill>
-                  <a:srgbClr val="FFFFFF"/>
-                </a:solidFill>
-              </a14:hiddenFill>
-            </a:ext>
-          </a:extLst>
         </p:spPr>
-      </p:pic>
+        <p:txBody>
+          <a:bodyPr wrap="none" rtlCol="0">
+            <a:spAutoFit/>
+          </a:bodyPr>
+          <a:lstStyle/>
+          <a:p>
+            <a:r>
+              <a:rPr lang="en-US" sz="2800" b="1" dirty="0"/>
+              <a:t>30 min for practice</a:t>
+            </a:r>
+          </a:p>
+        </p:txBody>
+      </p:sp>
     </p:spTree>
     <p:extLst>
       <p:ext uri="{BB962C8B-B14F-4D97-AF65-F5344CB8AC3E}">
-        <p14:creationId xmlns:p14="http://schemas.microsoft.com/office/powerpoint/2010/main" val="3391066593"/>
+        <p14:creationId xmlns:p14="http://schemas.microsoft.com/office/powerpoint/2010/main" val="2604586002"/>
       </p:ext>
     </p:extLst>
   </p:cSld>
@@ -10950,7 +8505,7 @@
           <p:cNvPr id="2" name="Title 1">
             <a:extLst>
               <a:ext uri="{FF2B5EF4-FFF2-40B4-BE49-F238E27FC236}">
-                <a16:creationId xmlns:a16="http://schemas.microsoft.com/office/drawing/2014/main" id="{A445CB7F-27AC-427C-86D5-5B39B85D4690}"/>
+                <a16:creationId xmlns:a16="http://schemas.microsoft.com/office/drawing/2014/main" id="{1A2C2CB0-A6AC-43EE-AC1D-BDEBC9832BC5}"/>
               </a:ext>
             </a:extLst>
           </p:cNvPr>
@@ -10963,101 +8518,107 @@
         </p:nvSpPr>
         <p:spPr/>
         <p:txBody>
+          <a:bodyPr/>
+          <a:lstStyle/>
+          <a:p>
+            <a:r>
+              <a:rPr lang="en-US" dirty="0"/>
+              <a:t>Displaying content of file</a:t>
+            </a:r>
+          </a:p>
+        </p:txBody>
+      </p:sp>
+      <p:sp>
+        <p:nvSpPr>
+          <p:cNvPr id="3" name="Content Placeholder 2">
+            <a:extLst>
+              <a:ext uri="{FF2B5EF4-FFF2-40B4-BE49-F238E27FC236}">
+                <a16:creationId xmlns:a16="http://schemas.microsoft.com/office/drawing/2014/main" id="{CC7B5E14-5E2F-4D2C-AC20-D691B39BD724}"/>
+              </a:ext>
+            </a:extLst>
+          </p:cNvPr>
+          <p:cNvSpPr>
+            <a:spLocks noGrp="1"/>
+          </p:cNvSpPr>
+          <p:nvPr>
+            <p:ph idx="1"/>
+          </p:nvPr>
+        </p:nvSpPr>
+        <p:spPr/>
+        <p:txBody>
           <a:bodyPr>
             <a:normAutofit/>
           </a:bodyPr>
           <a:lstStyle/>
           <a:p>
             <a:r>
-              <a:rPr lang="en-US" sz="3600" dirty="0"/>
-              <a:t>How to access Rosalind HPC server (Linux)</a:t>
-            </a:r>
-          </a:p>
-        </p:txBody>
-      </p:sp>
-      <p:sp>
-        <p:nvSpPr>
-          <p:cNvPr id="3" name="Content Placeholder 2">
-            <a:extLst>
-              <a:ext uri="{FF2B5EF4-FFF2-40B4-BE49-F238E27FC236}">
-                <a16:creationId xmlns:a16="http://schemas.microsoft.com/office/drawing/2014/main" id="{0A62312A-CB7B-4092-909B-76AED9E4AA0D}"/>
-              </a:ext>
-            </a:extLst>
-          </p:cNvPr>
-          <p:cNvSpPr>
-            <a:spLocks noGrp="1"/>
-          </p:cNvSpPr>
-          <p:nvPr>
-            <p:ph idx="1"/>
-          </p:nvPr>
-        </p:nvSpPr>
-        <p:spPr/>
-        <p:txBody>
-          <a:bodyPr/>
-          <a:lstStyle/>
-          <a:p>
-            <a:r>
               <a:rPr lang="en-US" dirty="0"/>
-              <a:t>Windows laptop </a:t>
+              <a:t>cat file1 </a:t>
             </a:r>
             <a:r>
               <a:rPr lang="en-US" dirty="0">
                 <a:sym typeface="Wingdings" panose="05000000000000000000" pitchFamily="2" charset="2"/>
               </a:rPr>
-              <a:t> Install </a:t>
-            </a:r>
+              <a:t> printing all contents of file1</a:t>
+            </a:r>
+          </a:p>
+          <a:p>
+            <a:r>
+              <a:rPr lang="en-US" dirty="0">
+                <a:sym typeface="Wingdings" panose="05000000000000000000" pitchFamily="2" charset="2"/>
+              </a:rPr>
+              <a:t>less file1  brief file viewer  you can see next page by “space bar” and escape by “q” </a:t>
+            </a:r>
+          </a:p>
+          <a:p>
+            <a:r>
+              <a:rPr lang="en-US" dirty="0"/>
+              <a:t>head file1 </a:t>
+            </a:r>
+            <a:r>
+              <a:rPr lang="en-US" dirty="0">
+                <a:sym typeface="Wingdings" panose="05000000000000000000" pitchFamily="2" charset="2"/>
+              </a:rPr>
+              <a:t> printing first few lines of file</a:t>
+            </a:r>
+          </a:p>
+          <a:p>
+            <a:r>
+              <a:rPr lang="en-US" dirty="0">
+                <a:sym typeface="Wingdings" panose="05000000000000000000" pitchFamily="2" charset="2"/>
+              </a:rPr>
+              <a:t>tail file1  printing last few lines of file</a:t>
+            </a:r>
+          </a:p>
+          <a:p>
+            <a:r>
+              <a:rPr lang="en-US" dirty="0">
+                <a:sym typeface="Wingdings" panose="05000000000000000000" pitchFamily="2" charset="2"/>
+              </a:rPr>
+              <a:t>grep “pattern” file1  searching a file for “pattern”</a:t>
+            </a:r>
+          </a:p>
+          <a:p>
             <a:r>
               <a:rPr lang="en-US" dirty="0" err="1">
                 <a:sym typeface="Wingdings" panose="05000000000000000000" pitchFamily="2" charset="2"/>
               </a:rPr>
-              <a:t>Moba-Xterm</a:t>
+              <a:t>wc</a:t>
             </a:r>
             <a:r>
               <a:rPr lang="en-US" dirty="0">
                 <a:sym typeface="Wingdings" panose="05000000000000000000" pitchFamily="2" charset="2"/>
               </a:rPr>
-              <a:t> software  providing Unix/Linux commands on Windows &amp; SSH terminal</a:t>
-            </a:r>
-          </a:p>
-          <a:p>
-            <a:endParaRPr lang="en-US" dirty="0"/>
-          </a:p>
-        </p:txBody>
-      </p:sp>
-      <p:pic>
-        <p:nvPicPr>
-          <p:cNvPr id="4" name="Picture 3">
-            <a:extLst>
-              <a:ext uri="{FF2B5EF4-FFF2-40B4-BE49-F238E27FC236}">
-                <a16:creationId xmlns:a16="http://schemas.microsoft.com/office/drawing/2014/main" id="{098AAE59-AAE8-4116-B516-CBF9BCC4728D}"/>
-              </a:ext>
-            </a:extLst>
-          </p:cNvPr>
-          <p:cNvPicPr>
-            <a:picLocks noChangeAspect="1"/>
-          </p:cNvPicPr>
-          <p:nvPr/>
-        </p:nvPicPr>
-        <p:blipFill>
-          <a:blip r:embed="rId2"/>
-          <a:stretch>
-            <a:fillRect/>
-          </a:stretch>
-        </p:blipFill>
-        <p:spPr>
-          <a:xfrm>
-            <a:off x="3227142" y="2958348"/>
-            <a:ext cx="4890163" cy="3353552"/>
-          </a:xfrm>
-          <a:prstGeom prst="rect">
-            <a:avLst/>
-          </a:prstGeom>
-        </p:spPr>
-      </p:pic>
+              <a:t> –l  count line number</a:t>
+            </a:r>
+            <a:endParaRPr lang="en-US" dirty="0"/>
+          </a:p>
+        </p:txBody>
+      </p:sp>
     </p:spTree>
     <p:extLst>
       <p:ext uri="{BB962C8B-B14F-4D97-AF65-F5344CB8AC3E}">
-        <p14:creationId xmlns:p14="http://schemas.microsoft.com/office/powerpoint/2010/main" val="211715276"/>
+        <p14:creationId xmlns:p14="http://schemas.microsoft.com/office/powerpoint/2010/main" val="1364713879"/>
       </p:ext>
     </p:extLst>
   </p:cSld>
@@ -11089,7 +8650,7 @@
           <p:cNvPr id="2" name="Title 1">
             <a:extLst>
               <a:ext uri="{FF2B5EF4-FFF2-40B4-BE49-F238E27FC236}">
-                <a16:creationId xmlns:a16="http://schemas.microsoft.com/office/drawing/2014/main" id="{02842771-2BB9-4184-8654-D9812BFD17B4}"/>
+                <a16:creationId xmlns:a16="http://schemas.microsoft.com/office/drawing/2014/main" id="{02BFCF9F-0D5C-4127-922D-04E879326FB5}"/>
               </a:ext>
             </a:extLst>
           </p:cNvPr>
@@ -11106,10 +8667,9 @@
           <a:lstStyle/>
           <a:p>
             <a:r>
-              <a:rPr lang="en-US" sz="3600" dirty="0"/>
-              <a:t>How to access Rosalind HPC server (Linux)</a:t>
-            </a:r>
-            <a:endParaRPr lang="en-US" dirty="0"/>
+              <a:rPr lang="en-US" dirty="0"/>
+              <a:t>Tasks</a:t>
+            </a:r>
           </a:p>
         </p:txBody>
       </p:sp>
@@ -11118,7 +8678,7 @@
           <p:cNvPr id="3" name="Content Placeholder 2">
             <a:extLst>
               <a:ext uri="{FF2B5EF4-FFF2-40B4-BE49-F238E27FC236}">
-                <a16:creationId xmlns:a16="http://schemas.microsoft.com/office/drawing/2014/main" id="{05A58F11-3DC7-4BAB-8DDF-331A474794BC}"/>
+                <a16:creationId xmlns:a16="http://schemas.microsoft.com/office/drawing/2014/main" id="{6102C590-F224-44EA-B564-F562E493A1C7}"/>
               </a:ext>
             </a:extLst>
           </p:cNvPr>
@@ -11136,69 +8696,101 @@
           <a:p>
             <a:r>
               <a:rPr lang="en-US" dirty="0"/>
-              <a:t>Putty </a:t>
-            </a:r>
-            <a:r>
-              <a:rPr lang="en-US" dirty="0">
-                <a:sym typeface="Wingdings" panose="05000000000000000000" pitchFamily="2" charset="2"/>
-              </a:rPr>
-              <a:t> free and most simple program for SSH terminal</a:t>
-            </a:r>
-            <a:endParaRPr lang="en-US" dirty="0"/>
-          </a:p>
-        </p:txBody>
-      </p:sp>
-      <p:pic>
-        <p:nvPicPr>
-          <p:cNvPr id="5122" name="Picture 2" descr="Image result for putty">
+              <a:t>1) Make a folder in your home directory, 2) make 3 random files (tip: </a:t>
+            </a:r>
+            <a:r>
+              <a:rPr lang="en-US" b="1" dirty="0"/>
+              <a:t>touch</a:t>
+            </a:r>
+            <a:r>
+              <a:rPr lang="en-US" dirty="0"/>
+              <a:t>) and 3) show list of files you made</a:t>
+            </a:r>
+          </a:p>
+          <a:p>
+            <a:endParaRPr lang="en-US" dirty="0"/>
+          </a:p>
+          <a:p>
+            <a:r>
+              <a:rPr lang="en-US" dirty="0"/>
+              <a:t>1) Change the content of the file (tip: </a:t>
+            </a:r>
+            <a:r>
+              <a:rPr lang="en-US" b="1" dirty="0"/>
+              <a:t>nano</a:t>
+            </a:r>
+            <a:r>
+              <a:rPr lang="en-US" dirty="0"/>
+              <a:t>), 2) copy any text from any webpage (find long one) to the file, and 3) explore the files using head, tail, less, </a:t>
+            </a:r>
+            <a:r>
+              <a:rPr lang="en-US" dirty="0" err="1"/>
+              <a:t>etc</a:t>
+            </a:r>
+            <a:endParaRPr lang="en-US" dirty="0"/>
+          </a:p>
+          <a:p>
+            <a:endParaRPr lang="en-US" dirty="0"/>
+          </a:p>
+          <a:p>
+            <a:r>
+              <a:rPr lang="en-US" dirty="0"/>
+              <a:t>Count how many lines that you have</a:t>
+            </a:r>
+          </a:p>
+          <a:p>
+            <a:pPr marL="0" indent="0">
+              <a:buNone/>
+            </a:pPr>
+            <a:endParaRPr lang="en-US" dirty="0"/>
+          </a:p>
+          <a:p>
+            <a:r>
+              <a:rPr lang="en-US" dirty="0"/>
+              <a:t>Try to find if a word/phrase exists or not in the file (hint: grep)</a:t>
+            </a:r>
+          </a:p>
+        </p:txBody>
+      </p:sp>
+      <p:sp>
+        <p:nvSpPr>
+          <p:cNvPr id="4" name="TextBox 3">
             <a:extLst>
               <a:ext uri="{FF2B5EF4-FFF2-40B4-BE49-F238E27FC236}">
-                <a16:creationId xmlns:a16="http://schemas.microsoft.com/office/drawing/2014/main" id="{77F92370-8AF7-4DE0-BB89-10B0E3990ED0}"/>
+                <a16:creationId xmlns:a16="http://schemas.microsoft.com/office/drawing/2014/main" id="{9BC7B774-023B-4EB8-B548-2A36491928A7}"/>
               </a:ext>
             </a:extLst>
           </p:cNvPr>
-          <p:cNvPicPr>
-            <a:picLocks noChangeAspect="1" noChangeArrowheads="1"/>
-          </p:cNvPicPr>
+          <p:cNvSpPr txBox="1"/>
           <p:nvPr/>
-        </p:nvPicPr>
-        <p:blipFill>
-          <a:blip r:embed="rId2">
-            <a:extLst>
-              <a:ext uri="{28A0092B-C50C-407E-A947-70E740481C1C}">
-                <a14:useLocalDpi xmlns:a14="http://schemas.microsoft.com/office/drawing/2010/main" val="0"/>
-              </a:ext>
-            </a:extLst>
-          </a:blip>
-          <a:srcRect/>
-          <a:stretch>
-            <a:fillRect/>
-          </a:stretch>
-        </p:blipFill>
-        <p:spPr bwMode="auto">
+        </p:nvSpPr>
+        <p:spPr>
           <a:xfrm>
-            <a:off x="3480135" y="2572302"/>
-            <a:ext cx="3754855" cy="3604661"/>
+            <a:off x="8773610" y="5969655"/>
+            <a:ext cx="3445174" cy="523220"/>
           </a:xfrm>
           <a:prstGeom prst="rect">
             <a:avLst/>
           </a:prstGeom>
           <a:noFill/>
-          <a:extLst>
-            <a:ext uri="{909E8E84-426E-40DD-AFC4-6F175D3DCCD1}">
-              <a14:hiddenFill xmlns:a14="http://schemas.microsoft.com/office/drawing/2010/main">
-                <a:solidFill>
-                  <a:srgbClr val="FFFFFF"/>
-                </a:solidFill>
-              </a14:hiddenFill>
-            </a:ext>
-          </a:extLst>
         </p:spPr>
-      </p:pic>
+        <p:txBody>
+          <a:bodyPr wrap="none" rtlCol="0">
+            <a:spAutoFit/>
+          </a:bodyPr>
+          <a:lstStyle/>
+          <a:p>
+            <a:r>
+              <a:rPr lang="en-US" sz="2800" b="1" dirty="0"/>
+              <a:t>20 min for practice</a:t>
+            </a:r>
+          </a:p>
+        </p:txBody>
+      </p:sp>
     </p:spTree>
     <p:extLst>
       <p:ext uri="{BB962C8B-B14F-4D97-AF65-F5344CB8AC3E}">
-        <p14:creationId xmlns:p14="http://schemas.microsoft.com/office/powerpoint/2010/main" val="1988842082"/>
+        <p14:creationId xmlns:p14="http://schemas.microsoft.com/office/powerpoint/2010/main" val="85366043"/>
       </p:ext>
     </p:extLst>
   </p:cSld>
@@ -11230,7 +8822,7 @@
           <p:cNvPr id="2" name="Title 1">
             <a:extLst>
               <a:ext uri="{FF2B5EF4-FFF2-40B4-BE49-F238E27FC236}">
-                <a16:creationId xmlns:a16="http://schemas.microsoft.com/office/drawing/2014/main" id="{7146E5A1-FC95-024D-8DBA-79221BE17BEA}"/>
+                <a16:creationId xmlns:a16="http://schemas.microsoft.com/office/drawing/2014/main" id="{D57C865D-672E-D04E-87F1-9F89099460EC}"/>
               </a:ext>
             </a:extLst>
           </p:cNvPr>
@@ -11247,18 +8839,27 @@
           <a:lstStyle/>
           <a:p>
             <a:r>
-              <a:rPr lang="en-GB" dirty="0"/>
-              <a:t>Transferring Data To Rosalind</a:t>
-            </a:r>
-          </a:p>
-        </p:txBody>
-      </p:sp>
-      <p:sp>
-        <p:nvSpPr>
-          <p:cNvPr id="3" name="Content Placeholder 2">
+              <a:rPr lang="en-US" dirty="0"/>
+              <a:t>3</a:t>
+            </a:r>
+            <a:r>
+              <a:rPr lang="en-US" baseline="30000" dirty="0"/>
+              <a:t>rd</a:t>
+            </a:r>
+            <a:r>
+              <a:rPr lang="en-US" dirty="0"/>
+              <a:t> Exercise: how to control your files/directories</a:t>
+            </a:r>
+            <a:endParaRPr lang="en-GB" dirty="0"/>
+          </a:p>
+        </p:txBody>
+      </p:sp>
+      <p:sp>
+        <p:nvSpPr>
+          <p:cNvPr id="3" name="Text Placeholder 2">
             <a:extLst>
               <a:ext uri="{FF2B5EF4-FFF2-40B4-BE49-F238E27FC236}">
-                <a16:creationId xmlns:a16="http://schemas.microsoft.com/office/drawing/2014/main" id="{6C75AC20-6191-6740-9652-6F77F452200E}"/>
+                <a16:creationId xmlns:a16="http://schemas.microsoft.com/office/drawing/2014/main" id="{B7B1DE01-B24F-3D46-938B-04023D7FC0E1}"/>
               </a:ext>
             </a:extLst>
           </p:cNvPr>
@@ -11266,115 +8867,22 @@
             <a:spLocks noGrp="1"/>
           </p:cNvSpPr>
           <p:nvPr>
-            <p:ph idx="1"/>
-          </p:nvPr>
-        </p:nvSpPr>
-        <p:spPr>
-          <a:xfrm>
-            <a:off x="967125" y="1746631"/>
-            <a:ext cx="8946541" cy="4805082"/>
-          </a:xfrm>
-        </p:spPr>
-        <p:txBody>
-          <a:bodyPr>
-            <a:normAutofit/>
-          </a:bodyPr>
-          <a:lstStyle/>
-          <a:p>
-            <a:r>
-              <a:rPr lang="en-GB" dirty="0"/>
-              <a:t>Download FileZilla (Client) to connect via SFTP</a:t>
-            </a:r>
-          </a:p>
-          <a:p>
-            <a:pPr marL="0" indent="0">
-              <a:buNone/>
-            </a:pPr>
-            <a:r>
-              <a:rPr lang="en-GB" dirty="0"/>
-              <a:t>	https://</a:t>
-            </a:r>
-            <a:r>
-              <a:rPr lang="en-GB" dirty="0" err="1"/>
-              <a:t>filezilla-project.org</a:t>
-            </a:r>
-            <a:r>
-              <a:rPr lang="en-GB" dirty="0"/>
-              <a:t>/</a:t>
-            </a:r>
-          </a:p>
-          <a:p>
-            <a:r>
-              <a:rPr lang="en-GB" dirty="0" err="1"/>
-              <a:t>MobaXterm</a:t>
-            </a:r>
-            <a:r>
-              <a:rPr lang="en-GB" dirty="0"/>
-              <a:t> supports SFTP transfer as well (Slow)</a:t>
-            </a:r>
-          </a:p>
-          <a:p>
-            <a:endParaRPr lang="en-GB" dirty="0"/>
-          </a:p>
-          <a:p>
-            <a:endParaRPr lang="en-GB" dirty="0"/>
-          </a:p>
-          <a:p>
-            <a:endParaRPr lang="en-GB" dirty="0"/>
-          </a:p>
-        </p:txBody>
-      </p:sp>
-      <p:pic>
-        <p:nvPicPr>
-          <p:cNvPr id="5122" name="Picture 2" descr="FileZilla - Wikipedia">
-            <a:extLst>
-              <a:ext uri="{FF2B5EF4-FFF2-40B4-BE49-F238E27FC236}">
-                <a16:creationId xmlns:a16="http://schemas.microsoft.com/office/drawing/2014/main" id="{2120E889-6D82-F240-BEB7-2106FA2C6EB0}"/>
-              </a:ext>
-            </a:extLst>
-          </p:cNvPr>
-          <p:cNvPicPr>
-            <a:picLocks noChangeAspect="1" noChangeArrowheads="1"/>
-          </p:cNvPicPr>
-          <p:nvPr/>
-        </p:nvPicPr>
-        <p:blipFill>
-          <a:blip r:embed="rId2">
-            <a:extLst>
-              <a:ext uri="{28A0092B-C50C-407E-A947-70E740481C1C}">
-                <a14:useLocalDpi xmlns:a14="http://schemas.microsoft.com/office/drawing/2010/main" val="0"/>
-              </a:ext>
-            </a:extLst>
-          </a:blip>
-          <a:srcRect/>
-          <a:stretch>
-            <a:fillRect/>
-          </a:stretch>
-        </p:blipFill>
-        <p:spPr bwMode="auto">
-          <a:xfrm>
-            <a:off x="7402944" y="3147161"/>
-            <a:ext cx="4153516" cy="3587203"/>
-          </a:xfrm>
-          <a:prstGeom prst="rect">
-            <a:avLst/>
-          </a:prstGeom>
-          <a:noFill/>
-          <a:extLst>
-            <a:ext uri="{909E8E84-426E-40DD-AFC4-6F175D3DCCD1}">
-              <a14:hiddenFill xmlns:a14="http://schemas.microsoft.com/office/drawing/2010/main">
-                <a:solidFill>
-                  <a:srgbClr val="FFFFFF"/>
-                </a:solidFill>
-              </a14:hiddenFill>
-            </a:ext>
-          </a:extLst>
-        </p:spPr>
-      </p:pic>
+            <p:ph type="body" idx="1"/>
+          </p:nvPr>
+        </p:nvSpPr>
+        <p:spPr/>
+        <p:txBody>
+          <a:bodyPr/>
+          <a:lstStyle/>
+          <a:p>
+            <a:endParaRPr lang="en-GB"/>
+          </a:p>
+        </p:txBody>
+      </p:sp>
     </p:spTree>
     <p:extLst>
       <p:ext uri="{BB962C8B-B14F-4D97-AF65-F5344CB8AC3E}">
-        <p14:creationId xmlns:p14="http://schemas.microsoft.com/office/powerpoint/2010/main" val="2822567048"/>
+        <p14:creationId xmlns:p14="http://schemas.microsoft.com/office/powerpoint/2010/main" val="3010974309"/>
       </p:ext>
     </p:extLst>
   </p:cSld>
@@ -11406,7 +8914,7 @@
           <p:cNvPr id="2" name="Title 1">
             <a:extLst>
               <a:ext uri="{FF2B5EF4-FFF2-40B4-BE49-F238E27FC236}">
-                <a16:creationId xmlns:a16="http://schemas.microsoft.com/office/drawing/2014/main" id="{7BF306D6-6D21-458A-A660-07172C042027}"/>
+                <a16:creationId xmlns:a16="http://schemas.microsoft.com/office/drawing/2014/main" id="{1A2C2CB0-A6AC-43EE-AC1D-BDEBC9832BC5}"/>
               </a:ext>
             </a:extLst>
           </p:cNvPr>
@@ -11424,7 +8932,7 @@
           <a:p>
             <a:r>
               <a:rPr lang="en-US" dirty="0"/>
-              <a:t>How to login Rosalind</a:t>
+              <a:t>Copying and moving files/directories</a:t>
             </a:r>
           </a:p>
         </p:txBody>
@@ -11434,7 +8942,7 @@
           <p:cNvPr id="3" name="Content Placeholder 2">
             <a:extLst>
               <a:ext uri="{FF2B5EF4-FFF2-40B4-BE49-F238E27FC236}">
-                <a16:creationId xmlns:a16="http://schemas.microsoft.com/office/drawing/2014/main" id="{0336926D-8F12-487C-AE34-219609F3DF9B}"/>
+                <a16:creationId xmlns:a16="http://schemas.microsoft.com/office/drawing/2014/main" id="{CC7B5E14-5E2F-4D2C-AC20-D691B39BD724}"/>
               </a:ext>
             </a:extLst>
           </p:cNvPr>
@@ -11447,44 +8955,46 @@
         </p:nvSpPr>
         <p:spPr/>
         <p:txBody>
-          <a:bodyPr/>
+          <a:bodyPr>
+            <a:normAutofit fontScale="85000" lnSpcReduction="20000"/>
+          </a:bodyPr>
           <a:lstStyle/>
           <a:p>
             <a:r>
               <a:rPr lang="en-US" dirty="0"/>
-              <a:t>Open SSH client program (</a:t>
-            </a:r>
+              <a:t>Copy file1 to file2:</a:t>
+            </a:r>
+          </a:p>
+          <a:p>
+            <a:pPr lvl="1"/>
+            <a:r>
+              <a:rPr lang="en-US" dirty="0"/>
+              <a:t>cp file1 file2</a:t>
+            </a:r>
+          </a:p>
+          <a:p>
+            <a:pPr lvl="1"/>
+            <a:r>
+              <a:rPr lang="en-US" b="1" dirty="0"/>
+              <a:t>example</a:t>
+            </a:r>
+            <a:r>
+              <a:rPr lang="en-US" dirty="0"/>
+              <a:t>: </a:t>
+            </a:r>
+            <a:br>
+              <a:rPr lang="en-US" dirty="0"/>
+            </a:br>
+            <a:r>
+              <a:rPr lang="en-US" dirty="0"/>
+              <a:t>touch test1.txt</a:t>
+            </a:r>
+            <a:br>
+              <a:rPr lang="en-US" dirty="0"/>
+            </a:br>
             <a:r>
               <a:rPr lang="en-US" dirty="0" err="1"/>
-              <a:t>MobaXterm</a:t>
-            </a:r>
-            <a:r>
-              <a:rPr lang="en-US" dirty="0"/>
-              <a:t>, Putty, Terminal)</a:t>
-            </a:r>
-          </a:p>
-          <a:p>
-            <a:r>
-              <a:rPr lang="en-US" dirty="0"/>
-              <a:t>Login command:</a:t>
-            </a:r>
-          </a:p>
-          <a:p>
-            <a:pPr lvl="1"/>
-            <a:r>
-              <a:rPr lang="en-US" dirty="0" err="1"/>
-              <a:t>ssh</a:t>
-            </a:r>
-            <a:r>
-              <a:rPr lang="en-US" dirty="0"/>
-              <a:t> (YOUR_ID)@(SSH address)</a:t>
-            </a:r>
-          </a:p>
-          <a:p>
-            <a:pPr lvl="1"/>
-            <a:r>
-              <a:rPr lang="en-US" dirty="0" err="1"/>
-              <a:t>ssh</a:t>
+              <a:t>mkdir</a:t>
             </a:r>
             <a:r>
               <a:rPr lang="en-US" dirty="0"/>
@@ -11492,65 +9002,109 @@
             </a:r>
             <a:r>
               <a:rPr lang="en-US" dirty="0" err="1"/>
-              <a:t>kxxxxx@login.rosalind.kcl.ac.uk</a:t>
-            </a:r>
-            <a:endParaRPr lang="en-US" dirty="0"/>
+              <a:t>test_dir</a:t>
+            </a:r>
+            <a:br>
+              <a:rPr lang="en-US" dirty="0"/>
+            </a:br>
+            <a:r>
+              <a:rPr lang="en-US" dirty="0"/>
+              <a:t>cp test1.txt </a:t>
+            </a:r>
+            <a:r>
+              <a:rPr lang="en-US" dirty="0" err="1"/>
+              <a:t>test_dir</a:t>
+            </a:r>
+            <a:r>
+              <a:rPr lang="en-US" dirty="0"/>
+              <a:t>/test1.txt</a:t>
+            </a:r>
           </a:p>
           <a:p>
             <a:pPr lvl="1"/>
+            <a:endParaRPr lang="en-US" dirty="0"/>
+          </a:p>
+          <a:p>
             <a:r>
               <a:rPr lang="en-US" dirty="0"/>
-              <a:t>and type your password!</a:t>
-            </a:r>
-          </a:p>
-          <a:p>
-            <a:endParaRPr lang="en-US" dirty="0"/>
-          </a:p>
-          <a:p>
-            <a:pPr marL="0" indent="0">
-              <a:buNone/>
-            </a:pPr>
-            <a:endParaRPr lang="en-US" dirty="0"/>
-          </a:p>
-          <a:p>
-            <a:endParaRPr lang="en-US" dirty="0"/>
-          </a:p>
-        </p:txBody>
-      </p:sp>
-      <p:pic>
-        <p:nvPicPr>
-          <p:cNvPr id="5" name="Content Placeholder 3">
-            <a:extLst>
-              <a:ext uri="{FF2B5EF4-FFF2-40B4-BE49-F238E27FC236}">
-                <a16:creationId xmlns:a16="http://schemas.microsoft.com/office/drawing/2014/main" id="{3E5FA8C4-27B5-8641-92F7-684F5B252A2B}"/>
-              </a:ext>
-            </a:extLst>
-          </p:cNvPr>
-          <p:cNvPicPr>
-            <a:picLocks noChangeAspect="1"/>
-          </p:cNvPicPr>
-          <p:nvPr/>
-        </p:nvPicPr>
-        <p:blipFill>
-          <a:blip r:embed="rId2"/>
-          <a:stretch>
-            <a:fillRect/>
-          </a:stretch>
-        </p:blipFill>
-        <p:spPr>
-          <a:xfrm>
-            <a:off x="5838462" y="2686176"/>
-            <a:ext cx="6353538" cy="3761893"/>
-          </a:xfrm>
-          <a:prstGeom prst="rect">
-            <a:avLst/>
-          </a:prstGeom>
-        </p:spPr>
-      </p:pic>
+              <a:t>Copy all contents of dir1 to dir2</a:t>
+            </a:r>
+          </a:p>
+          <a:p>
+            <a:pPr lvl="1"/>
+            <a:r>
+              <a:rPr lang="en-US" dirty="0"/>
+              <a:t>cp -r dir1 dir2</a:t>
+            </a:r>
+          </a:p>
+          <a:p>
+            <a:pPr lvl="1"/>
+            <a:endParaRPr lang="en-US" dirty="0"/>
+          </a:p>
+          <a:p>
+            <a:r>
+              <a:rPr lang="en-US" dirty="0"/>
+              <a:t>Move file1 to file2 (or directories)</a:t>
+            </a:r>
+          </a:p>
+          <a:p>
+            <a:pPr lvl="1"/>
+            <a:r>
+              <a:rPr lang="en-US" dirty="0"/>
+              <a:t>mv file1 file2</a:t>
+            </a:r>
+          </a:p>
+          <a:p>
+            <a:pPr lvl="1"/>
+            <a:r>
+              <a:rPr lang="en-US" dirty="0"/>
+              <a:t>It can also rename your file</a:t>
+            </a:r>
+          </a:p>
+          <a:p>
+            <a:pPr lvl="1"/>
+            <a:r>
+              <a:rPr lang="en-US" dirty="0"/>
+              <a:t>Example:</a:t>
+            </a:r>
+            <a:br>
+              <a:rPr lang="en-US" dirty="0"/>
+            </a:br>
+            <a:r>
+              <a:rPr lang="en-US" dirty="0"/>
+              <a:t>mv /users/</a:t>
+            </a:r>
+            <a:r>
+              <a:rPr lang="en-US" dirty="0" err="1"/>
+              <a:t>kXXX</a:t>
+            </a:r>
+            <a:r>
+              <a:rPr lang="en-US" dirty="0"/>
+              <a:t>/</a:t>
+            </a:r>
+            <a:r>
+              <a:rPr lang="en-US" dirty="0" err="1"/>
+              <a:t>test_dir</a:t>
+            </a:r>
+            <a:r>
+              <a:rPr lang="en-US" dirty="0"/>
+              <a:t>/test1.txt /users/</a:t>
+            </a:r>
+            <a:r>
+              <a:rPr lang="en-US" dirty="0" err="1"/>
+              <a:t>kXXX</a:t>
+            </a:r>
+            <a:r>
+              <a:rPr lang="en-US" dirty="0"/>
+              <a:t>/test1.txt</a:t>
+            </a:r>
+          </a:p>
+        </p:txBody>
+      </p:sp>
     </p:spTree>
     <p:extLst>
       <p:ext uri="{BB962C8B-B14F-4D97-AF65-F5344CB8AC3E}">
-        <p14:creationId xmlns:p14="http://schemas.microsoft.com/office/powerpoint/2010/main" val="3275974529"/>
+        <p14:creationId xmlns:p14="http://schemas.microsoft.com/office/powerpoint/2010/main" val="4255138158"/>
       </p:ext>
     </p:extLst>
   </p:cSld>
@@ -11582,7 +9136,7 @@
           <p:cNvPr id="2" name="Title 1">
             <a:extLst>
               <a:ext uri="{FF2B5EF4-FFF2-40B4-BE49-F238E27FC236}">
-                <a16:creationId xmlns:a16="http://schemas.microsoft.com/office/drawing/2014/main" id="{7146E5A1-FC95-024D-8DBA-79221BE17BEA}"/>
+                <a16:creationId xmlns:a16="http://schemas.microsoft.com/office/drawing/2014/main" id="{9AF807E4-4BD4-4913-874B-4E2D57A4D561}"/>
               </a:ext>
             </a:extLst>
           </p:cNvPr>
@@ -11599,8 +9153,8 @@
           <a:lstStyle/>
           <a:p>
             <a:r>
-              <a:rPr lang="en-GB" dirty="0"/>
-              <a:t>Transferring Data To Rosalind</a:t>
+              <a:rPr lang="en-US" dirty="0"/>
+              <a:t>Removing files and directories</a:t>
             </a:r>
           </a:p>
         </p:txBody>
@@ -11610,7 +9164,7 @@
           <p:cNvPr id="3" name="Content Placeholder 2">
             <a:extLst>
               <a:ext uri="{FF2B5EF4-FFF2-40B4-BE49-F238E27FC236}">
-                <a16:creationId xmlns:a16="http://schemas.microsoft.com/office/drawing/2014/main" id="{6C75AC20-6191-6740-9652-6F77F452200E}"/>
+                <a16:creationId xmlns:a16="http://schemas.microsoft.com/office/drawing/2014/main" id="{AA21C2A0-F4CE-434A-BF63-9AD57799F9D4}"/>
               </a:ext>
             </a:extLst>
           </p:cNvPr>
@@ -11621,300 +9175,109 @@
             <p:ph idx="1"/>
           </p:nvPr>
         </p:nvSpPr>
-        <p:spPr>
-          <a:xfrm>
-            <a:off x="509925" y="1736903"/>
-            <a:ext cx="8946541" cy="4805082"/>
-          </a:xfrm>
-        </p:spPr>
+        <p:spPr/>
         <p:txBody>
           <a:bodyPr>
-            <a:normAutofit/>
+            <a:normAutofit lnSpcReduction="10000"/>
           </a:bodyPr>
           <a:lstStyle/>
           <a:p>
             <a:r>
-              <a:rPr lang="en-GB" dirty="0"/>
-              <a:t>Always add your private key first (Once)</a:t>
-            </a:r>
-          </a:p>
-          <a:p>
-            <a:pPr lvl="1"/>
-            <a:r>
-              <a:rPr lang="en-GB" dirty="0"/>
-              <a:t>Edit </a:t>
-            </a:r>
-            <a:r>
-              <a:rPr lang="en-GB" dirty="0">
-                <a:sym typeface="Wingdings" pitchFamily="2" charset="2"/>
+              <a:rPr lang="en-US" sz="1800" dirty="0"/>
+              <a:t>rm file1 </a:t>
+            </a:r>
+            <a:r>
+              <a:rPr lang="en-US" sz="1800" dirty="0">
+                <a:sym typeface="Wingdings" panose="05000000000000000000" pitchFamily="2" charset="2"/>
               </a:rPr>
-              <a:t> Setting  SFTP  Add Key file</a:t>
-            </a:r>
-          </a:p>
-          <a:p>
-            <a:pPr lvl="1"/>
-            <a:r>
-              <a:rPr lang="en-GB" dirty="0">
-                <a:sym typeface="Wingdings" pitchFamily="2" charset="2"/>
+              <a:t> remove file 1</a:t>
+            </a:r>
+          </a:p>
+          <a:p>
+            <a:r>
+              <a:rPr lang="en-US" sz="1800" dirty="0" err="1">
+                <a:sym typeface="Wingdings" panose="05000000000000000000" pitchFamily="2" charset="2"/>
               </a:rPr>
-              <a:t>Select your </a:t>
-            </a:r>
-            <a:r>
-              <a:rPr lang="en-GB" dirty="0" err="1">
-                <a:sym typeface="Wingdings" pitchFamily="2" charset="2"/>
+              <a:t>rmdir</a:t>
+            </a:r>
+            <a:r>
+              <a:rPr lang="en-US" sz="1800" dirty="0">
+                <a:sym typeface="Wingdings" panose="05000000000000000000" pitchFamily="2" charset="2"/>
               </a:rPr>
-              <a:t>id_rsa</a:t>
-            </a:r>
-            <a:r>
-              <a:rPr lang="en-GB" dirty="0">
-                <a:sym typeface="Wingdings" pitchFamily="2" charset="2"/>
+              <a:t> directory1  remove directory1 (please note that directory1 should not have any files)</a:t>
+            </a:r>
+          </a:p>
+          <a:p>
+            <a:pPr marL="0" indent="0">
+              <a:buNone/>
+            </a:pPr>
+            <a:r>
+              <a:rPr lang="en-US" sz="1800" b="1" dirty="0">
+                <a:sym typeface="Wingdings" panose="05000000000000000000" pitchFamily="2" charset="2"/>
               </a:rPr>
-              <a:t> (not </a:t>
-            </a:r>
-            <a:r>
-              <a:rPr lang="en-GB" dirty="0" err="1">
-                <a:sym typeface="Wingdings" pitchFamily="2" charset="2"/>
+              <a:t>WARNING: commands below should be carefully executed  deleted files will not be retrieved, especially in your own computer</a:t>
+            </a:r>
+            <a:endParaRPr lang="en-US" sz="1800" dirty="0">
+              <a:sym typeface="Wingdings" panose="05000000000000000000" pitchFamily="2" charset="2"/>
+            </a:endParaRPr>
+          </a:p>
+          <a:p>
+            <a:r>
+              <a:rPr lang="en-US" sz="1800" dirty="0">
+                <a:sym typeface="Wingdings" panose="05000000000000000000" pitchFamily="2" charset="2"/>
               </a:rPr>
-              <a:t>id_rsa.pub</a:t>
-            </a:r>
-            <a:r>
-              <a:rPr lang="en-GB" dirty="0">
-                <a:sym typeface="Wingdings" pitchFamily="2" charset="2"/>
+              <a:t>rm test*  removing files of names beginning with “test”</a:t>
+            </a:r>
+          </a:p>
+          <a:p>
+            <a:r>
+              <a:rPr lang="en-US" sz="1800" dirty="0">
+                <a:sym typeface="Wingdings" panose="05000000000000000000" pitchFamily="2" charset="2"/>
               </a:rPr>
-              <a:t>)</a:t>
-            </a:r>
-          </a:p>
-          <a:p>
-            <a:pPr lvl="1"/>
-            <a:r>
-              <a:rPr lang="en-GB" dirty="0">
-                <a:sym typeface="Wingdings" pitchFamily="2" charset="2"/>
+              <a:t>rm *  remove all files</a:t>
+            </a:r>
+          </a:p>
+          <a:p>
+            <a:r>
+              <a:rPr lang="en-US" sz="1800" dirty="0">
+                <a:sym typeface="Wingdings" panose="05000000000000000000" pitchFamily="2" charset="2"/>
               </a:rPr>
-              <a:t>Reminder:</a:t>
-            </a:r>
-          </a:p>
-          <a:p>
-            <a:pPr lvl="2"/>
-            <a:r>
-              <a:rPr lang="en-GB" dirty="0"/>
-              <a:t>C:\Users\</a:t>
-            </a:r>
-            <a:r>
-              <a:rPr lang="en-GB" dirty="0" err="1"/>
-              <a:t>your_username</a:t>
-            </a:r>
-            <a:r>
-              <a:rPr lang="en-GB" dirty="0"/>
-              <a:t>\.</a:t>
-            </a:r>
-            <a:r>
-              <a:rPr lang="en-GB" dirty="0" err="1"/>
-              <a:t>ssh</a:t>
-            </a:r>
-            <a:r>
-              <a:rPr lang="en-GB" dirty="0"/>
-              <a:t>\</a:t>
-            </a:r>
-            <a:r>
-              <a:rPr lang="en-GB" dirty="0" err="1"/>
-              <a:t>id_rsa</a:t>
-            </a:r>
-            <a:r>
-              <a:rPr lang="en-GB" dirty="0"/>
-              <a:t> (Windows)</a:t>
-            </a:r>
-          </a:p>
-          <a:p>
-            <a:pPr lvl="2"/>
-            <a:r>
-              <a:rPr lang="en-GB" dirty="0"/>
-              <a:t>/Users/</a:t>
-            </a:r>
-            <a:r>
-              <a:rPr lang="en-GB" dirty="0" err="1"/>
-              <a:t>your_username</a:t>
-            </a:r>
-            <a:r>
-              <a:rPr lang="en-GB" dirty="0"/>
-              <a:t>/.</a:t>
-            </a:r>
-            <a:r>
-              <a:rPr lang="en-GB" dirty="0" err="1"/>
-              <a:t>ssh</a:t>
-            </a:r>
-            <a:r>
-              <a:rPr lang="en-GB" dirty="0"/>
-              <a:t>/</a:t>
-            </a:r>
-            <a:r>
-              <a:rPr lang="en-GB" dirty="0" err="1"/>
-              <a:t>id_rsa</a:t>
-            </a:r>
-            <a:r>
-              <a:rPr lang="en-GB" dirty="0"/>
-              <a:t> (MacOS)</a:t>
-            </a:r>
-          </a:p>
-          <a:p>
-            <a:pPr lvl="3"/>
-            <a:r>
-              <a:rPr lang="en-GB" dirty="0"/>
-              <a:t>You can also open terminal, then copy the </a:t>
-            </a:r>
-            <a:r>
-              <a:rPr lang="en-GB" dirty="0" err="1"/>
-              <a:t>id_rsa</a:t>
-            </a:r>
-            <a:r>
-              <a:rPr lang="en-GB" dirty="0"/>
-              <a:t> to desktop</a:t>
-            </a:r>
-          </a:p>
-          <a:p>
-            <a:pPr marL="1371600" lvl="3" indent="0">
+              <a:t>“*” called a wildcard, which matches all patterns</a:t>
+            </a:r>
+          </a:p>
+          <a:p>
+            <a:pPr marL="0" indent="0">
               <a:buNone/>
             </a:pPr>
             <a:r>
-              <a:rPr lang="en-GB" i="1" dirty="0"/>
-              <a:t>	cp ~/.</a:t>
-            </a:r>
-            <a:r>
-              <a:rPr lang="en-GB" i="1" dirty="0" err="1"/>
-              <a:t>ssh</a:t>
-            </a:r>
-            <a:r>
-              <a:rPr lang="en-GB" i="1" dirty="0"/>
-              <a:t>/</a:t>
-            </a:r>
-            <a:r>
-              <a:rPr lang="en-GB" i="1" dirty="0" err="1"/>
-              <a:t>id_rsa</a:t>
-            </a:r>
-            <a:r>
-              <a:rPr lang="en-GB" i="1" dirty="0"/>
-              <a:t> ~/Desktop/</a:t>
-            </a:r>
-          </a:p>
-          <a:p>
-            <a:pPr marL="1371600" lvl="3" indent="0">
-              <a:buNone/>
-            </a:pPr>
-            <a:r>
-              <a:rPr lang="en-GB" dirty="0"/>
-              <a:t>	Then Load it to </a:t>
-            </a:r>
-            <a:r>
-              <a:rPr lang="en-GB" dirty="0" err="1"/>
-              <a:t>filezilla</a:t>
-            </a:r>
-            <a:r>
-              <a:rPr lang="en-GB" dirty="0"/>
-              <a:t> from desktop</a:t>
-            </a:r>
-          </a:p>
-          <a:p>
-            <a:pPr marL="457200"/>
-            <a:r>
-              <a:rPr lang="en-GB" dirty="0"/>
-              <a:t>After that, add Rosalind into the Site Manager</a:t>
-            </a:r>
-          </a:p>
-          <a:p>
-            <a:pPr marL="857250" lvl="1"/>
-            <a:r>
-              <a:rPr lang="en-GB" dirty="0"/>
-              <a:t>File </a:t>
-            </a:r>
-            <a:r>
-              <a:rPr lang="en-GB" dirty="0">
-                <a:sym typeface="Wingdings" pitchFamily="2" charset="2"/>
+              <a:rPr lang="en-US" sz="1800" b="1" dirty="0">
+                <a:sym typeface="Wingdings" panose="05000000000000000000" pitchFamily="2" charset="2"/>
               </a:rPr>
-              <a:t> Site Manager (or the top left corner icon)</a:t>
-            </a:r>
-            <a:endParaRPr lang="en-GB" dirty="0"/>
-          </a:p>
-          <a:p>
-            <a:pPr marL="457200"/>
-            <a:endParaRPr lang="en-GB" dirty="0"/>
-          </a:p>
-          <a:p>
-            <a:pPr lvl="1"/>
-            <a:endParaRPr lang="en-GB" dirty="0"/>
-          </a:p>
-          <a:p>
-            <a:endParaRPr lang="en-GB" dirty="0"/>
-          </a:p>
-          <a:p>
-            <a:endParaRPr lang="en-GB" dirty="0"/>
-          </a:p>
-          <a:p>
-            <a:endParaRPr lang="en-GB" dirty="0"/>
-          </a:p>
-        </p:txBody>
-      </p:sp>
-      <p:pic>
-        <p:nvPicPr>
-          <p:cNvPr id="4" name="Picture 3">
-            <a:extLst>
-              <a:ext uri="{FF2B5EF4-FFF2-40B4-BE49-F238E27FC236}">
-                <a16:creationId xmlns:a16="http://schemas.microsoft.com/office/drawing/2014/main" id="{4F5280AA-14A4-5C47-96DD-6821B7E9BBB2}"/>
-              </a:ext>
-            </a:extLst>
-          </p:cNvPr>
-          <p:cNvPicPr>
-            <a:picLocks noChangeAspect="1"/>
-          </p:cNvPicPr>
-          <p:nvPr/>
-        </p:nvPicPr>
-        <p:blipFill>
-          <a:blip r:embed="rId2"/>
-          <a:stretch>
-            <a:fillRect/>
-          </a:stretch>
-        </p:blipFill>
-        <p:spPr>
-          <a:xfrm>
-            <a:off x="7532483" y="1339419"/>
-            <a:ext cx="3847965" cy="2547105"/>
-          </a:xfrm>
-          <a:prstGeom prst="rect">
-            <a:avLst/>
-          </a:prstGeom>
-        </p:spPr>
-      </p:pic>
-      <p:pic>
-        <p:nvPicPr>
-          <p:cNvPr id="5" name="Picture 4">
-            <a:extLst>
-              <a:ext uri="{FF2B5EF4-FFF2-40B4-BE49-F238E27FC236}">
-                <a16:creationId xmlns:a16="http://schemas.microsoft.com/office/drawing/2014/main" id="{EC500198-3288-6845-8C0A-1115218CE665}"/>
-              </a:ext>
-            </a:extLst>
-          </p:cNvPr>
-          <p:cNvPicPr>
-            <a:picLocks noChangeAspect="1"/>
-          </p:cNvPicPr>
-          <p:nvPr/>
-        </p:nvPicPr>
-        <p:blipFill rotWithShape="1">
-          <a:blip r:embed="rId3"/>
-          <a:srcRect b="48634"/>
-          <a:stretch/>
-        </p:blipFill>
-        <p:spPr>
-          <a:xfrm>
-            <a:off x="7676911" y="4284008"/>
-            <a:ext cx="3559107" cy="2020829"/>
-          </a:xfrm>
-          <a:prstGeom prst="rect">
-            <a:avLst/>
-          </a:prstGeom>
-        </p:spPr>
-      </p:pic>
+              <a:t>Most dangerous command in Linux: </a:t>
+            </a:r>
+          </a:p>
+          <a:p>
+            <a:r>
+              <a:rPr lang="en-US" sz="1800" b="1" dirty="0">
+                <a:sym typeface="Wingdings" panose="05000000000000000000" pitchFamily="2" charset="2"/>
+              </a:rPr>
+              <a:t>rm –rf *</a:t>
+            </a:r>
+          </a:p>
+          <a:p>
+            <a:r>
+              <a:rPr lang="en-US" sz="1800" b="1" dirty="0">
+                <a:sym typeface="Wingdings" panose="05000000000000000000" pitchFamily="2" charset="2"/>
+              </a:rPr>
+              <a:t>It deletes all of your files and directories if you executed at the root or home folder</a:t>
+            </a:r>
+          </a:p>
+        </p:txBody>
+      </p:sp>
     </p:spTree>
     <p:extLst>
       <p:ext uri="{BB962C8B-B14F-4D97-AF65-F5344CB8AC3E}">
-        <p14:creationId xmlns:p14="http://schemas.microsoft.com/office/powerpoint/2010/main" val="1150051536"/>
+        <p14:creationId xmlns:p14="http://schemas.microsoft.com/office/powerpoint/2010/main" val="2313653221"/>
       </p:ext>
     </p:extLst>
   </p:cSld>
@@ -11946,7 +9309,7 @@
           <p:cNvPr id="2" name="Title 1">
             <a:extLst>
               <a:ext uri="{FF2B5EF4-FFF2-40B4-BE49-F238E27FC236}">
-                <a16:creationId xmlns:a16="http://schemas.microsoft.com/office/drawing/2014/main" id="{DF3140B3-25B9-234D-ADF5-6C0D16213BE1}"/>
+                <a16:creationId xmlns:a16="http://schemas.microsoft.com/office/drawing/2014/main" id="{02BFCF9F-0D5C-4127-922D-04E879326FB5}"/>
               </a:ext>
             </a:extLst>
           </p:cNvPr>
@@ -11963,540 +9326,110 @@
           <a:lstStyle/>
           <a:p>
             <a:r>
-              <a:rPr lang="en-GB" dirty="0"/>
-              <a:t>Architecture of HPC</a:t>
-            </a:r>
-          </a:p>
-        </p:txBody>
-      </p:sp>
-      <p:sp>
-        <p:nvSpPr>
-          <p:cNvPr id="8" name="Rectangle: Rounded Corners 3">
+              <a:rPr lang="en-US" dirty="0"/>
+              <a:t>Tasks</a:t>
+            </a:r>
+          </a:p>
+        </p:txBody>
+      </p:sp>
+      <p:sp>
+        <p:nvSpPr>
+          <p:cNvPr id="3" name="Content Placeholder 2">
             <a:extLst>
               <a:ext uri="{FF2B5EF4-FFF2-40B4-BE49-F238E27FC236}">
-                <a16:creationId xmlns:a16="http://schemas.microsoft.com/office/drawing/2014/main" id="{9EFF9ACE-96C7-014A-9D2A-A6F9FF60BA6B}"/>
+                <a16:creationId xmlns:a16="http://schemas.microsoft.com/office/drawing/2014/main" id="{6102C590-F224-44EA-B564-F562E493A1C7}"/>
               </a:ext>
             </a:extLst>
           </p:cNvPr>
-          <p:cNvSpPr/>
-          <p:nvPr/>
-        </p:nvSpPr>
-        <p:spPr>
-          <a:xfrm>
-            <a:off x="4630164" y="3478382"/>
-            <a:ext cx="1909821" cy="497712"/>
-          </a:xfrm>
-          <a:prstGeom prst="roundRect">
-            <a:avLst>
-              <a:gd name="adj" fmla="val 39640"/>
-            </a:avLst>
-          </a:prstGeom>
-          <a:solidFill>
-            <a:schemeClr val="bg1">
-              <a:lumMod val="85000"/>
-            </a:schemeClr>
-          </a:solidFill>
-          <a:ln>
-            <a:solidFill>
-              <a:schemeClr val="tx1"/>
-            </a:solidFill>
-          </a:ln>
-          <a:effectLst>
-            <a:outerShdw blurRad="292100" dist="139700" dir="2700000" algn="tl" rotWithShape="0">
-              <a:srgbClr val="333333">
-                <a:alpha val="65000"/>
-              </a:srgbClr>
-            </a:outerShdw>
-          </a:effectLst>
-        </p:spPr>
-        <p:style>
-          <a:lnRef idx="2">
-            <a:schemeClr val="accent1">
-              <a:shade val="50000"/>
-            </a:schemeClr>
-          </a:lnRef>
-          <a:fillRef idx="1">
-            <a:schemeClr val="accent1"/>
-          </a:fillRef>
-          <a:effectRef idx="0">
-            <a:schemeClr val="accent1"/>
-          </a:effectRef>
-          <a:fontRef idx="minor">
-            <a:schemeClr val="lt1"/>
-          </a:fontRef>
-        </p:style>
-        <p:txBody>
-          <a:bodyPr rtlCol="0" anchor="ctr"/>
-          <a:lstStyle/>
-          <a:p>
-            <a:pPr algn="ctr"/>
-            <a:r>
-              <a:rPr lang="en-US" b="1" dirty="0">
-                <a:solidFill>
-                  <a:schemeClr val="tx1"/>
-                </a:solidFill>
-              </a:rPr>
-              <a:t>Login node</a:t>
-            </a:r>
-          </a:p>
-        </p:txBody>
-      </p:sp>
-      <p:sp>
-        <p:nvSpPr>
-          <p:cNvPr id="9" name="Rectangle: Rounded Corners 6">
+          <p:cNvSpPr>
+            <a:spLocks noGrp="1"/>
+          </p:cNvSpPr>
+          <p:nvPr>
+            <p:ph idx="1"/>
+          </p:nvPr>
+        </p:nvSpPr>
+        <p:spPr/>
+        <p:txBody>
+          <a:bodyPr>
+            <a:normAutofit fontScale="92500" lnSpcReduction="10000"/>
+          </a:bodyPr>
+          <a:lstStyle/>
+          <a:p>
+            <a:r>
+              <a:rPr lang="en-US" dirty="0"/>
+              <a:t>1) Make a folder (FOLDER_A) in your home directory, 2) make 3 random files (tip: </a:t>
+            </a:r>
+            <a:r>
+              <a:rPr lang="en-US" b="1" dirty="0"/>
+              <a:t>touch</a:t>
+            </a:r>
+            <a:r>
+              <a:rPr lang="en-US" dirty="0"/>
+              <a:t>) and 3) show list of files you made</a:t>
+            </a:r>
+          </a:p>
+          <a:p>
+            <a:r>
+              <a:rPr lang="en-US" dirty="0"/>
+              <a:t>Repeat the previous step but with other names (FOLDER_B) </a:t>
+            </a:r>
+          </a:p>
+          <a:p>
+            <a:r>
+              <a:rPr lang="en-US" dirty="0"/>
+              <a:t>Delete the content from (FOLDER_A)</a:t>
+            </a:r>
+          </a:p>
+          <a:p>
+            <a:r>
+              <a:rPr lang="en-US" dirty="0"/>
+              <a:t>Copy the content (only) of FOLDER_B to FOLDER_A</a:t>
+            </a:r>
+          </a:p>
+          <a:p>
+            <a:r>
+              <a:rPr lang="en-US" dirty="0"/>
+              <a:t>Rename FOLDER_B as FOLDER_C</a:t>
+            </a:r>
+          </a:p>
+          <a:p>
+            <a:r>
+              <a:rPr lang="en-US" dirty="0"/>
+              <a:t>Copy FOLDER_C and give it a name is FOLDER_D</a:t>
+            </a:r>
+          </a:p>
+          <a:p>
+            <a:r>
+              <a:rPr lang="en-US" dirty="0"/>
+              <a:t>Move FOLDER_C to FOLDER_A</a:t>
+            </a:r>
+          </a:p>
+          <a:p>
+            <a:r>
+              <a:rPr lang="en-US" dirty="0"/>
+              <a:t>Make a new directory (FINAL)</a:t>
+            </a:r>
+          </a:p>
+          <a:p>
+            <a:r>
+              <a:rPr lang="en-US" dirty="0"/>
+              <a:t>Move FOLDER_A and FOLDER_D to Final (hint: use * wildcard)</a:t>
+            </a:r>
+          </a:p>
+          <a:p>
+            <a:r>
+              <a:rPr lang="en-US" dirty="0"/>
+              <a:t>Delete FINAL</a:t>
+            </a:r>
+          </a:p>
+        </p:txBody>
+      </p:sp>
+      <p:sp>
+        <p:nvSpPr>
+          <p:cNvPr id="4" name="TextBox 3">
             <a:extLst>
               <a:ext uri="{FF2B5EF4-FFF2-40B4-BE49-F238E27FC236}">
-                <a16:creationId xmlns:a16="http://schemas.microsoft.com/office/drawing/2014/main" id="{7F803A1D-E05D-9E49-940A-AFD8634E8DFC}"/>
-              </a:ext>
-            </a:extLst>
-          </p:cNvPr>
-          <p:cNvSpPr/>
-          <p:nvPr/>
-        </p:nvSpPr>
-        <p:spPr>
-          <a:xfrm>
-            <a:off x="2594948" y="4985984"/>
-            <a:ext cx="1909821" cy="726311"/>
-          </a:xfrm>
-          <a:prstGeom prst="roundRect">
-            <a:avLst>
-              <a:gd name="adj" fmla="val 39640"/>
-            </a:avLst>
-          </a:prstGeom>
-          <a:solidFill>
-            <a:schemeClr val="bg1">
-              <a:lumMod val="85000"/>
-            </a:schemeClr>
-          </a:solidFill>
-          <a:ln>
-            <a:solidFill>
-              <a:schemeClr val="tx1"/>
-            </a:solidFill>
-          </a:ln>
-          <a:effectLst>
-            <a:outerShdw blurRad="292100" dist="139700" dir="2700000" algn="tl" rotWithShape="0">
-              <a:srgbClr val="333333">
-                <a:alpha val="65000"/>
-              </a:srgbClr>
-            </a:outerShdw>
-          </a:effectLst>
-        </p:spPr>
-        <p:style>
-          <a:lnRef idx="2">
-            <a:schemeClr val="accent1">
-              <a:shade val="50000"/>
-            </a:schemeClr>
-          </a:lnRef>
-          <a:fillRef idx="1">
-            <a:schemeClr val="accent1"/>
-          </a:fillRef>
-          <a:effectRef idx="0">
-            <a:schemeClr val="accent1"/>
-          </a:effectRef>
-          <a:fontRef idx="minor">
-            <a:schemeClr val="lt1"/>
-          </a:fontRef>
-        </p:style>
-        <p:txBody>
-          <a:bodyPr rtlCol="0" anchor="ctr"/>
-          <a:lstStyle/>
-          <a:p>
-            <a:pPr algn="ctr"/>
-            <a:r>
-              <a:rPr lang="en-US" b="1" dirty="0">
-                <a:solidFill>
-                  <a:schemeClr val="tx1"/>
-                </a:solidFill>
-              </a:rPr>
-              <a:t>Computational node</a:t>
-            </a:r>
-          </a:p>
-        </p:txBody>
-      </p:sp>
-      <p:sp>
-        <p:nvSpPr>
-          <p:cNvPr id="10" name="Rectangle: Rounded Corners 7">
-            <a:extLst>
-              <a:ext uri="{FF2B5EF4-FFF2-40B4-BE49-F238E27FC236}">
-                <a16:creationId xmlns:a16="http://schemas.microsoft.com/office/drawing/2014/main" id="{071F9784-CA6D-374D-9083-7A31AD0C6C03}"/>
-              </a:ext>
-            </a:extLst>
-          </p:cNvPr>
-          <p:cNvSpPr/>
-          <p:nvPr/>
-        </p:nvSpPr>
-        <p:spPr>
-          <a:xfrm>
-            <a:off x="4811502" y="4994667"/>
-            <a:ext cx="1909821" cy="726311"/>
-          </a:xfrm>
-          <a:prstGeom prst="roundRect">
-            <a:avLst>
-              <a:gd name="adj" fmla="val 39640"/>
-            </a:avLst>
-          </a:prstGeom>
-          <a:solidFill>
-            <a:schemeClr val="bg1">
-              <a:lumMod val="85000"/>
-            </a:schemeClr>
-          </a:solidFill>
-          <a:ln>
-            <a:solidFill>
-              <a:schemeClr val="tx1"/>
-            </a:solidFill>
-          </a:ln>
-          <a:effectLst>
-            <a:outerShdw blurRad="292100" dist="139700" dir="2700000" algn="tl" rotWithShape="0">
-              <a:srgbClr val="333333">
-                <a:alpha val="65000"/>
-              </a:srgbClr>
-            </a:outerShdw>
-          </a:effectLst>
-        </p:spPr>
-        <p:style>
-          <a:lnRef idx="2">
-            <a:schemeClr val="accent1">
-              <a:shade val="50000"/>
-            </a:schemeClr>
-          </a:lnRef>
-          <a:fillRef idx="1">
-            <a:schemeClr val="accent1"/>
-          </a:fillRef>
-          <a:effectRef idx="0">
-            <a:schemeClr val="accent1"/>
-          </a:effectRef>
-          <a:fontRef idx="minor">
-            <a:schemeClr val="lt1"/>
-          </a:fontRef>
-        </p:style>
-        <p:txBody>
-          <a:bodyPr rtlCol="0" anchor="ctr"/>
-          <a:lstStyle/>
-          <a:p>
-            <a:pPr algn="ctr"/>
-            <a:r>
-              <a:rPr lang="en-US" b="1" dirty="0">
-                <a:solidFill>
-                  <a:schemeClr val="tx1"/>
-                </a:solidFill>
-              </a:rPr>
-              <a:t>Computational node</a:t>
-            </a:r>
-          </a:p>
-        </p:txBody>
-      </p:sp>
-      <p:sp>
-        <p:nvSpPr>
-          <p:cNvPr id="11" name="Rectangle: Rounded Corners 8">
-            <a:extLst>
-              <a:ext uri="{FF2B5EF4-FFF2-40B4-BE49-F238E27FC236}">
-                <a16:creationId xmlns:a16="http://schemas.microsoft.com/office/drawing/2014/main" id="{A6F73722-D86A-7344-9701-91B647FA50CD}"/>
-              </a:ext>
-            </a:extLst>
-          </p:cNvPr>
-          <p:cNvSpPr/>
-          <p:nvPr/>
-        </p:nvSpPr>
-        <p:spPr>
-          <a:xfrm>
-            <a:off x="7028056" y="4985983"/>
-            <a:ext cx="1909821" cy="726311"/>
-          </a:xfrm>
-          <a:prstGeom prst="roundRect">
-            <a:avLst>
-              <a:gd name="adj" fmla="val 39640"/>
-            </a:avLst>
-          </a:prstGeom>
-          <a:solidFill>
-            <a:schemeClr val="bg1">
-              <a:lumMod val="85000"/>
-            </a:schemeClr>
-          </a:solidFill>
-          <a:ln>
-            <a:solidFill>
-              <a:schemeClr val="tx1"/>
-            </a:solidFill>
-          </a:ln>
-          <a:effectLst>
-            <a:outerShdw blurRad="292100" dist="139700" dir="2700000" algn="tl" rotWithShape="0">
-              <a:srgbClr val="333333">
-                <a:alpha val="65000"/>
-              </a:srgbClr>
-            </a:outerShdw>
-          </a:effectLst>
-        </p:spPr>
-        <p:style>
-          <a:lnRef idx="2">
-            <a:schemeClr val="accent1">
-              <a:shade val="50000"/>
-            </a:schemeClr>
-          </a:lnRef>
-          <a:fillRef idx="1">
-            <a:schemeClr val="accent1"/>
-          </a:fillRef>
-          <a:effectRef idx="0">
-            <a:schemeClr val="accent1"/>
-          </a:effectRef>
-          <a:fontRef idx="minor">
-            <a:schemeClr val="lt1"/>
-          </a:fontRef>
-        </p:style>
-        <p:txBody>
-          <a:bodyPr rtlCol="0" anchor="ctr"/>
-          <a:lstStyle/>
-          <a:p>
-            <a:pPr algn="ctr"/>
-            <a:r>
-              <a:rPr lang="en-US" b="1" dirty="0">
-                <a:solidFill>
-                  <a:schemeClr val="tx1"/>
-                </a:solidFill>
-              </a:rPr>
-              <a:t>Computational node</a:t>
-            </a:r>
-          </a:p>
-        </p:txBody>
-      </p:sp>
-      <p:cxnSp>
-        <p:nvCxnSpPr>
-          <p:cNvPr id="12" name="Straight Connector 11">
-            <a:extLst>
-              <a:ext uri="{FF2B5EF4-FFF2-40B4-BE49-F238E27FC236}">
-                <a16:creationId xmlns:a16="http://schemas.microsoft.com/office/drawing/2014/main" id="{361589C1-B709-B747-A527-12453C9029E0}"/>
-              </a:ext>
-            </a:extLst>
-          </p:cNvPr>
-          <p:cNvCxnSpPr>
-            <a:cxnSpLocks/>
-          </p:cNvCxnSpPr>
-          <p:nvPr/>
-        </p:nvCxnSpPr>
-        <p:spPr>
-          <a:xfrm>
-            <a:off x="3549859" y="4601126"/>
-            <a:ext cx="4430208" cy="0"/>
-          </a:xfrm>
-          <a:prstGeom prst="line">
-            <a:avLst/>
-          </a:prstGeom>
-        </p:spPr>
-        <p:style>
-          <a:lnRef idx="1">
-            <a:schemeClr val="accent1"/>
-          </a:lnRef>
-          <a:fillRef idx="0">
-            <a:schemeClr val="accent1"/>
-          </a:fillRef>
-          <a:effectRef idx="0">
-            <a:schemeClr val="accent1"/>
-          </a:effectRef>
-          <a:fontRef idx="minor">
-            <a:schemeClr val="tx1"/>
-          </a:fontRef>
-        </p:style>
-      </p:cxnSp>
-      <p:cxnSp>
-        <p:nvCxnSpPr>
-          <p:cNvPr id="13" name="Straight Connector 12">
-            <a:extLst>
-              <a:ext uri="{FF2B5EF4-FFF2-40B4-BE49-F238E27FC236}">
-                <a16:creationId xmlns:a16="http://schemas.microsoft.com/office/drawing/2014/main" id="{8680A927-65E1-934B-85A6-6F007DFEA17D}"/>
-              </a:ext>
-            </a:extLst>
-          </p:cNvPr>
-          <p:cNvCxnSpPr>
-            <a:stCxn id="8" idx="2"/>
-          </p:cNvCxnSpPr>
-          <p:nvPr/>
-        </p:nvCxnSpPr>
-        <p:spPr>
-          <a:xfrm>
-            <a:off x="5585075" y="3976094"/>
-            <a:ext cx="10607" cy="914399"/>
-          </a:xfrm>
-          <a:prstGeom prst="line">
-            <a:avLst/>
-          </a:prstGeom>
-        </p:spPr>
-        <p:style>
-          <a:lnRef idx="1">
-            <a:schemeClr val="accent1"/>
-          </a:lnRef>
-          <a:fillRef idx="0">
-            <a:schemeClr val="accent1"/>
-          </a:fillRef>
-          <a:effectRef idx="0">
-            <a:schemeClr val="accent1"/>
-          </a:effectRef>
-          <a:fontRef idx="minor">
-            <a:schemeClr val="tx1"/>
-          </a:fontRef>
-        </p:style>
-      </p:cxnSp>
-      <p:cxnSp>
-        <p:nvCxnSpPr>
-          <p:cNvPr id="14" name="Straight Connector 13">
-            <a:extLst>
-              <a:ext uri="{FF2B5EF4-FFF2-40B4-BE49-F238E27FC236}">
-                <a16:creationId xmlns:a16="http://schemas.microsoft.com/office/drawing/2014/main" id="{45031EA5-CA38-9B41-8B95-F013F76EAC07}"/>
-              </a:ext>
-            </a:extLst>
-          </p:cNvPr>
-          <p:cNvCxnSpPr>
-            <a:cxnSpLocks/>
-            <a:endCxn id="9" idx="0"/>
-          </p:cNvCxnSpPr>
-          <p:nvPr/>
-        </p:nvCxnSpPr>
-        <p:spPr>
-          <a:xfrm>
-            <a:off x="3549859" y="4601126"/>
-            <a:ext cx="0" cy="384858"/>
-          </a:xfrm>
-          <a:prstGeom prst="line">
-            <a:avLst/>
-          </a:prstGeom>
-        </p:spPr>
-        <p:style>
-          <a:lnRef idx="1">
-            <a:schemeClr val="accent1"/>
-          </a:lnRef>
-          <a:fillRef idx="0">
-            <a:schemeClr val="accent1"/>
-          </a:fillRef>
-          <a:effectRef idx="0">
-            <a:schemeClr val="accent1"/>
-          </a:effectRef>
-          <a:fontRef idx="minor">
-            <a:schemeClr val="tx1"/>
-          </a:fontRef>
-        </p:style>
-      </p:cxnSp>
-      <p:cxnSp>
-        <p:nvCxnSpPr>
-          <p:cNvPr id="15" name="Straight Connector 14">
-            <a:extLst>
-              <a:ext uri="{FF2B5EF4-FFF2-40B4-BE49-F238E27FC236}">
-                <a16:creationId xmlns:a16="http://schemas.microsoft.com/office/drawing/2014/main" id="{3BEAF605-22BA-264F-9F5F-46FCF9BCC1B2}"/>
-              </a:ext>
-            </a:extLst>
-          </p:cNvPr>
-          <p:cNvCxnSpPr>
-            <a:endCxn id="11" idx="0"/>
-          </p:cNvCxnSpPr>
-          <p:nvPr/>
-        </p:nvCxnSpPr>
-        <p:spPr>
-          <a:xfrm flipH="1">
-            <a:off x="7982967" y="4601126"/>
-            <a:ext cx="8675" cy="384857"/>
-          </a:xfrm>
-          <a:prstGeom prst="line">
-            <a:avLst/>
-          </a:prstGeom>
-        </p:spPr>
-        <p:style>
-          <a:lnRef idx="1">
-            <a:schemeClr val="accent1"/>
-          </a:lnRef>
-          <a:fillRef idx="0">
-            <a:schemeClr val="accent1"/>
-          </a:fillRef>
-          <a:effectRef idx="0">
-            <a:schemeClr val="accent1"/>
-          </a:effectRef>
-          <a:fontRef idx="minor">
-            <a:schemeClr val="tx1"/>
-          </a:fontRef>
-        </p:style>
-      </p:cxnSp>
-      <p:sp>
-        <p:nvSpPr>
-          <p:cNvPr id="16" name="Rectangle 15">
-            <a:extLst>
-              <a:ext uri="{FF2B5EF4-FFF2-40B4-BE49-F238E27FC236}">
-                <a16:creationId xmlns:a16="http://schemas.microsoft.com/office/drawing/2014/main" id="{E2880120-84BD-1540-907C-B9ED65571536}"/>
-              </a:ext>
-            </a:extLst>
-          </p:cNvPr>
-          <p:cNvSpPr/>
-          <p:nvPr/>
-        </p:nvSpPr>
-        <p:spPr>
-          <a:xfrm>
-            <a:off x="5775149" y="4221278"/>
-            <a:ext cx="2505814" cy="369332"/>
-          </a:xfrm>
-          <a:prstGeom prst="rect">
-            <a:avLst/>
-          </a:prstGeom>
-        </p:spPr>
-        <p:txBody>
-          <a:bodyPr wrap="square">
-            <a:spAutoFit/>
-          </a:bodyPr>
-          <a:lstStyle/>
-          <a:p>
-            <a:r>
-              <a:rPr lang="en-US" dirty="0">
-                <a:solidFill>
-                  <a:srgbClr val="333333"/>
-                </a:solidFill>
-                <a:latin typeface="Arial" panose="020B0604020202020204" pitchFamily="34" charset="0"/>
-              </a:rPr>
-              <a:t>Grid Engine Scheduler</a:t>
-            </a:r>
-            <a:endParaRPr lang="en-US" dirty="0"/>
-          </a:p>
-        </p:txBody>
-      </p:sp>
-      <p:cxnSp>
-        <p:nvCxnSpPr>
-          <p:cNvPr id="18" name="Straight Arrow Connector 17">
-            <a:extLst>
-              <a:ext uri="{FF2B5EF4-FFF2-40B4-BE49-F238E27FC236}">
-                <a16:creationId xmlns:a16="http://schemas.microsoft.com/office/drawing/2014/main" id="{8EE3B54C-DEAC-B344-B4F4-BCB1995BD540}"/>
-              </a:ext>
-            </a:extLst>
-          </p:cNvPr>
-          <p:cNvCxnSpPr>
-            <a:cxnSpLocks/>
-          </p:cNvCxnSpPr>
-          <p:nvPr/>
-        </p:nvCxnSpPr>
-        <p:spPr>
-          <a:xfrm flipH="1">
-            <a:off x="5585076" y="2925258"/>
-            <a:ext cx="10606" cy="468350"/>
-          </a:xfrm>
-          <a:prstGeom prst="straightConnector1">
-            <a:avLst/>
-          </a:prstGeom>
-          <a:ln>
-            <a:tailEnd type="triangle"/>
-          </a:ln>
-        </p:spPr>
-        <p:style>
-          <a:lnRef idx="1">
-            <a:schemeClr val="accent1"/>
-          </a:lnRef>
-          <a:fillRef idx="0">
-            <a:schemeClr val="accent1"/>
-          </a:fillRef>
-          <a:effectRef idx="0">
-            <a:schemeClr val="accent1"/>
-          </a:effectRef>
-          <a:fontRef idx="minor">
-            <a:schemeClr val="tx1"/>
-          </a:fontRef>
-        </p:style>
-      </p:cxnSp>
-      <p:sp>
-        <p:nvSpPr>
-          <p:cNvPr id="19" name="TextBox 18">
-            <a:extLst>
-              <a:ext uri="{FF2B5EF4-FFF2-40B4-BE49-F238E27FC236}">
-                <a16:creationId xmlns:a16="http://schemas.microsoft.com/office/drawing/2014/main" id="{A0B655C3-0D64-5C4A-8962-6059652BEF66}"/>
+                <a16:creationId xmlns:a16="http://schemas.microsoft.com/office/drawing/2014/main" id="{9BC7B774-023B-4EB8-B548-2A36491928A7}"/>
               </a:ext>
             </a:extLst>
           </p:cNvPr>
@@ -12505,8 +9438,8 @@
         </p:nvSpPr>
         <p:spPr>
           <a:xfrm>
-            <a:off x="6693195" y="3496405"/>
-            <a:ext cx="1683696" cy="461665"/>
+            <a:off x="8773610" y="5969655"/>
+            <a:ext cx="3445174" cy="523220"/>
           </a:xfrm>
           <a:prstGeom prst="rect">
             <a:avLst/>
@@ -12514,219 +9447,22 @@
           <a:noFill/>
         </p:spPr>
         <p:txBody>
-          <a:bodyPr wrap="square" rtlCol="0">
+          <a:bodyPr wrap="none" rtlCol="0">
             <a:spAutoFit/>
           </a:bodyPr>
           <a:lstStyle/>
           <a:p>
-            <a:pPr marL="285750" indent="-285750">
-              <a:buFont typeface="Arial" panose="020B0604020202020204" pitchFamily="34" charset="0"/>
-              <a:buChar char="•"/>
-            </a:pPr>
-            <a:r>
-              <a:rPr lang="en-US" sz="1200" dirty="0"/>
-              <a:t>CPU</a:t>
-            </a:r>
-          </a:p>
-          <a:p>
-            <a:pPr marL="285750" indent="-285750">
-              <a:buFont typeface="Arial" panose="020B0604020202020204" pitchFamily="34" charset="0"/>
-              <a:buChar char="•"/>
-            </a:pPr>
-            <a:r>
-              <a:rPr lang="en-US" sz="1200" dirty="0"/>
-              <a:t>Memory</a:t>
-            </a:r>
-          </a:p>
-        </p:txBody>
-      </p:sp>
-      <p:cxnSp>
-        <p:nvCxnSpPr>
-          <p:cNvPr id="20" name="Straight Connector 19">
-            <a:extLst>
-              <a:ext uri="{FF2B5EF4-FFF2-40B4-BE49-F238E27FC236}">
-                <a16:creationId xmlns:a16="http://schemas.microsoft.com/office/drawing/2014/main" id="{90D9AF69-4909-5C4B-AF59-ED8617E9E8FF}"/>
-              </a:ext>
-            </a:extLst>
-          </p:cNvPr>
-          <p:cNvCxnSpPr>
-            <a:cxnSpLocks/>
-          </p:cNvCxnSpPr>
-          <p:nvPr/>
-        </p:nvCxnSpPr>
-        <p:spPr>
-          <a:xfrm flipH="1">
-            <a:off x="4504769" y="4221278"/>
-            <a:ext cx="1080304" cy="0"/>
-          </a:xfrm>
-          <a:prstGeom prst="line">
-            <a:avLst/>
-          </a:prstGeom>
-        </p:spPr>
-        <p:style>
-          <a:lnRef idx="1">
-            <a:schemeClr val="accent1"/>
-          </a:lnRef>
-          <a:fillRef idx="0">
-            <a:schemeClr val="accent1"/>
-          </a:fillRef>
-          <a:effectRef idx="0">
-            <a:schemeClr val="accent1"/>
-          </a:effectRef>
-          <a:fontRef idx="minor">
-            <a:schemeClr val="tx1"/>
-          </a:fontRef>
-        </p:style>
-      </p:cxnSp>
-      <p:sp>
-        <p:nvSpPr>
-          <p:cNvPr id="21" name="Rectangle: Rounded Corners 23">
-            <a:extLst>
-              <a:ext uri="{FF2B5EF4-FFF2-40B4-BE49-F238E27FC236}">
-                <a16:creationId xmlns:a16="http://schemas.microsoft.com/office/drawing/2014/main" id="{52124B69-54FB-C347-BF33-0F8F36ED6364}"/>
-              </a:ext>
-            </a:extLst>
-          </p:cNvPr>
-          <p:cNvSpPr/>
-          <p:nvPr/>
-        </p:nvSpPr>
-        <p:spPr>
-          <a:xfrm>
-            <a:off x="2630609" y="3976094"/>
-            <a:ext cx="1909821" cy="477454"/>
-          </a:xfrm>
-          <a:prstGeom prst="roundRect">
-            <a:avLst>
-              <a:gd name="adj" fmla="val 39640"/>
-            </a:avLst>
-          </a:prstGeom>
-          <a:solidFill>
-            <a:schemeClr val="bg1">
-              <a:lumMod val="85000"/>
-            </a:schemeClr>
-          </a:solidFill>
-          <a:ln>
-            <a:solidFill>
-              <a:schemeClr val="tx1"/>
-            </a:solidFill>
-          </a:ln>
-          <a:effectLst>
-            <a:outerShdw blurRad="292100" dist="139700" dir="2700000" algn="tl" rotWithShape="0">
-              <a:srgbClr val="333333">
-                <a:alpha val="65000"/>
-              </a:srgbClr>
-            </a:outerShdw>
-          </a:effectLst>
-        </p:spPr>
-        <p:style>
-          <a:lnRef idx="2">
-            <a:schemeClr val="accent1">
-              <a:shade val="50000"/>
-            </a:schemeClr>
-          </a:lnRef>
-          <a:fillRef idx="1">
-            <a:schemeClr val="accent1"/>
-          </a:fillRef>
-          <a:effectRef idx="0">
-            <a:schemeClr val="accent1"/>
-          </a:effectRef>
-          <a:fontRef idx="minor">
-            <a:schemeClr val="lt1"/>
-          </a:fontRef>
-        </p:style>
-        <p:txBody>
-          <a:bodyPr rtlCol="0" anchor="ctr"/>
-          <a:lstStyle/>
-          <a:p>
-            <a:pPr algn="ctr"/>
-            <a:r>
-              <a:rPr lang="en-US" b="1" dirty="0">
-                <a:solidFill>
-                  <a:schemeClr val="tx1"/>
-                </a:solidFill>
-              </a:rPr>
-              <a:t>Network drive</a:t>
-            </a:r>
-          </a:p>
-        </p:txBody>
-      </p:sp>
-      <p:sp>
-        <p:nvSpPr>
-          <p:cNvPr id="26" name="Rectangle 25">
-            <a:extLst>
-              <a:ext uri="{FF2B5EF4-FFF2-40B4-BE49-F238E27FC236}">
-                <a16:creationId xmlns:a16="http://schemas.microsoft.com/office/drawing/2014/main" id="{5F094DF3-9B65-5E46-BDEC-A75D472AD5D5}"/>
-              </a:ext>
-            </a:extLst>
-          </p:cNvPr>
-          <p:cNvSpPr/>
-          <p:nvPr/>
-        </p:nvSpPr>
-        <p:spPr>
-          <a:xfrm>
-            <a:off x="9075493" y="5096212"/>
-            <a:ext cx="1124026" cy="523220"/>
-          </a:xfrm>
-          <a:prstGeom prst="rect">
-            <a:avLst/>
-          </a:prstGeom>
-        </p:spPr>
-        <p:txBody>
-          <a:bodyPr wrap="square">
-            <a:spAutoFit/>
-          </a:bodyPr>
-          <a:lstStyle/>
-          <a:p>
-            <a:r>
-              <a:rPr lang="en-US" sz="2800" dirty="0">
-                <a:latin typeface="Arial" panose="020B0604020202020204" pitchFamily="34" charset="0"/>
-              </a:rPr>
-              <a:t>x 100</a:t>
-            </a:r>
-            <a:endParaRPr lang="en-US" sz="2800" dirty="0"/>
-          </a:p>
-        </p:txBody>
-      </p:sp>
-      <p:pic>
-        <p:nvPicPr>
-          <p:cNvPr id="29" name="Graphic 28" descr="Programmer">
-            <a:extLst>
-              <a:ext uri="{FF2B5EF4-FFF2-40B4-BE49-F238E27FC236}">
-                <a16:creationId xmlns:a16="http://schemas.microsoft.com/office/drawing/2014/main" id="{655D4005-3883-A342-88F3-3CBFD3A65599}"/>
-              </a:ext>
-            </a:extLst>
-          </p:cNvPr>
-          <p:cNvPicPr>
-            <a:picLocks noChangeAspect="1"/>
-          </p:cNvPicPr>
-          <p:nvPr/>
-        </p:nvPicPr>
-        <p:blipFill>
-          <a:blip r:embed="rId2">
-            <a:extLst>
-              <a:ext uri="{96DAC541-7B7A-43D3-8B79-37D633B846F1}">
-                <asvg:svgBlip xmlns:asvg="http://schemas.microsoft.com/office/drawing/2016/SVG/main" r:embed="rId3"/>
-              </a:ext>
-            </a:extLst>
-          </a:blip>
-          <a:stretch>
-            <a:fillRect/>
-          </a:stretch>
-        </p:blipFill>
-        <p:spPr>
-          <a:xfrm>
-            <a:off x="4816453" y="1468240"/>
-            <a:ext cx="1537240" cy="1537240"/>
-          </a:xfrm>
-          <a:prstGeom prst="rect">
-            <a:avLst/>
-          </a:prstGeom>
-        </p:spPr>
-      </p:pic>
+            <a:r>
+              <a:rPr lang="en-US" sz="2800" b="1" dirty="0"/>
+              <a:t>20 min for practice</a:t>
+            </a:r>
+          </a:p>
+        </p:txBody>
+      </p:sp>
     </p:spTree>
     <p:extLst>
       <p:ext uri="{BB962C8B-B14F-4D97-AF65-F5344CB8AC3E}">
-        <p14:creationId xmlns:p14="http://schemas.microsoft.com/office/powerpoint/2010/main" val="3654354026"/>
+        <p14:creationId xmlns:p14="http://schemas.microsoft.com/office/powerpoint/2010/main" val="4071050912"/>
       </p:ext>
     </p:extLst>
   </p:cSld>
